--- a/poster_stage.pptx
+++ b/poster_stage.pptx
@@ -3436,6 +3436,125 @@
       </p:grpSpPr>
       <p:sp>
         <p:nvSpPr>
+          <p:cNvPr id="3" name="Rectangle : coins arrondis 2">
+            <a:extLst>
+              <a:ext uri="{FF2B5EF4-FFF2-40B4-BE49-F238E27FC236}">
+                <a16:creationId xmlns:a16="http://schemas.microsoft.com/office/drawing/2014/main" id="{F2460DAA-26B9-871C-69AE-A726F517A74B}"/>
+              </a:ext>
+            </a:extLst>
+          </p:cNvPr>
+          <p:cNvSpPr/>
+          <p:nvPr/>
+        </p:nvSpPr>
+        <p:spPr bwMode="auto">
+          <a:xfrm>
+            <a:off x="1116302" y="3796725"/>
+            <a:ext cx="27900453" cy="1823024"/>
+          </a:xfrm>
+          <a:prstGeom prst="roundRect">
+            <a:avLst/>
+          </a:prstGeom>
+          <a:solidFill>
+            <a:srgbClr val="FFD85B">
+              <a:alpha val="9020"/>
+            </a:srgbClr>
+          </a:solidFill>
+          <a:ln w="38100" cap="flat" cmpd="sng" algn="ctr">
+            <a:solidFill>
+              <a:srgbClr val="FFC000"/>
+            </a:solidFill>
+            <a:prstDash val="solid"/>
+            <a:round/>
+            <a:headEnd type="none" w="med" len="med"/>
+            <a:tailEnd type="none" w="med" len="med"/>
+          </a:ln>
+          <a:effectLst/>
+        </p:spPr>
+        <p:txBody>
+          <a:bodyPr vert="horz" wrap="square" lIns="91440" tIns="45720" rIns="91440" bIns="45720" numCol="1" rtlCol="0" anchor="t" anchorCtr="0" compatLnSpc="1">
+            <a:prstTxWarp prst="textNoShape">
+              <a:avLst/>
+            </a:prstTxWarp>
+          </a:bodyPr>
+          <a:lstStyle/>
+          <a:p>
+            <a:pPr algn="just" defTabSz="4175125"/>
+            <a:r>
+              <a:rPr lang="fr-FR" sz="3600" b="1" i="0" dirty="0"/>
+              <a:t>Contexte : </a:t>
+            </a:r>
+            <a:r>
+              <a:rPr lang="fr-FR" sz="3200" i="0" dirty="0"/>
+              <a:t>J’ai effectué mon stage au sein de l’équipe VERTICS au LAAS-CNRS. </a:t>
+            </a:r>
+            <a:r>
+              <a:rPr lang="fr-FR" sz="3200" b="0" i="0" dirty="0">
+                <a:effectLst/>
+                <a:latin typeface="+mn-lt"/>
+              </a:rPr>
+              <a:t>J’ai étudié </a:t>
+            </a:r>
+            <a:r>
+              <a:rPr lang="fr-FR" sz="3200" i="0" dirty="0"/>
+              <a:t>des travaux sur l’impact de la mémoire CCM-SRAM sur le temps d’exécution de programmes. En m’appuyant sur ces travaux, j’ai déterminé l’impact énergétique de cette mémoire sur des microcontrôleurs avec et sans Dynamic Voltage Frequency </a:t>
+            </a:r>
+            <a:r>
+              <a:rPr lang="fr-FR" sz="3200" i="0" dirty="0" err="1"/>
+              <a:t>Scaling</a:t>
+            </a:r>
+            <a:r>
+              <a:rPr lang="fr-FR" sz="3200" i="0" dirty="0"/>
+              <a:t> (DVFS). Ces résultats seront ensuite appliqués dans le domaine du temps réel.</a:t>
+            </a:r>
+            <a:endParaRPr lang="fr-FR" sz="3200" b="1" i="0" dirty="0">
+              <a:effectLst>
+                <a:outerShdw blurRad="38100" dist="38100" dir="2700000" algn="tl">
+                  <a:srgbClr val="000000">
+                    <a:alpha val="43137"/>
+                  </a:srgbClr>
+                </a:outerShdw>
+              </a:effectLst>
+              <a:latin typeface="Arial" charset="0"/>
+            </a:endParaRPr>
+          </a:p>
+          <a:p>
+            <a:pPr marL="571500" marR="0" indent="-571500" algn="l" defTabSz="4175125" rtl="0" eaLnBrk="1" fontAlgn="base" latinLnBrk="0" hangingPunct="1">
+              <a:lnSpc>
+                <a:spcPct val="100000"/>
+              </a:lnSpc>
+              <a:spcBef>
+                <a:spcPct val="0"/>
+              </a:spcBef>
+              <a:spcAft>
+                <a:spcPct val="0"/>
+              </a:spcAft>
+              <a:buClrTx/>
+              <a:buSzTx/>
+              <a:buFont typeface="Arial" panose="020B0604020202020204" pitchFamily="34" charset="0"/>
+              <a:buChar char="•"/>
+              <a:tabLst/>
+            </a:pPr>
+            <a:endParaRPr kumimoji="0" lang="fr-FR" sz="4400" b="1" i="0" u="none" strike="noStrike" cap="none" normalizeH="0" baseline="0" dirty="0">
+              <a:ln>
+                <a:noFill/>
+              </a:ln>
+              <a:solidFill>
+                <a:schemeClr val="tx1"/>
+              </a:solidFill>
+              <a:effectLst>
+                <a:outerShdw blurRad="38100" dist="38100" dir="2700000" algn="tl">
+                  <a:srgbClr val="000000">
+                    <a:alpha val="43137"/>
+                  </a:srgbClr>
+                </a:outerShdw>
+              </a:effectLst>
+              <a:latin typeface="Arial" charset="0"/>
+            </a:endParaRPr>
+          </a:p>
+        </p:txBody>
+      </p:sp>
+      <p:sp>
+        <p:nvSpPr>
           <p:cNvPr id="2050" name="Text Box 6"/>
           <p:cNvSpPr txBox="1">
             <a:spLocks noChangeArrowheads="1"/>
@@ -3640,27 +3759,8 @@
                 </a:solidFill>
                 <a:ea typeface="MS PGothic" pitchFamily="34" charset="-128"/>
               </a:rPr>
-              <a:t> année </a:t>
+              <a:t> année 2022- 2023</a:t>
             </a:r>
-            <a:r>
-              <a:rPr lang="fr-FR" altLang="fr-FR" sz="4400">
-                <a:solidFill>
-                  <a:schemeClr val="bg1">
-                    <a:lumMod val="50000"/>
-                  </a:schemeClr>
-                </a:solidFill>
-                <a:ea typeface="MS PGothic" pitchFamily="34" charset="-128"/>
-              </a:rPr>
-              <a:t>2022- 2023</a:t>
-            </a:r>
-            <a:endParaRPr lang="fr-FR" altLang="fr-FR" sz="4400" dirty="0">
-              <a:solidFill>
-                <a:schemeClr val="bg1">
-                  <a:lumMod val="50000"/>
-                </a:schemeClr>
-              </a:solidFill>
-              <a:ea typeface="MS PGothic" pitchFamily="34" charset="-128"/>
-            </a:endParaRPr>
           </a:p>
         </p:txBody>
       </p:sp>
@@ -3687,8 +3787,8 @@
         </p:blipFill>
         <p:spPr bwMode="auto">
           <a:xfrm>
-            <a:off x="614363" y="369888"/>
-            <a:ext cx="4198937" cy="911225"/>
+            <a:off x="614363" y="369889"/>
+            <a:ext cx="4058083" cy="880658"/>
           </a:xfrm>
           <a:prstGeom prst="rect">
             <a:avLst/>
@@ -3892,531 +3992,7 @@
               <a:buFontTx/>
               <a:buNone/>
             </a:pPr>
-            <a:endParaRPr lang="fr-FR" altLang="fr-FR" sz="6000"/>
-          </a:p>
-        </p:txBody>
-      </p:sp>
-      <p:sp>
-        <p:nvSpPr>
-          <p:cNvPr id="2058" name="ZoneTexte 4"/>
-          <p:cNvSpPr txBox="1">
-            <a:spLocks noChangeArrowheads="1"/>
-          </p:cNvSpPr>
-          <p:nvPr/>
-        </p:nvSpPr>
-        <p:spPr bwMode="auto">
-          <a:xfrm>
-            <a:off x="21672093" y="785584"/>
-            <a:ext cx="4120039" cy="2246769"/>
-          </a:xfrm>
-          <a:prstGeom prst="rect">
-            <a:avLst/>
-          </a:prstGeom>
-          <a:noFill/>
-          <a:ln>
-            <a:noFill/>
-          </a:ln>
-          <a:extLst>
-            <a:ext uri="{909E8E84-426E-40DD-AFC4-6F175D3DCCD1}">
-              <a14:hiddenFill xmlns:a14="http://schemas.microsoft.com/office/drawing/2010/main">
-                <a:solidFill>
-                  <a:srgbClr val="FFFFFF"/>
-                </a:solidFill>
-              </a14:hiddenFill>
-            </a:ext>
-            <a:ext uri="{91240B29-F687-4F45-9708-019B960494DF}">
-              <a14:hiddenLine xmlns:a14="http://schemas.microsoft.com/office/drawing/2010/main" w="9525">
-                <a:solidFill>
-                  <a:srgbClr val="000000"/>
-                </a:solidFill>
-                <a:miter lim="800000"/>
-                <a:headEnd/>
-                <a:tailEnd/>
-              </a14:hiddenLine>
-            </a:ext>
-          </a:extLst>
-        </p:spPr>
-        <p:txBody>
-          <a:bodyPr wrap="none">
-            <a:spAutoFit/>
-          </a:bodyPr>
-          <a:lstStyle>
-            <a:lvl1pPr eaLnBrk="0" hangingPunct="0">
-              <a:spcBef>
-                <a:spcPct val="20000"/>
-              </a:spcBef>
-              <a:buChar char="•"/>
-              <a:defRPr sz="14600">
-                <a:solidFill>
-                  <a:schemeClr val="tx1"/>
-                </a:solidFill>
-                <a:latin typeface="Arial" panose="020B0604020202020204" pitchFamily="34" charset="0"/>
-              </a:defRPr>
-            </a:lvl1pPr>
-            <a:lvl2pPr marL="742950" indent="-285750" eaLnBrk="0" hangingPunct="0">
-              <a:spcBef>
-                <a:spcPct val="20000"/>
-              </a:spcBef>
-              <a:buChar char="–"/>
-              <a:defRPr sz="12800">
-                <a:solidFill>
-                  <a:schemeClr val="tx1"/>
-                </a:solidFill>
-                <a:latin typeface="Arial" panose="020B0604020202020204" pitchFamily="34" charset="0"/>
-              </a:defRPr>
-            </a:lvl2pPr>
-            <a:lvl3pPr marL="1143000" indent="-228600" eaLnBrk="0" hangingPunct="0">
-              <a:spcBef>
-                <a:spcPct val="20000"/>
-              </a:spcBef>
-              <a:buChar char="•"/>
-              <a:defRPr sz="11000">
-                <a:solidFill>
-                  <a:schemeClr val="tx1"/>
-                </a:solidFill>
-                <a:latin typeface="Arial" panose="020B0604020202020204" pitchFamily="34" charset="0"/>
-              </a:defRPr>
-            </a:lvl3pPr>
-            <a:lvl4pPr marL="1600200" indent="-228600" eaLnBrk="0" hangingPunct="0">
-              <a:spcBef>
-                <a:spcPct val="20000"/>
-              </a:spcBef>
-              <a:buChar char="–"/>
-              <a:defRPr sz="9100">
-                <a:solidFill>
-                  <a:schemeClr val="tx1"/>
-                </a:solidFill>
-                <a:latin typeface="Arial" panose="020B0604020202020204" pitchFamily="34" charset="0"/>
-              </a:defRPr>
-            </a:lvl4pPr>
-            <a:lvl5pPr marL="2057400" indent="-228600" eaLnBrk="0" hangingPunct="0">
-              <a:spcBef>
-                <a:spcPct val="20000"/>
-              </a:spcBef>
-              <a:buChar char="»"/>
-              <a:defRPr sz="9100">
-                <a:solidFill>
-                  <a:schemeClr val="tx1"/>
-                </a:solidFill>
-                <a:latin typeface="Arial" panose="020B0604020202020204" pitchFamily="34" charset="0"/>
-              </a:defRPr>
-            </a:lvl5pPr>
-            <a:lvl6pPr marL="2514600" indent="-228600" eaLnBrk="0" fontAlgn="base" hangingPunct="0">
-              <a:spcBef>
-                <a:spcPct val="20000"/>
-              </a:spcBef>
-              <a:spcAft>
-                <a:spcPct val="0"/>
-              </a:spcAft>
-              <a:buChar char="»"/>
-              <a:defRPr sz="9100">
-                <a:solidFill>
-                  <a:schemeClr val="tx1"/>
-                </a:solidFill>
-                <a:latin typeface="Arial" panose="020B0604020202020204" pitchFamily="34" charset="0"/>
-              </a:defRPr>
-            </a:lvl6pPr>
-            <a:lvl7pPr marL="2971800" indent="-228600" eaLnBrk="0" fontAlgn="base" hangingPunct="0">
-              <a:spcBef>
-                <a:spcPct val="20000"/>
-              </a:spcBef>
-              <a:spcAft>
-                <a:spcPct val="0"/>
-              </a:spcAft>
-              <a:buChar char="»"/>
-              <a:defRPr sz="9100">
-                <a:solidFill>
-                  <a:schemeClr val="tx1"/>
-                </a:solidFill>
-                <a:latin typeface="Arial" panose="020B0604020202020204" pitchFamily="34" charset="0"/>
-              </a:defRPr>
-            </a:lvl7pPr>
-            <a:lvl8pPr marL="3429000" indent="-228600" eaLnBrk="0" fontAlgn="base" hangingPunct="0">
-              <a:spcBef>
-                <a:spcPct val="20000"/>
-              </a:spcBef>
-              <a:spcAft>
-                <a:spcPct val="0"/>
-              </a:spcAft>
-              <a:buChar char="»"/>
-              <a:defRPr sz="9100">
-                <a:solidFill>
-                  <a:schemeClr val="tx1"/>
-                </a:solidFill>
-                <a:latin typeface="Arial" panose="020B0604020202020204" pitchFamily="34" charset="0"/>
-              </a:defRPr>
-            </a:lvl8pPr>
-            <a:lvl9pPr marL="3886200" indent="-228600" eaLnBrk="0" fontAlgn="base" hangingPunct="0">
-              <a:spcBef>
-                <a:spcPct val="20000"/>
-              </a:spcBef>
-              <a:spcAft>
-                <a:spcPct val="0"/>
-              </a:spcAft>
-              <a:buChar char="»"/>
-              <a:defRPr sz="9100">
-                <a:solidFill>
-                  <a:schemeClr val="tx1"/>
-                </a:solidFill>
-                <a:latin typeface="Arial" panose="020B0604020202020204" pitchFamily="34" charset="0"/>
-              </a:defRPr>
-            </a:lvl9pPr>
-          </a:lstStyle>
-          <a:p>
-            <a:pPr algn="ctr" eaLnBrk="1" hangingPunct="1">
-              <a:spcBef>
-                <a:spcPct val="0"/>
-              </a:spcBef>
-              <a:buFontTx/>
-              <a:buNone/>
-            </a:pPr>
-            <a:r>
-              <a:rPr lang="en-US" altLang="fr-FR" sz="4000"/>
-              <a:t>Thomas Loïc - IR</a:t>
-            </a:r>
-          </a:p>
-          <a:p>
-            <a:pPr algn="ctr" eaLnBrk="1" hangingPunct="1">
-              <a:spcBef>
-                <a:spcPct val="0"/>
-              </a:spcBef>
-              <a:buFontTx/>
-              <a:buNone/>
-            </a:pPr>
-            <a:r>
-              <a:rPr lang="en-US" altLang="fr-FR" sz="4000"/>
-              <a:t>LAAS-CNRS</a:t>
-            </a:r>
-          </a:p>
-          <a:p>
-            <a:pPr algn="ctr" eaLnBrk="1" hangingPunct="1">
-              <a:spcBef>
-                <a:spcPct val="0"/>
-              </a:spcBef>
-              <a:buFontTx/>
-              <a:buNone/>
-            </a:pPr>
-            <a:endParaRPr lang="en-US" altLang="fr-FR" sz="6000" dirty="0">
-              <a:solidFill>
-                <a:srgbClr val="C00000"/>
-              </a:solidFill>
-            </a:endParaRPr>
-          </a:p>
-        </p:txBody>
-      </p:sp>
-      <p:sp>
-        <p:nvSpPr>
-          <p:cNvPr id="2059" name="Rectangle 5"/>
-          <p:cNvSpPr>
-            <a:spLocks noChangeArrowheads="1"/>
-          </p:cNvSpPr>
-          <p:nvPr/>
-        </p:nvSpPr>
-        <p:spPr bwMode="auto">
-          <a:xfrm>
-            <a:off x="1312424" y="2972849"/>
-            <a:ext cx="27579638" cy="4390919"/>
-          </a:xfrm>
-          <a:prstGeom prst="rect">
-            <a:avLst/>
-          </a:prstGeom>
-          <a:noFill/>
-          <a:ln w="9525" algn="ctr">
-            <a:noFill/>
-            <a:round/>
-            <a:headEnd/>
-            <a:tailEnd/>
-          </a:ln>
-        </p:spPr>
-        <p:txBody>
-          <a:bodyPr/>
-          <a:lstStyle>
-            <a:lvl1pPr defTabSz="4175125" eaLnBrk="0" hangingPunct="0">
-              <a:spcBef>
-                <a:spcPct val="20000"/>
-              </a:spcBef>
-              <a:buChar char="•"/>
-              <a:defRPr sz="14600">
-                <a:solidFill>
-                  <a:schemeClr val="tx1"/>
-                </a:solidFill>
-                <a:latin typeface="Arial" panose="020B0604020202020204" pitchFamily="34" charset="0"/>
-              </a:defRPr>
-            </a:lvl1pPr>
-            <a:lvl2pPr marL="742950" indent="-285750" defTabSz="4175125" eaLnBrk="0" hangingPunct="0">
-              <a:spcBef>
-                <a:spcPct val="20000"/>
-              </a:spcBef>
-              <a:buChar char="–"/>
-              <a:defRPr sz="12800">
-                <a:solidFill>
-                  <a:schemeClr val="tx1"/>
-                </a:solidFill>
-                <a:latin typeface="Arial" panose="020B0604020202020204" pitchFamily="34" charset="0"/>
-              </a:defRPr>
-            </a:lvl2pPr>
-            <a:lvl3pPr marL="1143000" indent="-228600" defTabSz="4175125" eaLnBrk="0" hangingPunct="0">
-              <a:spcBef>
-                <a:spcPct val="20000"/>
-              </a:spcBef>
-              <a:buChar char="•"/>
-              <a:defRPr sz="11000">
-                <a:solidFill>
-                  <a:schemeClr val="tx1"/>
-                </a:solidFill>
-                <a:latin typeface="Arial" panose="020B0604020202020204" pitchFamily="34" charset="0"/>
-              </a:defRPr>
-            </a:lvl3pPr>
-            <a:lvl4pPr marL="1600200" indent="-228600" defTabSz="4175125" eaLnBrk="0" hangingPunct="0">
-              <a:spcBef>
-                <a:spcPct val="20000"/>
-              </a:spcBef>
-              <a:buChar char="–"/>
-              <a:defRPr sz="9100">
-                <a:solidFill>
-                  <a:schemeClr val="tx1"/>
-                </a:solidFill>
-                <a:latin typeface="Arial" panose="020B0604020202020204" pitchFamily="34" charset="0"/>
-              </a:defRPr>
-            </a:lvl4pPr>
-            <a:lvl5pPr marL="2057400" indent="-228600" defTabSz="4175125" eaLnBrk="0" hangingPunct="0">
-              <a:spcBef>
-                <a:spcPct val="20000"/>
-              </a:spcBef>
-              <a:buChar char="»"/>
-              <a:defRPr sz="9100">
-                <a:solidFill>
-                  <a:schemeClr val="tx1"/>
-                </a:solidFill>
-                <a:latin typeface="Arial" panose="020B0604020202020204" pitchFamily="34" charset="0"/>
-              </a:defRPr>
-            </a:lvl5pPr>
-            <a:lvl6pPr marL="2514600" indent="-228600" defTabSz="4175125" eaLnBrk="0" fontAlgn="base" hangingPunct="0">
-              <a:spcBef>
-                <a:spcPct val="20000"/>
-              </a:spcBef>
-              <a:spcAft>
-                <a:spcPct val="0"/>
-              </a:spcAft>
-              <a:buChar char="»"/>
-              <a:defRPr sz="9100">
-                <a:solidFill>
-                  <a:schemeClr val="tx1"/>
-                </a:solidFill>
-                <a:latin typeface="Arial" panose="020B0604020202020204" pitchFamily="34" charset="0"/>
-              </a:defRPr>
-            </a:lvl6pPr>
-            <a:lvl7pPr marL="2971800" indent="-228600" defTabSz="4175125" eaLnBrk="0" fontAlgn="base" hangingPunct="0">
-              <a:spcBef>
-                <a:spcPct val="20000"/>
-              </a:spcBef>
-              <a:spcAft>
-                <a:spcPct val="0"/>
-              </a:spcAft>
-              <a:buChar char="»"/>
-              <a:defRPr sz="9100">
-                <a:solidFill>
-                  <a:schemeClr val="tx1"/>
-                </a:solidFill>
-                <a:latin typeface="Arial" panose="020B0604020202020204" pitchFamily="34" charset="0"/>
-              </a:defRPr>
-            </a:lvl7pPr>
-            <a:lvl8pPr marL="3429000" indent="-228600" defTabSz="4175125" eaLnBrk="0" fontAlgn="base" hangingPunct="0">
-              <a:spcBef>
-                <a:spcPct val="20000"/>
-              </a:spcBef>
-              <a:spcAft>
-                <a:spcPct val="0"/>
-              </a:spcAft>
-              <a:buChar char="»"/>
-              <a:defRPr sz="9100">
-                <a:solidFill>
-                  <a:schemeClr val="tx1"/>
-                </a:solidFill>
-                <a:latin typeface="Arial" panose="020B0604020202020204" pitchFamily="34" charset="0"/>
-              </a:defRPr>
-            </a:lvl8pPr>
-            <a:lvl9pPr marL="3886200" indent="-228600" defTabSz="4175125" eaLnBrk="0" fontAlgn="base" hangingPunct="0">
-              <a:spcBef>
-                <a:spcPct val="20000"/>
-              </a:spcBef>
-              <a:spcAft>
-                <a:spcPct val="0"/>
-              </a:spcAft>
-              <a:buChar char="»"/>
-              <a:defRPr sz="9100">
-                <a:solidFill>
-                  <a:schemeClr val="tx1"/>
-                </a:solidFill>
-                <a:latin typeface="Arial" panose="020B0604020202020204" pitchFamily="34" charset="0"/>
-              </a:defRPr>
-            </a:lvl9pPr>
-          </a:lstStyle>
-          <a:p>
-            <a:pPr algn="ctr" eaLnBrk="1" hangingPunct="1">
-              <a:spcBef>
-                <a:spcPct val="0"/>
-              </a:spcBef>
-              <a:buFontTx/>
-              <a:buNone/>
-            </a:pPr>
-            <a:r>
-              <a:rPr lang="en-GB" sz="4400" b="1" i="0" dirty="0" err="1"/>
-              <a:t>Trouver</a:t>
-            </a:r>
-            <a:r>
-              <a:rPr lang="en-GB" sz="4400" b="1" i="0" dirty="0"/>
-              <a:t> </a:t>
-            </a:r>
-            <a:r>
-              <a:rPr lang="en-GB" sz="4400" b="1" i="0" dirty="0" err="1"/>
-              <a:t>une</a:t>
-            </a:r>
-            <a:r>
-              <a:rPr lang="en-GB" sz="4400" b="1" i="0" dirty="0"/>
-              <a:t> </a:t>
-            </a:r>
-            <a:r>
-              <a:rPr lang="en-GB" sz="4400" b="1" i="0" dirty="0" err="1"/>
-              <a:t>méthode</a:t>
-            </a:r>
-            <a:r>
-              <a:rPr lang="en-GB" sz="4400" b="1" i="0" dirty="0"/>
-              <a:t> </a:t>
-            </a:r>
-            <a:r>
-              <a:rPr lang="en-GB" sz="4400" b="1" i="0" dirty="0" err="1"/>
-              <a:t>d’allocation</a:t>
-            </a:r>
-            <a:r>
-              <a:rPr lang="en-GB" sz="4400" b="1" i="0" dirty="0"/>
-              <a:t> </a:t>
-            </a:r>
-            <a:r>
-              <a:rPr lang="en-GB" sz="4400" b="1" i="0" dirty="0" err="1"/>
-              <a:t>mémoire</a:t>
-            </a:r>
-            <a:r>
-              <a:rPr lang="en-GB" sz="4400" b="1" i="0" dirty="0"/>
-              <a:t> </a:t>
-            </a:r>
-            <a:r>
-              <a:rPr lang="en-GB" sz="4400" b="1" i="0" dirty="0" err="1"/>
-              <a:t>afin</a:t>
-            </a:r>
-            <a:r>
-              <a:rPr lang="en-GB" sz="4400" b="1" i="0" dirty="0"/>
-              <a:t> de minimiser la consummation </a:t>
-            </a:r>
-            <a:r>
-              <a:rPr lang="en-GB" sz="4400" b="1" i="0" dirty="0" err="1"/>
-              <a:t>électrique</a:t>
-            </a:r>
-            <a:r>
-              <a:rPr lang="en-GB" sz="4400" b="1" i="0" dirty="0"/>
-              <a:t> d’un </a:t>
-            </a:r>
-            <a:r>
-              <a:rPr lang="en-GB" sz="4400" b="1" i="0" dirty="0" err="1"/>
-              <a:t>système</a:t>
-            </a:r>
-            <a:r>
-              <a:rPr lang="en-GB" sz="4400" b="1" i="0" dirty="0"/>
-              <a:t> temps reel.</a:t>
-            </a:r>
-          </a:p>
-          <a:p>
-            <a:pPr algn="ctr" eaLnBrk="1" hangingPunct="1">
-              <a:spcBef>
-                <a:spcPct val="0"/>
-              </a:spcBef>
-              <a:buFontTx/>
-              <a:buNone/>
-            </a:pPr>
-            <a:endParaRPr lang="en-GB" sz="4400" b="1" i="0" dirty="0"/>
-          </a:p>
-          <a:p>
-            <a:pPr algn="ctr" eaLnBrk="1" hangingPunct="1">
-              <a:spcBef>
-                <a:spcPct val="0"/>
-              </a:spcBef>
-              <a:buFontTx/>
-              <a:buNone/>
-            </a:pPr>
-            <a:endParaRPr lang="en-GB" sz="4400" b="1" i="0" dirty="0"/>
-          </a:p>
-          <a:p>
-            <a:pPr algn="ctr" eaLnBrk="1" hangingPunct="1">
-              <a:spcBef>
-                <a:spcPct val="0"/>
-              </a:spcBef>
-              <a:buFontTx/>
-              <a:buNone/>
-            </a:pPr>
-            <a:r>
-              <a:rPr lang="en-GB" sz="4400" i="0" dirty="0"/>
-              <a:t>Des tests </a:t>
-            </a:r>
-            <a:r>
-              <a:rPr lang="en-GB" sz="4400" i="0" dirty="0" err="1"/>
-              <a:t>seront</a:t>
-            </a:r>
-            <a:r>
-              <a:rPr lang="en-GB" sz="4400" i="0" dirty="0"/>
-              <a:t> fait sur les </a:t>
-            </a:r>
-            <a:r>
-              <a:rPr lang="en-GB" sz="4400" i="0" dirty="0" err="1"/>
-              <a:t>microproceseurs</a:t>
-            </a:r>
-            <a:r>
-              <a:rPr lang="en-GB" sz="4400" i="0" dirty="0"/>
-              <a:t> STM32G431KB et STM32F303. La consummation </a:t>
-            </a:r>
-            <a:r>
-              <a:rPr lang="en-GB" sz="4400" i="0" dirty="0" err="1"/>
-              <a:t>électrique</a:t>
-            </a:r>
-            <a:r>
-              <a:rPr lang="en-GB" sz="4400" i="0" dirty="0"/>
-              <a:t> a </a:t>
-            </a:r>
-            <a:r>
-              <a:rPr lang="en-GB" sz="4400" i="0" dirty="0" err="1"/>
-              <a:t>été</a:t>
-            </a:r>
-            <a:r>
-              <a:rPr lang="en-GB" sz="4400" i="0" dirty="0"/>
-              <a:t> </a:t>
-            </a:r>
-            <a:r>
-              <a:rPr lang="en-GB" sz="4400" i="0" dirty="0" err="1"/>
-              <a:t>relevée</a:t>
-            </a:r>
-            <a:r>
-              <a:rPr lang="en-GB" sz="4400" i="0" dirty="0"/>
-              <a:t> grâce au NUCLEO-LPM01A</a:t>
-            </a:r>
-          </a:p>
-          <a:p>
-            <a:pPr algn="ctr" eaLnBrk="1" hangingPunct="1">
-              <a:spcBef>
-                <a:spcPct val="0"/>
-              </a:spcBef>
-              <a:buFontTx/>
-              <a:buNone/>
-            </a:pPr>
-            <a:endParaRPr lang="en-GB" sz="6000" i="0" dirty="0"/>
-          </a:p>
-          <a:p>
-            <a:pPr algn="ctr" eaLnBrk="1" hangingPunct="1">
-              <a:spcBef>
-                <a:spcPct val="0"/>
-              </a:spcBef>
-              <a:buFontTx/>
-              <a:buNone/>
-            </a:pPr>
-            <a:endParaRPr lang="fr-FR" altLang="fr-FR" sz="6000" i="0" dirty="0"/>
+            <a:endParaRPr lang="fr-FR" altLang="fr-FR" sz="6000" dirty="0"/>
           </a:p>
         </p:txBody>
       </p:sp>
@@ -4444,7 +4020,7 @@
         <p:spPr bwMode="auto">
           <a:xfrm>
             <a:off x="406400" y="1281113"/>
-            <a:ext cx="3025775" cy="1255712"/>
+            <a:ext cx="2924275" cy="1213589"/>
           </a:xfrm>
           <a:prstGeom prst="rect">
             <a:avLst/>
@@ -5355,7 +4931,7 @@
         <p:spPr bwMode="auto">
           <a:xfrm>
             <a:off x="4989512" y="70676"/>
-            <a:ext cx="4725632" cy="2445590"/>
+            <a:ext cx="4459307" cy="2307763"/>
           </a:xfrm>
           <a:prstGeom prst="rect">
             <a:avLst/>
@@ -5386,8 +4962,8 @@
         </p:nvSpPr>
         <p:spPr>
           <a:xfrm>
-            <a:off x="9076472" y="606708"/>
-            <a:ext cx="12127029" cy="1938992"/>
+            <a:off x="9076472" y="376339"/>
+            <a:ext cx="12127029" cy="1754326"/>
           </a:xfrm>
           <a:prstGeom prst="rect">
             <a:avLst/>
@@ -5408,7 +4984,10 @@
               <a:buNone/>
             </a:pPr>
             <a:r>
-              <a:rPr lang="en-GB" sz="6000" b="1" i="0" dirty="0">
+              <a:rPr lang="fr-FR" sz="5400" b="1" i="0" dirty="0">
+                <a:solidFill>
+                  <a:srgbClr val="FFC000"/>
+                </a:solidFill>
                 <a:effectLst>
                   <a:outerShdw blurRad="38100" dist="38100" dir="2700000" algn="tl">
                     <a:srgbClr val="000000">
@@ -5416,12 +4995,44 @@
                     </a:srgbClr>
                   </a:outerShdw>
                 </a:effectLst>
-                <a:latin typeface="Arial" panose="020B0604020202020204" pitchFamily="34" charset="0"/>
               </a:rPr>
-              <a:t>Energy-aware memory</a:t>
+              <a:t>Energy-</a:t>
+            </a:r>
+            <a:r>
+              <a:rPr lang="fr-FR" sz="5400" b="1" i="0" dirty="0" err="1">
+                <a:solidFill>
+                  <a:srgbClr val="FFC000"/>
+                </a:solidFill>
+                <a:effectLst>
+                  <a:outerShdw blurRad="38100" dist="38100" dir="2700000" algn="tl">
+                    <a:srgbClr val="000000">
+                      <a:alpha val="43137"/>
+                    </a:srgbClr>
+                  </a:outerShdw>
+                </a:effectLst>
+              </a:rPr>
+              <a:t>aware</a:t>
+            </a:r>
+            <a:r>
+              <a:rPr lang="fr-FR" sz="5400" b="1" i="0" dirty="0">
+                <a:solidFill>
+                  <a:srgbClr val="FFC000"/>
+                </a:solidFill>
+                <a:effectLst>
+                  <a:outerShdw blurRad="38100" dist="38100" dir="2700000" algn="tl">
+                    <a:srgbClr val="000000">
+                      <a:alpha val="43137"/>
+                    </a:srgbClr>
+                  </a:outerShdw>
+                </a:effectLst>
+              </a:rPr>
+              <a:t> memory</a:t>
             </a:r>
             <a:br>
-              <a:rPr lang="en-GB" sz="6000" b="1" dirty="0">
+              <a:rPr lang="fr-FR" sz="5400" b="1" dirty="0">
+                <a:solidFill>
+                  <a:srgbClr val="FFC000"/>
+                </a:solidFill>
                 <a:effectLst>
                   <a:outerShdw blurRad="38100" dist="38100" dir="2700000" algn="tl">
                     <a:srgbClr val="000000">
@@ -5432,7 +5043,10 @@
               </a:rPr>
             </a:br>
             <a:r>
-              <a:rPr lang="en-GB" sz="6000" b="1" i="0" dirty="0">
+              <a:rPr lang="fr-FR" sz="5400" b="1" i="0" dirty="0">
+                <a:solidFill>
+                  <a:srgbClr val="FFC000"/>
+                </a:solidFill>
                 <a:effectLst>
                   <a:outerShdw blurRad="38100" dist="38100" dir="2700000" algn="tl">
                     <a:srgbClr val="000000">
@@ -5441,9 +5055,27 @@
                   </a:outerShdw>
                 </a:effectLst>
               </a:rPr>
-              <a:t>allocation in real-time systems</a:t>
+              <a:t>allocation in real-time </a:t>
             </a:r>
-            <a:endParaRPr lang="en-US" altLang="fr-FR" sz="6000" b="1" dirty="0">
+            <a:r>
+              <a:rPr lang="fr-FR" sz="5400" b="1" i="0" dirty="0" err="1">
+                <a:solidFill>
+                  <a:srgbClr val="FFC000"/>
+                </a:solidFill>
+                <a:effectLst>
+                  <a:outerShdw blurRad="38100" dist="38100" dir="2700000" algn="tl">
+                    <a:srgbClr val="000000">
+                      <a:alpha val="43137"/>
+                    </a:srgbClr>
+                  </a:outerShdw>
+                </a:effectLst>
+              </a:rPr>
+              <a:t>systems</a:t>
+            </a:r>
+            <a:endParaRPr lang="fr-FR" altLang="fr-FR" sz="5400" b="1" dirty="0">
+              <a:solidFill>
+                <a:srgbClr val="FFC000"/>
+              </a:solidFill>
               <a:effectLst>
                 <a:outerShdw blurRad="38100" dist="38100" dir="2700000" algn="tl">
                   <a:srgbClr val="000000">
@@ -5464,13 +5096,15 @@
               </a:ext>
             </a:extLst>
           </p:cNvPr>
-          <p:cNvCxnSpPr/>
+          <p:cNvCxnSpPr>
+            <a:cxnSpLocks/>
+          </p:cNvCxnSpPr>
           <p:nvPr/>
         </p:nvCxnSpPr>
         <p:spPr bwMode="auto">
           <a:xfrm>
-            <a:off x="1915925" y="7649147"/>
-            <a:ext cx="26976137" cy="0"/>
+            <a:off x="540000" y="5992963"/>
+            <a:ext cx="28800000" cy="0"/>
           </a:xfrm>
           <a:prstGeom prst="line">
             <a:avLst/>
@@ -5515,8 +5149,8 @@
         </p:nvCxnSpPr>
         <p:spPr bwMode="auto">
           <a:xfrm>
-            <a:off x="15139987" y="8441235"/>
-            <a:ext cx="0" cy="32259584"/>
+            <a:off x="15128802" y="6230130"/>
+            <a:ext cx="27663" cy="31230329"/>
           </a:xfrm>
           <a:prstGeom prst="line">
             <a:avLst/>
@@ -5543,12 +5177,241 @@
           </a:fontRef>
         </p:style>
       </p:cxnSp>
+      <p:sp>
+        <p:nvSpPr>
+          <p:cNvPr id="13" name="Rectangle : coins arrondis 12">
+            <a:extLst>
+              <a:ext uri="{FF2B5EF4-FFF2-40B4-BE49-F238E27FC236}">
+                <a16:creationId xmlns:a16="http://schemas.microsoft.com/office/drawing/2014/main" id="{B77D223A-2A8A-8742-2EAE-6D50B9C835EB}"/>
+              </a:ext>
+            </a:extLst>
+          </p:cNvPr>
+          <p:cNvSpPr/>
+          <p:nvPr/>
+        </p:nvSpPr>
+        <p:spPr bwMode="auto">
+          <a:xfrm>
+            <a:off x="903130" y="38128865"/>
+            <a:ext cx="28459689" cy="3885731"/>
+          </a:xfrm>
+          <a:prstGeom prst="roundRect">
+            <a:avLst/>
+          </a:prstGeom>
+          <a:solidFill>
+            <a:srgbClr val="FFD85B">
+              <a:alpha val="9020"/>
+            </a:srgbClr>
+          </a:solidFill>
+          <a:ln w="38100" cap="flat" cmpd="sng" algn="ctr">
+            <a:solidFill>
+              <a:srgbClr val="FFC000"/>
+            </a:solidFill>
+            <a:prstDash val="solid"/>
+            <a:round/>
+            <a:headEnd type="none" w="med" len="med"/>
+            <a:tailEnd type="none" w="med" len="med"/>
+          </a:ln>
+          <a:effectLst/>
+        </p:spPr>
+        <p:txBody>
+          <a:bodyPr vert="horz" wrap="square" lIns="91440" tIns="45720" rIns="91440" bIns="45720" numCol="1" rtlCol="0" anchor="t" anchorCtr="0" compatLnSpc="1">
+            <a:prstTxWarp prst="textNoShape">
+              <a:avLst/>
+            </a:prstTxWarp>
+          </a:bodyPr>
+          <a:lstStyle/>
+          <a:p>
+            <a:pPr marL="0" marR="0" indent="0" algn="l" defTabSz="4175125" rtl="0" eaLnBrk="1" fontAlgn="base" latinLnBrk="0" hangingPunct="1">
+              <a:lnSpc>
+                <a:spcPct val="100000"/>
+              </a:lnSpc>
+              <a:spcBef>
+                <a:spcPct val="0"/>
+              </a:spcBef>
+              <a:spcAft>
+                <a:spcPct val="0"/>
+              </a:spcAft>
+              <a:buClrTx/>
+              <a:buSzTx/>
+              <a:buFontTx/>
+              <a:buNone/>
+              <a:tabLst/>
+            </a:pPr>
+            <a:r>
+              <a:rPr lang="fr-FR" sz="4400" b="1" i="0" dirty="0">
+                <a:effectLst>
+                  <a:outerShdw blurRad="38100" dist="38100" dir="2700000" algn="tl">
+                    <a:srgbClr val="000000">
+                      <a:alpha val="43137"/>
+                    </a:srgbClr>
+                  </a:outerShdw>
+                </a:effectLst>
+                <a:latin typeface="Arial" charset="0"/>
+              </a:rPr>
+              <a:t>Conclusion / </a:t>
+            </a:r>
+            <a:r>
+              <a:rPr kumimoji="0" lang="fr-FR" sz="4400" b="1" i="0" u="none" strike="noStrike" cap="none" normalizeH="0" baseline="0" dirty="0">
+                <a:ln>
+                  <a:noFill/>
+                </a:ln>
+                <a:solidFill>
+                  <a:schemeClr val="tx1"/>
+                </a:solidFill>
+                <a:effectLst>
+                  <a:outerShdw blurRad="38100" dist="38100" dir="2700000" algn="tl">
+                    <a:srgbClr val="000000">
+                      <a:alpha val="43137"/>
+                    </a:srgbClr>
+                  </a:outerShdw>
+                </a:effectLst>
+                <a:latin typeface="Arial" charset="0"/>
+              </a:rPr>
+              <a:t>Compétences acquises : </a:t>
+            </a:r>
+            <a:endParaRPr lang="fr-FR" sz="5400" b="1" i="0" dirty="0">
+              <a:effectLst>
+                <a:outerShdw blurRad="38100" dist="38100" dir="2700000" algn="tl">
+                  <a:srgbClr val="000000">
+                    <a:alpha val="43137"/>
+                  </a:srgbClr>
+                </a:outerShdw>
+              </a:effectLst>
+              <a:latin typeface="Arial" charset="0"/>
+            </a:endParaRPr>
+          </a:p>
+          <a:p>
+            <a:pPr marR="0" algn="l" defTabSz="4175125" rtl="0" eaLnBrk="1" fontAlgn="base" latinLnBrk="0" hangingPunct="1">
+              <a:lnSpc>
+                <a:spcPct val="200000"/>
+              </a:lnSpc>
+              <a:spcBef>
+                <a:spcPct val="0"/>
+              </a:spcBef>
+              <a:spcAft>
+                <a:spcPct val="0"/>
+              </a:spcAft>
+              <a:buClrTx/>
+              <a:buSzTx/>
+              <a:tabLst/>
+            </a:pPr>
+            <a:r>
+              <a:rPr lang="fr-FR" sz="3200" i="0" dirty="0">
+                <a:latin typeface="Arial" charset="0"/>
+              </a:rPr>
+              <a:t>        </a:t>
+            </a:r>
+            <a:r>
+              <a:rPr kumimoji="0" lang="fr-FR" sz="3200" i="0" u="none" strike="noStrike" cap="none" normalizeH="0" baseline="0" dirty="0">
+                <a:ln>
+                  <a:noFill/>
+                </a:ln>
+                <a:solidFill>
+                  <a:schemeClr val="tx1"/>
+                </a:solidFill>
+                <a:latin typeface="Arial" charset="0"/>
+              </a:rPr>
+              <a:t>Meilleure compréhension du temps réel grâce à la lecture de plusieurs articles.</a:t>
+            </a:r>
+            <a:endParaRPr lang="fr-FR" sz="3200" i="0" dirty="0">
+              <a:latin typeface="Arial" charset="0"/>
+            </a:endParaRPr>
+          </a:p>
+          <a:p>
+            <a:pPr marR="0" algn="l" defTabSz="4175125" rtl="0" eaLnBrk="1" fontAlgn="base" latinLnBrk="0" hangingPunct="1">
+              <a:lnSpc>
+                <a:spcPct val="200000"/>
+              </a:lnSpc>
+              <a:spcBef>
+                <a:spcPct val="0"/>
+              </a:spcBef>
+              <a:spcAft>
+                <a:spcPct val="0"/>
+              </a:spcAft>
+              <a:buClrTx/>
+              <a:buSzTx/>
+              <a:tabLst/>
+            </a:pPr>
+            <a:r>
+              <a:rPr kumimoji="0" lang="fr-FR" sz="3200" i="0" u="none" strike="noStrike" cap="none" normalizeH="0" baseline="0" dirty="0">
+                <a:ln>
+                  <a:noFill/>
+                </a:ln>
+                <a:solidFill>
+                  <a:schemeClr val="tx1"/>
+                </a:solidFill>
+                <a:latin typeface="Arial" charset="0"/>
+              </a:rPr>
+              <a:t>        Amélioration des compétences de programmation en C et ASM sur des microcontrôleurs</a:t>
+            </a:r>
+            <a:r>
+              <a:rPr lang="fr-FR" sz="3200" i="0" dirty="0">
+                <a:latin typeface="Arial" charset="0"/>
+              </a:rPr>
+              <a:t>.</a:t>
+            </a:r>
+            <a:r>
+              <a:rPr kumimoji="0" lang="fr-FR" sz="3200" i="0" u="none" strike="noStrike" cap="none" normalizeH="0" baseline="0" dirty="0">
+                <a:ln>
+                  <a:noFill/>
+                </a:ln>
+                <a:solidFill>
+                  <a:schemeClr val="tx1"/>
+                </a:solidFill>
+                <a:latin typeface="Arial" charset="0"/>
+              </a:rPr>
+              <a:t> </a:t>
+            </a:r>
+            <a:endParaRPr lang="fr-FR" sz="3200" i="0" dirty="0">
+              <a:latin typeface="Arial" charset="0"/>
+            </a:endParaRPr>
+          </a:p>
+          <a:p>
+            <a:pPr marR="0" algn="l" defTabSz="4175125" rtl="0" eaLnBrk="1" fontAlgn="base" latinLnBrk="0" hangingPunct="1">
+              <a:lnSpc>
+                <a:spcPct val="200000"/>
+              </a:lnSpc>
+              <a:spcBef>
+                <a:spcPct val="0"/>
+              </a:spcBef>
+              <a:spcAft>
+                <a:spcPct val="0"/>
+              </a:spcAft>
+              <a:buClrTx/>
+              <a:buSzTx/>
+              <a:tabLst/>
+            </a:pPr>
+            <a:r>
+              <a:rPr lang="fr-FR" sz="3200" i="0" dirty="0">
+                <a:latin typeface="Arial" charset="0"/>
+              </a:rPr>
+              <a:t>        Introduction au monde de la recherche grâce à la rédaction d’un article scientifique.</a:t>
+            </a:r>
+            <a:endParaRPr kumimoji="0" lang="fr-FR" sz="4400" b="1" i="0" u="none" strike="noStrike" cap="none" normalizeH="0" baseline="0" dirty="0">
+              <a:ln>
+                <a:noFill/>
+              </a:ln>
+              <a:solidFill>
+                <a:schemeClr val="tx1"/>
+              </a:solidFill>
+              <a:effectLst>
+                <a:outerShdw blurRad="38100" dist="38100" dir="2700000" algn="tl">
+                  <a:srgbClr val="000000">
+                    <a:alpha val="43137"/>
+                  </a:srgbClr>
+                </a:outerShdw>
+              </a:effectLst>
+              <a:latin typeface="Arial" charset="0"/>
+            </a:endParaRPr>
+          </a:p>
+        </p:txBody>
+      </p:sp>
       <p:grpSp>
         <p:nvGrpSpPr>
-          <p:cNvPr id="39" name="Groupe 38">
+          <p:cNvPr id="18" name="Groupe 17">
             <a:extLst>
               <a:ext uri="{FF2B5EF4-FFF2-40B4-BE49-F238E27FC236}">
-                <a16:creationId xmlns:a16="http://schemas.microsoft.com/office/drawing/2014/main" id="{232898C2-2DFD-C10F-CBB9-D6F5FCBDC840}"/>
+                <a16:creationId xmlns:a16="http://schemas.microsoft.com/office/drawing/2014/main" id="{D6A6389A-71E9-2A29-530F-AE0826F15D80}"/>
               </a:ext>
             </a:extLst>
           </p:cNvPr>
@@ -5557,147 +5420,355 @@
         </p:nvGrpSpPr>
         <p:grpSpPr>
           <a:xfrm>
-            <a:off x="590030" y="16879918"/>
-            <a:ext cx="14058825" cy="9996240"/>
-            <a:chOff x="735175" y="8094068"/>
-            <a:chExt cx="14058825" cy="9996240"/>
+            <a:off x="914248" y="24427011"/>
+            <a:ext cx="13722390" cy="13052032"/>
+            <a:chOff x="914248" y="24427011"/>
+            <a:chExt cx="13722390" cy="13052032"/>
           </a:xfrm>
         </p:grpSpPr>
-        <p:sp>
-          <p:nvSpPr>
-            <p:cNvPr id="16" name="ZoneTexte 15">
+        <p:grpSp>
+          <p:nvGrpSpPr>
+            <p:cNvPr id="2" name="Groupe 1">
               <a:extLst>
                 <a:ext uri="{FF2B5EF4-FFF2-40B4-BE49-F238E27FC236}">
-                  <a16:creationId xmlns:a16="http://schemas.microsoft.com/office/drawing/2014/main" id="{72EF101F-8330-29BA-9E2D-602C80C41682}"/>
+                  <a16:creationId xmlns:a16="http://schemas.microsoft.com/office/drawing/2014/main" id="{B1BA95C0-420E-0AAD-BBDF-2D5844519481}"/>
                 </a:ext>
               </a:extLst>
             </p:cNvPr>
-            <p:cNvSpPr txBox="1"/>
+            <p:cNvGrpSpPr/>
             <p:nvPr/>
-          </p:nvSpPr>
-          <p:spPr>
+          </p:nvGrpSpPr>
+          <p:grpSpPr>
             <a:xfrm>
-              <a:off x="3224676" y="8094068"/>
-              <a:ext cx="9900216" cy="769441"/>
+              <a:off x="914248" y="24427011"/>
+              <a:ext cx="13722390" cy="13052032"/>
+              <a:chOff x="865586" y="23730038"/>
+              <a:chExt cx="13722390" cy="13052032"/>
             </a:xfrm>
-            <a:prstGeom prst="rect">
-              <a:avLst/>
-            </a:prstGeom>
-            <a:noFill/>
-          </p:spPr>
-          <p:txBody>
-            <a:bodyPr wrap="square" rtlCol="0">
-              <a:spAutoFit/>
-            </a:bodyPr>
-            <a:lstStyle/>
-            <a:p>
-              <a:pPr algn="ctr"/>
-              <a:r>
-                <a:rPr lang="fr-FR" sz="4400" b="1" dirty="0">
-                  <a:effectLst>
-                    <a:outerShdw blurRad="38100" dist="38100" dir="2700000" algn="tl">
-                      <a:srgbClr val="000000">
-                        <a:alpha val="43137"/>
-                      </a:srgbClr>
-                    </a:outerShdw>
-                  </a:effectLst>
-                </a:rPr>
-                <a:t>Mesures sur les microprocesseurs</a:t>
-              </a:r>
-              <a:endParaRPr lang="en-GB" sz="4400" b="1" dirty="0">
-                <a:effectLst>
-                  <a:outerShdw blurRad="38100" dist="38100" dir="2700000" algn="tl">
-                    <a:srgbClr val="000000">
-                      <a:alpha val="43137"/>
-                    </a:srgbClr>
-                  </a:outerShdw>
-                </a:effectLst>
-              </a:endParaRPr>
-            </a:p>
-          </p:txBody>
-        </p:sp>
-        <p:pic>
-          <p:nvPicPr>
-            <p:cNvPr id="23" name="Image 22" descr="Une image contenant Appareils électroniques, Ingénierie électronique, Composant électronique, Composant de circuit&#10;&#10;Description générée automatiquement">
+          </p:grpSpPr>
+          <p:sp>
+            <p:nvSpPr>
+              <p:cNvPr id="44" name="ZoneTexte 43">
+                <a:extLst>
+                  <a:ext uri="{FF2B5EF4-FFF2-40B4-BE49-F238E27FC236}">
+                    <a16:creationId xmlns:a16="http://schemas.microsoft.com/office/drawing/2014/main" id="{31670F25-10CE-F639-C5C8-24F1C9E36649}"/>
+                  </a:ext>
+                </a:extLst>
+              </p:cNvPr>
+              <p:cNvSpPr txBox="1"/>
+              <p:nvPr/>
+            </p:nvSpPr>
+            <p:spPr>
+              <a:xfrm>
+                <a:off x="964642" y="23730038"/>
+                <a:ext cx="7761058" cy="769441"/>
+              </a:xfrm>
+              <a:prstGeom prst="rect">
+                <a:avLst/>
+              </a:prstGeom>
+              <a:noFill/>
+            </p:spPr>
+            <p:txBody>
+              <a:bodyPr wrap="square" rtlCol="0">
+                <a:spAutoFit/>
+              </a:bodyPr>
+              <a:lstStyle/>
+              <a:p>
+                <a:r>
+                  <a:rPr lang="fr-FR" sz="4400" b="1" i="0" dirty="0">
+                    <a:solidFill>
+                      <a:srgbClr val="FFC000"/>
+                    </a:solidFill>
+                    <a:effectLst>
+                      <a:outerShdw blurRad="38100" dist="38100" dir="2700000" algn="tl">
+                        <a:srgbClr val="000000">
+                          <a:alpha val="43137"/>
+                        </a:srgbClr>
+                      </a:outerShdw>
+                    </a:effectLst>
+                  </a:rPr>
+                  <a:t>	Obtention des données </a:t>
+                </a:r>
+              </a:p>
+            </p:txBody>
+          </p:sp>
+          <p:pic>
+            <p:nvPicPr>
+              <p:cNvPr id="46" name="Image 45" descr="Une image contenant texte, Tracé, ligne, nombre&#10;&#10;Description générée automatiquement">
+                <a:extLst>
+                  <a:ext uri="{FF2B5EF4-FFF2-40B4-BE49-F238E27FC236}">
+                    <a16:creationId xmlns:a16="http://schemas.microsoft.com/office/drawing/2014/main" id="{7061520B-074B-1FF9-4068-B88F497C2E65}"/>
+                  </a:ext>
+                </a:extLst>
+              </p:cNvPr>
+              <p:cNvPicPr>
+                <a:picLocks noChangeAspect="1"/>
+              </p:cNvPicPr>
+              <p:nvPr/>
+            </p:nvPicPr>
+            <p:blipFill>
+              <a:blip r:embed="rId6">
+                <a:extLst>
+                  <a:ext uri="{28A0092B-C50C-407E-A947-70E740481C1C}">
+                    <a14:useLocalDpi xmlns:a14="http://schemas.microsoft.com/office/drawing/2010/main" val="0"/>
+                  </a:ext>
+                </a:extLst>
+              </a:blip>
+              <a:stretch>
+                <a:fillRect/>
+              </a:stretch>
+            </p:blipFill>
+            <p:spPr>
+              <a:xfrm>
+                <a:off x="1895868" y="25002400"/>
+                <a:ext cx="11819248" cy="4344262"/>
+              </a:xfrm>
+              <a:prstGeom prst="rect">
+                <a:avLst/>
+              </a:prstGeom>
+              <a:ln w="38100" cap="sq">
+                <a:solidFill>
+                  <a:srgbClr val="000000"/>
+                </a:solidFill>
+                <a:prstDash val="solid"/>
+                <a:miter lim="800000"/>
+              </a:ln>
+              <a:effectLst>
+                <a:outerShdw blurRad="50800" dist="38100" dir="2700000" algn="tl" rotWithShape="0">
+                  <a:srgbClr val="000000">
+                    <a:alpha val="43000"/>
+                  </a:srgbClr>
+                </a:outerShdw>
+              </a:effectLst>
+            </p:spPr>
+          </p:pic>
+          <p:sp>
+            <p:nvSpPr>
+              <p:cNvPr id="47" name="ZoneTexte 46">
+                <a:extLst>
+                  <a:ext uri="{FF2B5EF4-FFF2-40B4-BE49-F238E27FC236}">
+                    <a16:creationId xmlns:a16="http://schemas.microsoft.com/office/drawing/2014/main" id="{8542E41A-8276-7621-69AB-9D9658E9C590}"/>
+                  </a:ext>
+                </a:extLst>
+              </p:cNvPr>
+              <p:cNvSpPr txBox="1"/>
+              <p:nvPr/>
+            </p:nvSpPr>
+            <p:spPr>
+              <a:xfrm>
+                <a:off x="865586" y="29484959"/>
+                <a:ext cx="12996458" cy="707886"/>
+              </a:xfrm>
+              <a:prstGeom prst="rect">
+                <a:avLst/>
+              </a:prstGeom>
+              <a:noFill/>
+            </p:spPr>
+            <p:txBody>
+              <a:bodyPr wrap="square" rtlCol="0">
+                <a:spAutoFit/>
+              </a:bodyPr>
+              <a:lstStyle/>
+              <a:p>
+                <a:pPr algn="ctr"/>
+                <a:r>
+                  <a:rPr lang="fr-FR" sz="2000" dirty="0"/>
+                  <a:t>Résultat d’une mesure d’intensité sur l’exécution du pointer </a:t>
+                </a:r>
+                <a:r>
+                  <a:rPr lang="fr-FR" sz="2000" dirty="0" err="1"/>
+                  <a:t>chase</a:t>
+                </a:r>
+                <a:r>
+                  <a:rPr lang="fr-FR" sz="2000" dirty="0"/>
+                  <a:t> sur le STM32F303 </a:t>
+                </a:r>
+              </a:p>
+              <a:p>
+                <a:pPr algn="ctr"/>
+                <a:r>
+                  <a:rPr lang="fr-FR" sz="2000" dirty="0"/>
+                  <a:t>(mesure transmise par le NUCLEO-LPM01A)</a:t>
+                </a:r>
+              </a:p>
+            </p:txBody>
+          </p:sp>
+          <p:sp>
+            <p:nvSpPr>
+              <p:cNvPr id="48" name="ZoneTexte 47">
+                <a:extLst>
+                  <a:ext uri="{FF2B5EF4-FFF2-40B4-BE49-F238E27FC236}">
+                    <a16:creationId xmlns:a16="http://schemas.microsoft.com/office/drawing/2014/main" id="{C900F82A-BCEA-A308-7FD4-CA428271AF9A}"/>
+                  </a:ext>
+                </a:extLst>
+              </p:cNvPr>
+              <p:cNvSpPr txBox="1"/>
+              <p:nvPr/>
+            </p:nvSpPr>
+            <p:spPr>
+              <a:xfrm>
+                <a:off x="921509" y="30534206"/>
+                <a:ext cx="13666467" cy="6247864"/>
+              </a:xfrm>
+              <a:prstGeom prst="rect">
+                <a:avLst/>
+              </a:prstGeom>
+              <a:noFill/>
+            </p:spPr>
+            <p:txBody>
+              <a:bodyPr wrap="square" rtlCol="0">
+                <a:spAutoFit/>
+              </a:bodyPr>
+              <a:lstStyle/>
+              <a:p>
+                <a:pPr algn="just"/>
+                <a:r>
+                  <a:rPr lang="fr-FR" sz="3200" b="1" i="0" dirty="0"/>
+                  <a:t>10 benchmarks </a:t>
+                </a:r>
+                <a:r>
+                  <a:rPr lang="fr-FR" sz="3200" i="0" dirty="0"/>
+                  <a:t>ont été portés sur les deux microcontrôleurs afin d’obtenir assez de données. Nous avons mesuré </a:t>
+                </a:r>
+                <a:r>
+                  <a:rPr lang="fr-FR" sz="3200" b="1" i="0" dirty="0"/>
+                  <a:t>l’intensité</a:t>
+                </a:r>
+                <a:r>
+                  <a:rPr lang="fr-FR" sz="3200" i="0" dirty="0"/>
+                  <a:t> lors de l’exécution des benchmarks à </a:t>
+                </a:r>
+                <a:r>
+                  <a:rPr lang="fr-FR" sz="3200" b="1" i="0" dirty="0"/>
+                  <a:t>différentes fréquences </a:t>
+                </a:r>
+                <a:r>
+                  <a:rPr lang="fr-FR" sz="3200" i="0" dirty="0"/>
+                  <a:t>et avec toutes les </a:t>
+                </a:r>
+                <a:r>
+                  <a:rPr lang="fr-FR" sz="3200" b="1" i="0" dirty="0"/>
+                  <a:t>configurations mémoire </a:t>
+                </a:r>
+                <a:r>
+                  <a:rPr lang="fr-FR" sz="3200" i="0" dirty="0"/>
+                  <a:t>possible :</a:t>
+                </a:r>
+              </a:p>
+              <a:p>
+                <a:pPr algn="just"/>
+                <a:endParaRPr lang="fr-FR" sz="1600" i="0" dirty="0"/>
+              </a:p>
+              <a:p>
+                <a:pPr marL="914400" lvl="1" indent="-457200" algn="just">
+                  <a:buFont typeface="Arial" panose="020B0604020202020204" pitchFamily="34" charset="0"/>
+                  <a:buChar char="•"/>
+                </a:pPr>
+                <a:r>
+                  <a:rPr lang="fr-FR" sz="3200" b="1" i="0" dirty="0"/>
+                  <a:t>Instructions</a:t>
+                </a:r>
+                <a:r>
+                  <a:rPr lang="fr-FR" sz="3200" i="0" dirty="0"/>
+                  <a:t> dans le CCM, la SRAM ou la FLASH </a:t>
+                </a:r>
+              </a:p>
+              <a:p>
+                <a:pPr marL="914400" lvl="1" indent="-457200" algn="just">
+                  <a:buFont typeface="Arial" panose="020B0604020202020204" pitchFamily="34" charset="0"/>
+                  <a:buChar char="•"/>
+                </a:pPr>
+                <a:r>
+                  <a:rPr lang="fr-FR" sz="3200" b="1" i="0" dirty="0"/>
+                  <a:t>Données d’entrées </a:t>
+                </a:r>
+                <a:r>
+                  <a:rPr lang="fr-FR" sz="3200" i="0" dirty="0"/>
+                  <a:t>dans la SRAM </a:t>
+                </a:r>
+              </a:p>
+              <a:p>
+                <a:pPr marL="914400" lvl="1" indent="-457200" algn="just">
+                  <a:buFont typeface="Arial" panose="020B0604020202020204" pitchFamily="34" charset="0"/>
+                  <a:buChar char="•"/>
+                </a:pPr>
+                <a:r>
+                  <a:rPr lang="fr-FR" sz="3200" i="0" dirty="0"/>
+                  <a:t>Données </a:t>
+                </a:r>
+                <a:r>
+                  <a:rPr lang="fr-FR" sz="3200" b="1" i="0" dirty="0"/>
+                  <a:t>en lecture seule </a:t>
+                </a:r>
+                <a:r>
+                  <a:rPr lang="fr-FR" sz="3200" i="0" dirty="0"/>
+                  <a:t>dans le CCM, la SRAM ou la FLASH</a:t>
+                </a:r>
+              </a:p>
+              <a:p>
+                <a:pPr marL="914400" lvl="1" indent="-457200" algn="just">
+                  <a:buFont typeface="Arial" panose="020B0604020202020204" pitchFamily="34" charset="0"/>
+                  <a:buChar char="•"/>
+                </a:pPr>
+                <a:r>
+                  <a:rPr lang="fr-FR" sz="3200" i="0" dirty="0"/>
+                  <a:t>Activation du </a:t>
+                </a:r>
+                <a:r>
+                  <a:rPr lang="fr-FR" sz="3200" b="1" i="0" dirty="0"/>
+                  <a:t>cache</a:t>
+                </a:r>
+                <a:r>
+                  <a:rPr lang="fr-FR" sz="3200" i="0" dirty="0"/>
+                  <a:t> et du </a:t>
+                </a:r>
+                <a:r>
+                  <a:rPr lang="fr-FR" sz="3200" b="1" i="0" dirty="0" err="1"/>
+                  <a:t>pre-fetch</a:t>
+                </a:r>
+                <a:r>
+                  <a:rPr lang="fr-FR" sz="3200" i="0" dirty="0"/>
+                  <a:t> (STM32G)</a:t>
+                </a:r>
+              </a:p>
+              <a:p>
+                <a:pPr marL="914400" lvl="1" indent="-457200" algn="just">
+                  <a:buFont typeface="Arial" panose="020B0604020202020204" pitchFamily="34" charset="0"/>
+                  <a:buChar char="•"/>
+                </a:pPr>
+                <a:r>
+                  <a:rPr lang="fr-FR" sz="3200" i="0" dirty="0"/>
+                  <a:t>Paramétrage du </a:t>
+                </a:r>
+                <a:r>
+                  <a:rPr lang="fr-FR" sz="3200" b="1" i="0" dirty="0"/>
+                  <a:t>DVFS</a:t>
+                </a:r>
+                <a:r>
+                  <a:rPr lang="fr-FR" sz="3200" i="0" dirty="0"/>
+                  <a:t> (STM32G)</a:t>
+                </a:r>
+              </a:p>
+              <a:p>
+                <a:pPr lvl="1" algn="just"/>
+                <a:endParaRPr lang="fr-FR" sz="3200" i="0" dirty="0"/>
+              </a:p>
+              <a:p>
+                <a:pPr algn="just"/>
+                <a:r>
+                  <a:rPr lang="fr-FR" sz="3200" i="0" dirty="0"/>
+                  <a:t>Les mesures sont traitées grâce à un script Python qui crée des fichiers CSV en sortie. </a:t>
+                </a:r>
+              </a:p>
+            </p:txBody>
+          </p:sp>
+        </p:grpSp>
+        <p:sp>
+          <p:nvSpPr>
+            <p:cNvPr id="4" name="Rectangle 3">
               <a:extLst>
                 <a:ext uri="{FF2B5EF4-FFF2-40B4-BE49-F238E27FC236}">
-                  <a16:creationId xmlns:a16="http://schemas.microsoft.com/office/drawing/2014/main" id="{47D78A8A-EDE1-B319-189F-F4032112FA01}"/>
-                </a:ext>
-              </a:extLst>
-            </p:cNvPr>
-            <p:cNvPicPr>
-              <a:picLocks noChangeAspect="1"/>
-            </p:cNvPicPr>
-            <p:nvPr/>
-          </p:nvPicPr>
-          <p:blipFill rotWithShape="1">
-            <a:blip r:embed="rId6" cstate="print">
-              <a:extLst>
-                <a:ext uri="{28A0092B-C50C-407E-A947-70E740481C1C}">
-                  <a14:useLocalDpi xmlns:a14="http://schemas.microsoft.com/office/drawing/2010/main" val="0"/>
-                </a:ext>
-              </a:extLst>
-            </a:blip>
-            <a:srcRect l="13069" t="7197" r="5088" b="7808"/>
-            <a:stretch/>
-          </p:blipFill>
-          <p:spPr>
-            <a:xfrm>
-              <a:off x="735175" y="9388665"/>
-              <a:ext cx="3432174" cy="4752529"/>
-            </a:xfrm>
-            <a:prstGeom prst="rect">
-              <a:avLst/>
-            </a:prstGeom>
-            <a:effectLst>
-              <a:softEdge rad="31750"/>
-            </a:effectLst>
-          </p:spPr>
-        </p:pic>
-        <p:pic>
-          <p:nvPicPr>
-            <p:cNvPr id="33" name="Image 32" descr="Une image contenant Appareils électroniques, Ingénierie électronique, Composant de circuit, Composant électronique">
-              <a:extLst>
-                <a:ext uri="{FF2B5EF4-FFF2-40B4-BE49-F238E27FC236}">
-                  <a16:creationId xmlns:a16="http://schemas.microsoft.com/office/drawing/2014/main" id="{81E90A1F-3AED-150F-9328-385F677C5066}"/>
-                </a:ext>
-              </a:extLst>
-            </p:cNvPr>
-            <p:cNvPicPr>
-              <a:picLocks noChangeAspect="1"/>
-            </p:cNvPicPr>
-            <p:nvPr/>
-          </p:nvPicPr>
-          <p:blipFill rotWithShape="1">
-            <a:blip r:embed="rId7" cstate="print">
-              <a:extLst>
-                <a:ext uri="{28A0092B-C50C-407E-A947-70E740481C1C}">
-                  <a14:useLocalDpi xmlns:a14="http://schemas.microsoft.com/office/drawing/2010/main" val="0"/>
-                </a:ext>
-              </a:extLst>
-            </a:blip>
-            <a:srcRect l="10303" t="11590" b="13716"/>
-            <a:stretch/>
-          </p:blipFill>
-          <p:spPr>
-            <a:xfrm>
-              <a:off x="735176" y="14216900"/>
-              <a:ext cx="3488628" cy="3873408"/>
-            </a:xfrm>
-            <a:prstGeom prst="rect">
-              <a:avLst/>
-            </a:prstGeom>
-            <a:effectLst>
-              <a:softEdge rad="31750"/>
-            </a:effectLst>
-          </p:spPr>
-        </p:pic>
-        <p:sp>
-          <p:nvSpPr>
-            <p:cNvPr id="34" name="Ellipse 33">
-              <a:extLst>
-                <a:ext uri="{FF2B5EF4-FFF2-40B4-BE49-F238E27FC236}">
-                  <a16:creationId xmlns:a16="http://schemas.microsoft.com/office/drawing/2014/main" id="{EFB97067-5140-6F0A-E4BD-30A2BE08D920}"/>
+                  <a16:creationId xmlns:a16="http://schemas.microsoft.com/office/drawing/2014/main" id="{796B0960-38C9-D03F-F905-22021776D5C4}"/>
                 </a:ext>
               </a:extLst>
             </p:cNvPr>
@@ -5706,39 +5777,26 @@
           </p:nvSpPr>
           <p:spPr bwMode="auto">
             <a:xfrm>
-              <a:off x="2713831" y="9788483"/>
-              <a:ext cx="576061" cy="648072"/>
+              <a:off x="1013304" y="24479819"/>
+              <a:ext cx="709392" cy="662864"/>
             </a:xfrm>
-            <a:prstGeom prst="ellipse">
+            <a:prstGeom prst="rect">
               <a:avLst/>
             </a:prstGeom>
             <a:solidFill>
-              <a:srgbClr val="FF0000">
-                <a:alpha val="16078"/>
-              </a:srgbClr>
+              <a:srgbClr val="FFC000"/>
             </a:solidFill>
-            <a:ln w="57150">
+            <a:ln w="9525" cap="flat" cmpd="sng" algn="ctr">
               <a:solidFill>
-                <a:srgbClr val="FF0000"/>
+                <a:srgbClr val="FFC000"/>
               </a:solidFill>
+              <a:prstDash val="solid"/>
+              <a:round/>
               <a:headEnd type="none" w="med" len="med"/>
               <a:tailEnd type="none" w="med" len="med"/>
             </a:ln>
+            <a:effectLst/>
           </p:spPr>
-          <p:style>
-            <a:lnRef idx="2">
-              <a:schemeClr val="accent4"/>
-            </a:lnRef>
-            <a:fillRef idx="1">
-              <a:schemeClr val="lt1"/>
-            </a:fillRef>
-            <a:effectRef idx="0">
-              <a:schemeClr val="accent4"/>
-            </a:effectRef>
-            <a:fontRef idx="minor">
-              <a:schemeClr val="dk1"/>
-            </a:fontRef>
-          </p:style>
           <p:txBody>
             <a:bodyPr vert="horz" wrap="square" lIns="91440" tIns="45720" rIns="91440" bIns="45720" numCol="1" rtlCol="0" anchor="t" anchorCtr="0" compatLnSpc="1">
               <a:prstTxWarp prst="textNoShape">
@@ -5747,7 +5805,7 @@
             </a:bodyPr>
             <a:lstStyle/>
             <a:p>
-              <a:pPr marL="0" marR="0" indent="0" algn="l" defTabSz="4175125" rtl="0" eaLnBrk="1" fontAlgn="base" latinLnBrk="0" hangingPunct="1">
+              <a:pPr marL="0" marR="0" indent="0" algn="ctr" defTabSz="4175125" rtl="0" eaLnBrk="1" fontAlgn="base" latinLnBrk="0" hangingPunct="1">
                 <a:lnSpc>
                   <a:spcPct val="100000"/>
                 </a:lnSpc>
@@ -5764,37 +5822,826 @@
                 <a:tabLst/>
               </a:pPr>
               <a:r>
-                <a:rPr kumimoji="0" lang="fr-FR" sz="3200" b="1" i="0" u="none" strike="noStrike" cap="none" normalizeH="0" baseline="0" dirty="0">
+                <a:rPr kumimoji="0" lang="fr-FR" sz="4400" b="1" i="0" u="none" strike="noStrike" normalizeH="0" baseline="0" dirty="0">
+                  <a:solidFill>
+                    <a:schemeClr val="bg1"/>
+                  </a:solidFill>
+                  <a:latin typeface="Arial" charset="0"/>
+                </a:rPr>
+                <a:t>3</a:t>
+              </a:r>
+            </a:p>
+          </p:txBody>
+        </p:sp>
+      </p:grpSp>
+      <p:grpSp>
+        <p:nvGrpSpPr>
+          <p:cNvPr id="19" name="Groupe 18">
+            <a:extLst>
+              <a:ext uri="{FF2B5EF4-FFF2-40B4-BE49-F238E27FC236}">
+                <a16:creationId xmlns:a16="http://schemas.microsoft.com/office/drawing/2014/main" id="{0E94AD1B-D3D8-33FD-C5A5-4971586C777D}"/>
+              </a:ext>
+            </a:extLst>
+          </p:cNvPr>
+          <p:cNvGrpSpPr/>
+          <p:nvPr/>
+        </p:nvGrpSpPr>
+        <p:grpSpPr>
+          <a:xfrm>
+            <a:off x="903130" y="13332619"/>
+            <a:ext cx="13690829" cy="10374312"/>
+            <a:chOff x="903130" y="13222500"/>
+            <a:chExt cx="13690829" cy="10374312"/>
+          </a:xfrm>
+        </p:grpSpPr>
+        <p:grpSp>
+          <p:nvGrpSpPr>
+            <p:cNvPr id="39" name="Groupe 38">
+              <a:extLst>
+                <a:ext uri="{FF2B5EF4-FFF2-40B4-BE49-F238E27FC236}">
+                  <a16:creationId xmlns:a16="http://schemas.microsoft.com/office/drawing/2014/main" id="{232898C2-2DFD-C10F-CBB9-D6F5FCBDC840}"/>
+                </a:ext>
+              </a:extLst>
+            </p:cNvPr>
+            <p:cNvGrpSpPr/>
+            <p:nvPr/>
+          </p:nvGrpSpPr>
+          <p:grpSpPr>
+            <a:xfrm>
+              <a:off x="903130" y="13222500"/>
+              <a:ext cx="13690829" cy="10374312"/>
+              <a:chOff x="1151974" y="7289418"/>
+              <a:chExt cx="13690829" cy="10374312"/>
+            </a:xfrm>
+          </p:grpSpPr>
+          <p:sp>
+            <p:nvSpPr>
+              <p:cNvPr id="16" name="ZoneTexte 15">
+                <a:extLst>
+                  <a:ext uri="{FF2B5EF4-FFF2-40B4-BE49-F238E27FC236}">
+                    <a16:creationId xmlns:a16="http://schemas.microsoft.com/office/drawing/2014/main" id="{72EF101F-8330-29BA-9E2D-602C80C41682}"/>
+                  </a:ext>
+                </a:extLst>
+              </p:cNvPr>
+              <p:cNvSpPr txBox="1"/>
+              <p:nvPr/>
+            </p:nvSpPr>
+            <p:spPr>
+              <a:xfrm>
+                <a:off x="1262148" y="7289418"/>
+                <a:ext cx="11545414" cy="769441"/>
+              </a:xfrm>
+              <a:prstGeom prst="rect">
+                <a:avLst/>
+              </a:prstGeom>
+              <a:noFill/>
+            </p:spPr>
+            <p:txBody>
+              <a:bodyPr wrap="square" rtlCol="0">
+                <a:spAutoFit/>
+              </a:bodyPr>
+              <a:lstStyle/>
+              <a:p>
+                <a:r>
+                  <a:rPr lang="fr-FR" sz="4400" b="1" dirty="0">
+                    <a:solidFill>
+                      <a:srgbClr val="FFC000"/>
+                    </a:solidFill>
+                    <a:effectLst>
+                      <a:outerShdw blurRad="38100" dist="38100" dir="2700000" algn="tl">
+                        <a:srgbClr val="000000">
+                          <a:alpha val="43137"/>
+                        </a:srgbClr>
+                      </a:outerShdw>
+                    </a:effectLst>
+                  </a:rPr>
+                  <a:t>	</a:t>
+                </a:r>
+                <a:r>
+                  <a:rPr lang="fr-FR" sz="4400" b="1" i="0" dirty="0">
+                    <a:solidFill>
+                      <a:srgbClr val="FFC000"/>
+                    </a:solidFill>
+                    <a:effectLst>
+                      <a:outerShdw blurRad="38100" dist="38100" dir="2700000" algn="tl">
+                        <a:srgbClr val="000000">
+                          <a:alpha val="43137"/>
+                        </a:srgbClr>
+                      </a:outerShdw>
+                    </a:effectLst>
+                  </a:rPr>
+                  <a:t>Mesures sur les microprocesseurs</a:t>
+                </a:r>
+              </a:p>
+            </p:txBody>
+          </p:sp>
+          <p:pic>
+            <p:nvPicPr>
+              <p:cNvPr id="23" name="Image 22" descr="Une image contenant Appareils électroniques, Ingénierie électronique, Composant électronique, Composant de circuit&#10;&#10;Description générée automatiquement">
+                <a:extLst>
+                  <a:ext uri="{FF2B5EF4-FFF2-40B4-BE49-F238E27FC236}">
+                    <a16:creationId xmlns:a16="http://schemas.microsoft.com/office/drawing/2014/main" id="{47D78A8A-EDE1-B319-189F-F4032112FA01}"/>
+                  </a:ext>
+                </a:extLst>
+              </p:cNvPr>
+              <p:cNvPicPr>
+                <a:picLocks noChangeAspect="1"/>
+              </p:cNvPicPr>
+              <p:nvPr/>
+            </p:nvPicPr>
+            <p:blipFill rotWithShape="1">
+              <a:blip r:embed="rId7" cstate="print">
+                <a:extLst>
+                  <a:ext uri="{28A0092B-C50C-407E-A947-70E740481C1C}">
+                    <a14:useLocalDpi xmlns:a14="http://schemas.microsoft.com/office/drawing/2010/main" val="0"/>
+                  </a:ext>
+                </a:extLst>
+              </a:blip>
+              <a:srcRect l="13069" t="7197" r="5088" b="7808"/>
+              <a:stretch/>
+            </p:blipFill>
+            <p:spPr>
+              <a:xfrm rot="16200000">
+                <a:off x="3965378" y="7887606"/>
+                <a:ext cx="3432174" cy="4752529"/>
+              </a:xfrm>
+              <a:prstGeom prst="roundRect">
+                <a:avLst>
+                  <a:gd name="adj" fmla="val 4167"/>
+                </a:avLst>
+              </a:prstGeom>
+              <a:solidFill>
+                <a:srgbClr val="FFFFFF"/>
+              </a:solidFill>
+              <a:ln w="76200" cap="sq">
+                <a:solidFill>
+                  <a:srgbClr val="292929"/>
+                </a:solidFill>
+                <a:miter lim="800000"/>
+              </a:ln>
+              <a:effectLst/>
+              <a:scene3d>
+                <a:camera prst="orthographicFront"/>
+                <a:lightRig rig="threePt" dir="t">
+                  <a:rot lat="0" lon="0" rev="2700000"/>
+                </a:lightRig>
+              </a:scene3d>
+              <a:sp3d>
+                <a:bevelT h="38100"/>
+                <a:contourClr>
+                  <a:srgbClr val="C0C0C0"/>
+                </a:contourClr>
+              </a:sp3d>
+            </p:spPr>
+          </p:pic>
+          <p:pic>
+            <p:nvPicPr>
+              <p:cNvPr id="33" name="Image 32" descr="Une image contenant Appareils électroniques, Ingénierie électronique, Composant de circuit, Composant électronique">
+                <a:extLst>
+                  <a:ext uri="{FF2B5EF4-FFF2-40B4-BE49-F238E27FC236}">
+                    <a16:creationId xmlns:a16="http://schemas.microsoft.com/office/drawing/2014/main" id="{81E90A1F-3AED-150F-9328-385F677C5066}"/>
+                  </a:ext>
+                </a:extLst>
+              </p:cNvPr>
+              <p:cNvPicPr>
+                <a:picLocks noChangeAspect="1"/>
+              </p:cNvPicPr>
+              <p:nvPr/>
+            </p:nvPicPr>
+            <p:blipFill rotWithShape="1">
+              <a:blip r:embed="rId8" cstate="print">
+                <a:extLst>
+                  <a:ext uri="{28A0092B-C50C-407E-A947-70E740481C1C}">
+                    <a14:useLocalDpi xmlns:a14="http://schemas.microsoft.com/office/drawing/2010/main" val="0"/>
+                  </a:ext>
+                </a:extLst>
+              </a:blip>
+              <a:srcRect l="10303" t="11590" b="13716"/>
+              <a:stretch/>
+            </p:blipFill>
+            <p:spPr>
+              <a:xfrm>
+                <a:off x="8733981" y="8453913"/>
+                <a:ext cx="3488628" cy="3873408"/>
+              </a:xfrm>
+              <a:prstGeom prst="roundRect">
+                <a:avLst>
+                  <a:gd name="adj" fmla="val 4167"/>
+                </a:avLst>
+              </a:prstGeom>
+              <a:solidFill>
+                <a:srgbClr val="FFFFFF"/>
+              </a:solidFill>
+              <a:ln w="76200" cap="sq">
+                <a:solidFill>
+                  <a:srgbClr val="292929"/>
+                </a:solidFill>
+                <a:miter lim="800000"/>
+              </a:ln>
+              <a:effectLst/>
+              <a:scene3d>
+                <a:camera prst="orthographicFront"/>
+                <a:lightRig rig="threePt" dir="t">
+                  <a:rot lat="0" lon="0" rev="2700000"/>
+                </a:lightRig>
+              </a:scene3d>
+              <a:sp3d>
+                <a:bevelT h="38100"/>
+                <a:contourClr>
+                  <a:srgbClr val="C0C0C0"/>
+                </a:contourClr>
+              </a:sp3d>
+            </p:spPr>
+          </p:pic>
+          <p:sp>
+            <p:nvSpPr>
+              <p:cNvPr id="34" name="Ellipse 33">
+                <a:extLst>
+                  <a:ext uri="{FF2B5EF4-FFF2-40B4-BE49-F238E27FC236}">
+                    <a16:creationId xmlns:a16="http://schemas.microsoft.com/office/drawing/2014/main" id="{EFB97067-5140-6F0A-E4BD-30A2BE08D920}"/>
+                  </a:ext>
+                </a:extLst>
+              </p:cNvPr>
+              <p:cNvSpPr/>
+              <p:nvPr/>
+            </p:nvSpPr>
+            <p:spPr bwMode="auto">
+              <a:xfrm>
+                <a:off x="3940389" y="10251813"/>
+                <a:ext cx="576061" cy="648072"/>
+              </a:xfrm>
+              <a:prstGeom prst="ellipse">
+                <a:avLst/>
+              </a:prstGeom>
+              <a:solidFill>
+                <a:srgbClr val="FF0000">
+                  <a:alpha val="16078"/>
+                </a:srgbClr>
+              </a:solidFill>
+              <a:ln w="57150">
+                <a:solidFill>
+                  <a:srgbClr val="FF0000"/>
+                </a:solidFill>
+                <a:headEnd type="none" w="med" len="med"/>
+                <a:tailEnd type="none" w="med" len="med"/>
+              </a:ln>
+            </p:spPr>
+            <p:style>
+              <a:lnRef idx="2">
+                <a:schemeClr val="accent4"/>
+              </a:lnRef>
+              <a:fillRef idx="1">
+                <a:schemeClr val="lt1"/>
+              </a:fillRef>
+              <a:effectRef idx="0">
+                <a:schemeClr val="accent4"/>
+              </a:effectRef>
+              <a:fontRef idx="minor">
+                <a:schemeClr val="dk1"/>
+              </a:fontRef>
+            </p:style>
+            <p:txBody>
+              <a:bodyPr vert="horz" wrap="square" lIns="91440" tIns="45720" rIns="91440" bIns="45720" numCol="1" rtlCol="0" anchor="t" anchorCtr="0" compatLnSpc="1">
+                <a:prstTxWarp prst="textNoShape">
+                  <a:avLst/>
+                </a:prstTxWarp>
+              </a:bodyPr>
+              <a:lstStyle/>
+              <a:p>
+                <a:pPr marL="0" marR="0" indent="0" algn="l" defTabSz="4175125" rtl="0" eaLnBrk="1" fontAlgn="base" latinLnBrk="0" hangingPunct="1">
+                  <a:lnSpc>
+                    <a:spcPct val="100000"/>
+                  </a:lnSpc>
+                  <a:spcBef>
+                    <a:spcPct val="0"/>
+                  </a:spcBef>
+                  <a:spcAft>
+                    <a:spcPct val="0"/>
+                  </a:spcAft>
+                  <a:buClrTx/>
+                  <a:buSzTx/>
+                  <a:buFontTx/>
+                  <a:buNone/>
+                  <a:tabLst/>
+                </a:pPr>
+                <a:r>
+                  <a:rPr kumimoji="0" lang="fr-FR" sz="3200" b="1" i="0" u="none" strike="noStrike" cap="none" normalizeH="0" baseline="0" dirty="0">
+                    <a:ln>
+                      <a:noFill/>
+                    </a:ln>
+                    <a:solidFill>
+                      <a:srgbClr val="FF0000"/>
+                    </a:solidFill>
+                    <a:effectLst/>
+                    <a:latin typeface="Arial" charset="0"/>
+                  </a:rPr>
+                  <a:t>1</a:t>
+                </a:r>
+              </a:p>
+            </p:txBody>
+          </p:sp>
+          <p:sp>
+            <p:nvSpPr>
+              <p:cNvPr id="35" name="Ellipse 34">
+                <a:extLst>
+                  <a:ext uri="{FF2B5EF4-FFF2-40B4-BE49-F238E27FC236}">
+                    <a16:creationId xmlns:a16="http://schemas.microsoft.com/office/drawing/2014/main" id="{5A3A6E70-7AF6-1EC8-D3AA-01AC79902B70}"/>
+                  </a:ext>
+                </a:extLst>
+              </p:cNvPr>
+              <p:cNvSpPr/>
+              <p:nvPr/>
+            </p:nvSpPr>
+            <p:spPr bwMode="auto">
+              <a:xfrm>
+                <a:off x="10190264" y="8889065"/>
+                <a:ext cx="576061" cy="648072"/>
+              </a:xfrm>
+              <a:prstGeom prst="ellipse">
+                <a:avLst/>
+              </a:prstGeom>
+              <a:solidFill>
+                <a:srgbClr val="FF0000">
+                  <a:alpha val="16078"/>
+                </a:srgbClr>
+              </a:solidFill>
+              <a:ln w="57150">
+                <a:solidFill>
+                  <a:srgbClr val="FF0000"/>
+                </a:solidFill>
+                <a:headEnd type="none" w="med" len="med"/>
+                <a:tailEnd type="none" w="med" len="med"/>
+              </a:ln>
+            </p:spPr>
+            <p:style>
+              <a:lnRef idx="2">
+                <a:schemeClr val="accent4"/>
+              </a:lnRef>
+              <a:fillRef idx="1">
+                <a:schemeClr val="lt1"/>
+              </a:fillRef>
+              <a:effectRef idx="0">
+                <a:schemeClr val="accent4"/>
+              </a:effectRef>
+              <a:fontRef idx="minor">
+                <a:schemeClr val="dk1"/>
+              </a:fontRef>
+            </p:style>
+            <p:txBody>
+              <a:bodyPr vert="horz" wrap="square" lIns="91440" tIns="45720" rIns="91440" bIns="45720" numCol="1" rtlCol="0" anchor="t" anchorCtr="0" compatLnSpc="1">
+                <a:prstTxWarp prst="textNoShape">
+                  <a:avLst/>
+                </a:prstTxWarp>
+              </a:bodyPr>
+              <a:lstStyle/>
+              <a:p>
+                <a:pPr marL="0" marR="0" indent="0" algn="l" defTabSz="4175125" rtl="0" eaLnBrk="1" fontAlgn="base" latinLnBrk="0" hangingPunct="1">
+                  <a:lnSpc>
+                    <a:spcPct val="100000"/>
+                  </a:lnSpc>
+                  <a:spcBef>
+                    <a:spcPct val="0"/>
+                  </a:spcBef>
+                  <a:spcAft>
+                    <a:spcPct val="0"/>
+                  </a:spcAft>
+                  <a:buClrTx/>
+                  <a:buSzTx/>
+                  <a:buFontTx/>
+                  <a:buNone/>
+                  <a:tabLst/>
+                </a:pPr>
+                <a:r>
+                  <a:rPr kumimoji="0" lang="fr-FR" sz="3200" b="1" i="0" u="none" strike="noStrike" cap="none" normalizeH="0" baseline="0" dirty="0">
+                    <a:ln>
+                      <a:noFill/>
+                    </a:ln>
+                    <a:solidFill>
+                      <a:srgbClr val="FF0000"/>
+                    </a:solidFill>
+                    <a:effectLst/>
+                    <a:latin typeface="Arial" charset="0"/>
+                  </a:rPr>
+                  <a:t>1</a:t>
+                </a:r>
+              </a:p>
+            </p:txBody>
+          </p:sp>
+          <p:sp>
+            <p:nvSpPr>
+              <p:cNvPr id="36" name="Ellipse 35">
+                <a:extLst>
+                  <a:ext uri="{FF2B5EF4-FFF2-40B4-BE49-F238E27FC236}">
+                    <a16:creationId xmlns:a16="http://schemas.microsoft.com/office/drawing/2014/main" id="{6CDA1843-0DD0-1596-2A2F-93527A681C22}"/>
+                  </a:ext>
+                </a:extLst>
+              </p:cNvPr>
+              <p:cNvSpPr/>
+              <p:nvPr/>
+            </p:nvSpPr>
+            <p:spPr bwMode="auto">
+              <a:xfrm>
+                <a:off x="6835490" y="9016735"/>
+                <a:ext cx="576061" cy="648072"/>
+              </a:xfrm>
+              <a:prstGeom prst="ellipse">
+                <a:avLst/>
+              </a:prstGeom>
+              <a:solidFill>
+                <a:srgbClr val="00B050">
+                  <a:alpha val="16078"/>
+                </a:srgbClr>
+              </a:solidFill>
+              <a:ln w="57150">
+                <a:solidFill>
+                  <a:srgbClr val="00B050"/>
+                </a:solidFill>
+                <a:headEnd type="none" w="med" len="med"/>
+                <a:tailEnd type="none" w="med" len="med"/>
+              </a:ln>
+            </p:spPr>
+            <p:style>
+              <a:lnRef idx="2">
+                <a:schemeClr val="accent4"/>
+              </a:lnRef>
+              <a:fillRef idx="1">
+                <a:schemeClr val="lt1"/>
+              </a:fillRef>
+              <a:effectRef idx="0">
+                <a:schemeClr val="accent4"/>
+              </a:effectRef>
+              <a:fontRef idx="minor">
+                <a:schemeClr val="dk1"/>
+              </a:fontRef>
+            </p:style>
+            <p:txBody>
+              <a:bodyPr vert="horz" wrap="square" lIns="91440" tIns="45720" rIns="91440" bIns="45720" numCol="1" rtlCol="0" anchor="t" anchorCtr="0" compatLnSpc="1">
+                <a:prstTxWarp prst="textNoShape">
+                  <a:avLst/>
+                </a:prstTxWarp>
+              </a:bodyPr>
+              <a:lstStyle/>
+              <a:p>
+                <a:pPr marL="0" marR="0" indent="0" algn="l" defTabSz="4175125" rtl="0" eaLnBrk="1" fontAlgn="base" latinLnBrk="0" hangingPunct="1">
+                  <a:lnSpc>
+                    <a:spcPct val="100000"/>
+                  </a:lnSpc>
+                  <a:spcBef>
+                    <a:spcPct val="0"/>
+                  </a:spcBef>
+                  <a:spcAft>
+                    <a:spcPct val="0"/>
+                  </a:spcAft>
+                  <a:buClrTx/>
+                  <a:buSzTx/>
+                  <a:buFontTx/>
+                  <a:buNone/>
+                  <a:tabLst/>
+                </a:pPr>
+                <a:r>
+                  <a:rPr kumimoji="0" lang="fr-FR" sz="3200" b="1" i="0" u="none" strike="noStrike" cap="none" normalizeH="0" baseline="0" dirty="0">
+                    <a:ln>
+                      <a:noFill/>
+                    </a:ln>
+                    <a:solidFill>
+                      <a:srgbClr val="00B050"/>
+                    </a:solidFill>
+                    <a:effectLst/>
+                    <a:latin typeface="Arial" charset="0"/>
+                  </a:rPr>
+                  <a:t>2</a:t>
+                </a:r>
+              </a:p>
+            </p:txBody>
+          </p:sp>
+          <p:sp>
+            <p:nvSpPr>
+              <p:cNvPr id="37" name="Ellipse 36">
+                <a:extLst>
+                  <a:ext uri="{FF2B5EF4-FFF2-40B4-BE49-F238E27FC236}">
+                    <a16:creationId xmlns:a16="http://schemas.microsoft.com/office/drawing/2014/main" id="{4BFFBE54-8DA3-4A88-CBFC-B12B93954845}"/>
+                  </a:ext>
+                </a:extLst>
+              </p:cNvPr>
+              <p:cNvSpPr/>
+              <p:nvPr/>
+            </p:nvSpPr>
+            <p:spPr bwMode="auto">
+              <a:xfrm>
+                <a:off x="9965894" y="11056335"/>
+                <a:ext cx="576061" cy="648072"/>
+              </a:xfrm>
+              <a:prstGeom prst="ellipse">
+                <a:avLst/>
+              </a:prstGeom>
+              <a:solidFill>
+                <a:srgbClr val="7030A0">
+                  <a:alpha val="16078"/>
+                </a:srgbClr>
+              </a:solidFill>
+              <a:ln w="57150">
+                <a:solidFill>
+                  <a:srgbClr val="7030A0"/>
+                </a:solidFill>
+                <a:headEnd type="none" w="med" len="med"/>
+                <a:tailEnd type="none" w="med" len="med"/>
+              </a:ln>
+            </p:spPr>
+            <p:style>
+              <a:lnRef idx="2">
+                <a:schemeClr val="accent4"/>
+              </a:lnRef>
+              <a:fillRef idx="1">
+                <a:schemeClr val="lt1"/>
+              </a:fillRef>
+              <a:effectRef idx="0">
+                <a:schemeClr val="accent4"/>
+              </a:effectRef>
+              <a:fontRef idx="minor">
+                <a:schemeClr val="dk1"/>
+              </a:fontRef>
+            </p:style>
+            <p:txBody>
+              <a:bodyPr vert="horz" wrap="square" lIns="91440" tIns="45720" rIns="91440" bIns="45720" numCol="1" rtlCol="0" anchor="t" anchorCtr="0" compatLnSpc="1">
+                <a:prstTxWarp prst="textNoShape">
+                  <a:avLst/>
+                </a:prstTxWarp>
+              </a:bodyPr>
+              <a:lstStyle/>
+              <a:p>
+                <a:pPr marL="0" marR="0" indent="0" algn="l" defTabSz="4175125" rtl="0" eaLnBrk="1" fontAlgn="base" latinLnBrk="0" hangingPunct="1">
+                  <a:lnSpc>
+                    <a:spcPct val="100000"/>
+                  </a:lnSpc>
+                  <a:spcBef>
+                    <a:spcPct val="0"/>
+                  </a:spcBef>
+                  <a:spcAft>
+                    <a:spcPct val="0"/>
+                  </a:spcAft>
+                  <a:buClrTx/>
+                  <a:buSzTx/>
+                  <a:buFontTx/>
+                  <a:buNone/>
+                  <a:tabLst/>
+                </a:pPr>
+                <a:r>
+                  <a:rPr lang="fr-FR" sz="3200" b="1" i="0" dirty="0">
+                    <a:solidFill>
+                      <a:srgbClr val="7030A0"/>
+                    </a:solidFill>
+                    <a:latin typeface="Arial" charset="0"/>
+                  </a:rPr>
+                  <a:t>3</a:t>
+                </a:r>
+                <a:endParaRPr kumimoji="0" lang="fr-FR" sz="3200" b="1" i="0" u="none" strike="noStrike" cap="none" normalizeH="0" baseline="0" dirty="0">
                   <a:ln>
                     <a:noFill/>
                   </a:ln>
                   <a:solidFill>
-                    <a:srgbClr val="FF0000"/>
+                    <a:srgbClr val="7030A0"/>
                   </a:solidFill>
                   <a:effectLst/>
                   <a:latin typeface="Arial" charset="0"/>
-                </a:rPr>
-                <a:t>1</a:t>
-              </a:r>
-              <a:endParaRPr kumimoji="0" lang="en-GB" sz="3200" b="1" i="0" u="none" strike="noStrike" cap="none" normalizeH="0" baseline="0" dirty="0">
-                <a:ln>
-                  <a:noFill/>
-                </a:ln>
-                <a:solidFill>
-                  <a:srgbClr val="FF0000"/>
-                </a:solidFill>
-                <a:effectLst/>
-                <a:latin typeface="Arial" charset="0"/>
-              </a:endParaRPr>
-            </a:p>
-          </p:txBody>
-        </p:sp>
+                </a:endParaRPr>
+              </a:p>
+            </p:txBody>
+          </p:sp>
+          <p:sp>
+            <p:nvSpPr>
+              <p:cNvPr id="38" name="ZoneTexte 37">
+                <a:extLst>
+                  <a:ext uri="{FF2B5EF4-FFF2-40B4-BE49-F238E27FC236}">
+                    <a16:creationId xmlns:a16="http://schemas.microsoft.com/office/drawing/2014/main" id="{08030B0C-A5DD-18C1-ECF5-A90FDD07EBF7}"/>
+                  </a:ext>
+                </a:extLst>
+              </p:cNvPr>
+              <p:cNvSpPr txBox="1"/>
+              <p:nvPr/>
+            </p:nvSpPr>
+            <p:spPr>
+              <a:xfrm>
+                <a:off x="1151974" y="12985526"/>
+                <a:ext cx="13690829" cy="4678204"/>
+              </a:xfrm>
+              <a:prstGeom prst="rect">
+                <a:avLst/>
+              </a:prstGeom>
+              <a:noFill/>
+            </p:spPr>
+            <p:txBody>
+              <a:bodyPr wrap="square" rtlCol="0">
+                <a:spAutoFit/>
+              </a:bodyPr>
+              <a:lstStyle/>
+              <a:p>
+                <a:pPr marL="514350" indent="-514350" algn="just">
+                  <a:buFont typeface="+mj-lt"/>
+                  <a:buAutoNum type="arabicPeriod"/>
+                </a:pPr>
+                <a:r>
+                  <a:rPr lang="fr-FR" sz="3200" i="0" dirty="0"/>
+                  <a:t>La carte </a:t>
+                </a:r>
+                <a:r>
+                  <a:rPr lang="fr-FR" sz="3200" b="1" i="0" dirty="0"/>
+                  <a:t>NUCLEO-LPM01A</a:t>
+                </a:r>
+                <a:r>
+                  <a:rPr lang="fr-FR" sz="3200" i="0" dirty="0"/>
+                  <a:t> est connectée et alimente le microcontrôleur cible afin de </a:t>
+                </a:r>
+                <a:r>
+                  <a:rPr lang="fr-FR" sz="3200" b="1" i="0" dirty="0"/>
+                  <a:t>relever sa consommation</a:t>
+                </a:r>
+                <a:r>
+                  <a:rPr lang="fr-FR" sz="3200" i="0" dirty="0"/>
+                  <a:t>. Les informations recueillies sont transmises à l’ordinateur via USB.</a:t>
+                </a:r>
+              </a:p>
+              <a:p>
+                <a:pPr marL="514350" indent="-514350" algn="just">
+                  <a:buFont typeface="+mj-lt"/>
+                  <a:buAutoNum type="arabicPeriod"/>
+                </a:pPr>
+                <a:endParaRPr lang="fr-FR" sz="1600" i="0" dirty="0"/>
+              </a:p>
+              <a:p>
+                <a:pPr marL="514350" indent="-514350" algn="just">
+                  <a:buFont typeface="+mj-lt"/>
+                  <a:buAutoNum type="arabicPeriod"/>
+                </a:pPr>
+                <a:r>
+                  <a:rPr lang="fr-FR" sz="3200" i="0" dirty="0"/>
+                  <a:t>Microprocesseur </a:t>
+                </a:r>
+                <a:r>
+                  <a:rPr lang="fr-FR" sz="3200" b="1" i="0" dirty="0"/>
+                  <a:t>STM32F303 </a:t>
+                </a:r>
+                <a:r>
+                  <a:rPr lang="fr-FR" sz="2800" i="0" dirty="0"/>
+                  <a:t>(</a:t>
+                </a:r>
+                <a:r>
+                  <a:rPr lang="fr-FR" sz="3200" i="0" dirty="0"/>
+                  <a:t>utilisé pour les mesures du poster</a:t>
+                </a:r>
+                <a:r>
+                  <a:rPr lang="fr-FR" sz="2800" i="0" dirty="0"/>
+                  <a:t>).</a:t>
+                </a:r>
+              </a:p>
+              <a:p>
+                <a:pPr marL="514350" indent="-514350" algn="just">
+                  <a:buFont typeface="+mj-lt"/>
+                  <a:buAutoNum type="arabicPeriod"/>
+                </a:pPr>
+                <a:endParaRPr lang="fr-FR" sz="1600" i="0" dirty="0"/>
+              </a:p>
+              <a:p>
+                <a:pPr marL="514350" indent="-514350" algn="just">
+                  <a:buFont typeface="+mj-lt"/>
+                  <a:buAutoNum type="arabicPeriod"/>
+                </a:pPr>
+                <a:r>
+                  <a:rPr lang="fr-FR" sz="3200" i="0" dirty="0"/>
+                  <a:t>Microprocesseur </a:t>
+                </a:r>
+                <a:r>
+                  <a:rPr lang="fr-FR" sz="3200" b="1" i="0" dirty="0"/>
+                  <a:t>STM32G431 </a:t>
+                </a:r>
+                <a:r>
+                  <a:rPr lang="fr-FR" sz="3200" i="0" dirty="0"/>
+                  <a:t>ayant comme fonctionnalités en plus :</a:t>
+                </a:r>
+              </a:p>
+              <a:p>
+                <a:pPr algn="just"/>
+                <a:endParaRPr lang="fr-FR" sz="1000" i="0" dirty="0"/>
+              </a:p>
+              <a:p>
+                <a:pPr marL="914400" lvl="1" indent="-457200" algn="just">
+                  <a:buFont typeface="Arial" panose="020B0604020202020204" pitchFamily="34" charset="0"/>
+                  <a:buChar char="•"/>
+                </a:pPr>
+                <a:r>
+                  <a:rPr lang="fr-FR" sz="3200" b="1" i="0" dirty="0"/>
+                  <a:t>Dynamic voltage </a:t>
+                </a:r>
+                <a:r>
+                  <a:rPr lang="fr-FR" sz="3200" b="1" i="0" dirty="0" err="1"/>
+                  <a:t>frequency</a:t>
+                </a:r>
+                <a:r>
+                  <a:rPr lang="fr-FR" sz="3200" b="1" i="0" dirty="0"/>
+                  <a:t> </a:t>
+                </a:r>
+                <a:r>
+                  <a:rPr lang="fr-FR" sz="3200" b="1" i="0" dirty="0" err="1"/>
+                  <a:t>scaling</a:t>
+                </a:r>
+                <a:r>
+                  <a:rPr lang="fr-FR" sz="3200" b="1" i="0" dirty="0"/>
+                  <a:t> </a:t>
+                </a:r>
+                <a:r>
+                  <a:rPr lang="fr-FR" sz="3200" b="0" i="0" dirty="0">
+                    <a:solidFill>
+                      <a:srgbClr val="202122"/>
+                    </a:solidFill>
+                    <a:effectLst/>
+                  </a:rPr>
+                  <a:t>➔</a:t>
+                </a:r>
+                <a:r>
+                  <a:rPr lang="fr-FR" sz="3200" b="1" i="0" dirty="0">
+                    <a:solidFill>
+                      <a:srgbClr val="202122"/>
+                    </a:solidFill>
+                  </a:rPr>
+                  <a:t> </a:t>
+                </a:r>
+                <a:r>
+                  <a:rPr lang="fr-FR" sz="3200" i="0" dirty="0"/>
+                  <a:t>modes de consommation. </a:t>
+                </a:r>
+              </a:p>
+              <a:p>
+                <a:pPr marL="914400" lvl="1" indent="-457200" algn="just">
+                  <a:buFont typeface="Arial" panose="020B0604020202020204" pitchFamily="34" charset="0"/>
+                  <a:buChar char="•"/>
+                </a:pPr>
+                <a:r>
+                  <a:rPr lang="fr-FR" sz="3200" b="1" i="0" dirty="0"/>
+                  <a:t>Cache d’instructions et de données </a:t>
+                </a:r>
+                <a:r>
+                  <a:rPr lang="fr-FR" sz="3200" b="0" i="0" dirty="0">
+                    <a:solidFill>
+                      <a:srgbClr val="202122"/>
+                    </a:solidFill>
+                    <a:effectLst/>
+                  </a:rPr>
+                  <a:t>➔</a:t>
+                </a:r>
+                <a:r>
+                  <a:rPr lang="fr-FR" sz="3200" b="1" i="0" dirty="0">
+                    <a:solidFill>
+                      <a:srgbClr val="202122"/>
+                    </a:solidFill>
+                    <a:effectLst/>
+                  </a:rPr>
+                  <a:t> </a:t>
+                </a:r>
+                <a:r>
+                  <a:rPr lang="fr-FR" sz="3200" i="0" dirty="0"/>
+                  <a:t>accès mémoire plus rapide. </a:t>
+                </a:r>
+              </a:p>
+              <a:p>
+                <a:pPr marL="914400" lvl="1" indent="-457200" algn="just">
+                  <a:buFont typeface="Arial" panose="020B0604020202020204" pitchFamily="34" charset="0"/>
+                  <a:buChar char="•"/>
+                </a:pPr>
+                <a:r>
+                  <a:rPr lang="fr-FR" sz="3200" b="1" i="0" dirty="0"/>
+                  <a:t>Pre-</a:t>
+                </a:r>
+                <a:r>
+                  <a:rPr lang="fr-FR" sz="3200" b="1" i="0" dirty="0" err="1"/>
+                  <a:t>Fetch</a:t>
+                </a:r>
+                <a:r>
+                  <a:rPr lang="fr-FR" sz="3200" i="0" dirty="0"/>
+                  <a:t> </a:t>
+                </a:r>
+                <a:r>
+                  <a:rPr lang="fr-FR" sz="3200" b="0" i="0" dirty="0">
+                    <a:solidFill>
+                      <a:srgbClr val="202122"/>
+                    </a:solidFill>
+                    <a:effectLst/>
+                  </a:rPr>
+                  <a:t>➔ </a:t>
+                </a:r>
+                <a:r>
+                  <a:rPr lang="fr-FR" sz="3200" i="0" dirty="0"/>
+                  <a:t>Meilleur temps d’exécution, mais consomme plus. </a:t>
+                </a:r>
+                <a:endParaRPr lang="fr-FR" sz="3200" b="1" i="0" dirty="0"/>
+              </a:p>
+            </p:txBody>
+          </p:sp>
+        </p:grpSp>
         <p:sp>
           <p:nvSpPr>
-            <p:cNvPr id="35" name="Ellipse 34">
+            <p:cNvPr id="8" name="Rectangle 7">
               <a:extLst>
                 <a:ext uri="{FF2B5EF4-FFF2-40B4-BE49-F238E27FC236}">
-                  <a16:creationId xmlns:a16="http://schemas.microsoft.com/office/drawing/2014/main" id="{5A3A6E70-7AF6-1EC8-D3AA-01AC79902B70}"/>
+                  <a16:creationId xmlns:a16="http://schemas.microsoft.com/office/drawing/2014/main" id="{2D6952E7-D1CE-09DB-4503-4CF2CAACDBFB}"/>
                 </a:ext>
               </a:extLst>
             </p:cNvPr>
@@ -5803,39 +6650,26 @@
           </p:nvSpPr>
           <p:spPr bwMode="auto">
             <a:xfrm>
-              <a:off x="1833289" y="14378951"/>
-              <a:ext cx="576061" cy="648072"/>
+              <a:off x="1018764" y="13296673"/>
+              <a:ext cx="709392" cy="662864"/>
             </a:xfrm>
-            <a:prstGeom prst="ellipse">
+            <a:prstGeom prst="rect">
               <a:avLst/>
             </a:prstGeom>
             <a:solidFill>
-              <a:srgbClr val="FF0000">
-                <a:alpha val="16078"/>
-              </a:srgbClr>
+              <a:srgbClr val="FFC000"/>
             </a:solidFill>
-            <a:ln w="57150">
+            <a:ln w="9525" cap="flat" cmpd="sng" algn="ctr">
               <a:solidFill>
-                <a:srgbClr val="FF0000"/>
+                <a:srgbClr val="FFC000"/>
               </a:solidFill>
+              <a:prstDash val="solid"/>
+              <a:round/>
               <a:headEnd type="none" w="med" len="med"/>
               <a:tailEnd type="none" w="med" len="med"/>
             </a:ln>
+            <a:effectLst/>
           </p:spPr>
-          <p:style>
-            <a:lnRef idx="2">
-              <a:schemeClr val="accent4"/>
-            </a:lnRef>
-            <a:fillRef idx="1">
-              <a:schemeClr val="lt1"/>
-            </a:fillRef>
-            <a:effectRef idx="0">
-              <a:schemeClr val="accent4"/>
-            </a:effectRef>
-            <a:fontRef idx="minor">
-              <a:schemeClr val="dk1"/>
-            </a:fontRef>
-          </p:style>
           <p:txBody>
             <a:bodyPr vert="horz" wrap="square" lIns="91440" tIns="45720" rIns="91440" bIns="45720" numCol="1" rtlCol="0" anchor="t" anchorCtr="0" compatLnSpc="1">
               <a:prstTxWarp prst="textNoShape">
@@ -5844,7 +6678,7 @@
             </a:bodyPr>
             <a:lstStyle/>
             <a:p>
-              <a:pPr marL="0" marR="0" indent="0" algn="l" defTabSz="4175125" rtl="0" eaLnBrk="1" fontAlgn="base" latinLnBrk="0" hangingPunct="1">
+              <a:pPr marL="0" marR="0" indent="0" algn="ctr" defTabSz="4175125" rtl="0" eaLnBrk="1" fontAlgn="base" latinLnBrk="0" hangingPunct="1">
                 <a:lnSpc>
                   <a:spcPct val="100000"/>
                 </a:lnSpc>
@@ -5861,37 +6695,258 @@
                 <a:tabLst/>
               </a:pPr>
               <a:r>
-                <a:rPr kumimoji="0" lang="fr-FR" sz="3200" b="1" i="0" u="none" strike="noStrike" cap="none" normalizeH="0" baseline="0" dirty="0">
-                  <a:ln>
-                    <a:noFill/>
-                  </a:ln>
+                <a:rPr lang="fr-FR" sz="4400" b="1" i="0" dirty="0">
                   <a:solidFill>
-                    <a:srgbClr val="FF0000"/>
+                    <a:schemeClr val="bg1"/>
                   </a:solidFill>
-                  <a:effectLst/>
                   <a:latin typeface="Arial" charset="0"/>
                 </a:rPr>
-                <a:t>1</a:t>
+                <a:t>2</a:t>
               </a:r>
-              <a:endParaRPr kumimoji="0" lang="en-GB" sz="3200" b="1" i="0" u="none" strike="noStrike" cap="none" normalizeH="0" baseline="0" dirty="0">
-                <a:ln>
-                  <a:noFill/>
-                </a:ln>
+              <a:endParaRPr kumimoji="0" lang="fr-FR" sz="4400" b="1" i="0" u="none" strike="noStrike" normalizeH="0" baseline="0" dirty="0">
                 <a:solidFill>
-                  <a:srgbClr val="FF0000"/>
+                  <a:schemeClr val="bg1"/>
                 </a:solidFill>
-                <a:effectLst/>
                 <a:latin typeface="Arial" charset="0"/>
               </a:endParaRPr>
             </a:p>
           </p:txBody>
         </p:sp>
+      </p:grpSp>
+      <p:grpSp>
+        <p:nvGrpSpPr>
+          <p:cNvPr id="22" name="Groupe 21">
+            <a:extLst>
+              <a:ext uri="{FF2B5EF4-FFF2-40B4-BE49-F238E27FC236}">
+                <a16:creationId xmlns:a16="http://schemas.microsoft.com/office/drawing/2014/main" id="{74C15EF6-64E8-293B-1A8B-FCF2C99327C9}"/>
+              </a:ext>
+            </a:extLst>
+          </p:cNvPr>
+          <p:cNvGrpSpPr/>
+          <p:nvPr/>
+        </p:nvGrpSpPr>
+        <p:grpSpPr>
+          <a:xfrm>
+            <a:off x="1088637" y="6783427"/>
+            <a:ext cx="13531039" cy="5762264"/>
+            <a:chOff x="1088637" y="6425011"/>
+            <a:chExt cx="13531039" cy="5762264"/>
+          </a:xfrm>
+        </p:grpSpPr>
+        <p:grpSp>
+          <p:nvGrpSpPr>
+            <p:cNvPr id="43" name="Groupe 42">
+              <a:extLst>
+                <a:ext uri="{FF2B5EF4-FFF2-40B4-BE49-F238E27FC236}">
+                  <a16:creationId xmlns:a16="http://schemas.microsoft.com/office/drawing/2014/main" id="{C3F8214A-5694-8E24-B6C0-9A66F617A45D}"/>
+                </a:ext>
+              </a:extLst>
+            </p:cNvPr>
+            <p:cNvGrpSpPr/>
+            <p:nvPr/>
+          </p:nvGrpSpPr>
+          <p:grpSpPr>
+            <a:xfrm>
+              <a:off x="1088637" y="6425011"/>
+              <a:ext cx="13531039" cy="5762264"/>
+              <a:chOff x="1256443" y="8189456"/>
+              <a:chExt cx="13531039" cy="5762264"/>
+            </a:xfrm>
+          </p:grpSpPr>
+          <p:pic>
+            <p:nvPicPr>
+              <p:cNvPr id="41" name="Image 40">
+                <a:extLst>
+                  <a:ext uri="{FF2B5EF4-FFF2-40B4-BE49-F238E27FC236}">
+                    <a16:creationId xmlns:a16="http://schemas.microsoft.com/office/drawing/2014/main" id="{1B7CAA15-5F28-8B39-4CF8-9D8CF00EDE3D}"/>
+                  </a:ext>
+                </a:extLst>
+              </p:cNvPr>
+              <p:cNvPicPr>
+                <a:picLocks noChangeAspect="1"/>
+              </p:cNvPicPr>
+              <p:nvPr/>
+            </p:nvPicPr>
+            <p:blipFill>
+              <a:blip r:embed="rId9"/>
+              <a:stretch>
+                <a:fillRect/>
+              </a:stretch>
+            </p:blipFill>
+            <p:spPr>
+              <a:xfrm>
+                <a:off x="4281673" y="9071639"/>
+                <a:ext cx="7384216" cy="3294281"/>
+              </a:xfrm>
+              <a:prstGeom prst="rect">
+                <a:avLst/>
+              </a:prstGeom>
+            </p:spPr>
+          </p:pic>
+          <p:sp>
+            <p:nvSpPr>
+              <p:cNvPr id="40" name="ZoneTexte 39">
+                <a:extLst>
+                  <a:ext uri="{FF2B5EF4-FFF2-40B4-BE49-F238E27FC236}">
+                    <a16:creationId xmlns:a16="http://schemas.microsoft.com/office/drawing/2014/main" id="{FB0FAB9B-9ED7-3A28-E4CF-6E960D7EA9BC}"/>
+                  </a:ext>
+                </a:extLst>
+              </p:cNvPr>
+              <p:cNvSpPr txBox="1"/>
+              <p:nvPr/>
+            </p:nvSpPr>
+            <p:spPr>
+              <a:xfrm>
+                <a:off x="1284108" y="8189456"/>
+                <a:ext cx="13028172" cy="769441"/>
+              </a:xfrm>
+              <a:prstGeom prst="rect">
+                <a:avLst/>
+              </a:prstGeom>
+              <a:noFill/>
+            </p:spPr>
+            <p:txBody>
+              <a:bodyPr wrap="square" rtlCol="0">
+                <a:spAutoFit/>
+              </a:bodyPr>
+              <a:lstStyle/>
+              <a:p>
+                <a:r>
+                  <a:rPr lang="fr-FR" sz="4400" b="1" dirty="0">
+                    <a:solidFill>
+                      <a:srgbClr val="FFC000"/>
+                    </a:solidFill>
+                    <a:effectLst>
+                      <a:outerShdw blurRad="38100" dist="38100" dir="2700000" algn="tl">
+                        <a:srgbClr val="000000">
+                          <a:alpha val="43137"/>
+                        </a:srgbClr>
+                      </a:outerShdw>
+                    </a:effectLst>
+                    <a:latin typeface="+mj-lt"/>
+                  </a:rPr>
+                  <a:t>	</a:t>
+                </a:r>
+                <a:r>
+                  <a:rPr lang="fr-FR" sz="4400" b="1" i="0" dirty="0">
+                    <a:solidFill>
+                      <a:srgbClr val="FFC000"/>
+                    </a:solidFill>
+                    <a:effectLst>
+                      <a:outerShdw blurRad="38100" dist="38100" dir="2700000" algn="tl">
+                        <a:srgbClr val="000000">
+                          <a:alpha val="43137"/>
+                        </a:srgbClr>
+                      </a:outerShdw>
+                    </a:effectLst>
+                    <a:latin typeface="+mj-lt"/>
+                  </a:rPr>
+                  <a:t>Le CCM-SRAM sur les microcontrôleurs</a:t>
+                </a:r>
+              </a:p>
+            </p:txBody>
+          </p:sp>
+          <p:sp>
+            <p:nvSpPr>
+              <p:cNvPr id="42" name="ZoneTexte 41">
+                <a:extLst>
+                  <a:ext uri="{FF2B5EF4-FFF2-40B4-BE49-F238E27FC236}">
+                    <a16:creationId xmlns:a16="http://schemas.microsoft.com/office/drawing/2014/main" id="{260CEE8E-FFEE-1F0B-B656-7D9A7567D912}"/>
+                  </a:ext>
+                </a:extLst>
+              </p:cNvPr>
+              <p:cNvSpPr txBox="1"/>
+              <p:nvPr/>
+            </p:nvSpPr>
+            <p:spPr>
+              <a:xfrm>
+                <a:off x="1256443" y="11889617"/>
+                <a:ext cx="13531039" cy="2062103"/>
+              </a:xfrm>
+              <a:prstGeom prst="rect">
+                <a:avLst/>
+              </a:prstGeom>
+              <a:noFill/>
+            </p:spPr>
+            <p:txBody>
+              <a:bodyPr wrap="square" rtlCol="0">
+                <a:spAutoFit/>
+              </a:bodyPr>
+              <a:lstStyle/>
+              <a:p>
+                <a:endParaRPr lang="fr-FR" sz="3200" i="0" dirty="0"/>
+              </a:p>
+              <a:p>
+                <a:pPr marL="857250" indent="-857250">
+                  <a:buFont typeface="Arial" panose="020B0604020202020204" pitchFamily="34" charset="0"/>
+                  <a:buChar char="•"/>
+                </a:pPr>
+                <a:r>
+                  <a:rPr lang="fr-FR" sz="3200" i="0" dirty="0"/>
+                  <a:t>Connecté aux bus de données et d’instructions.</a:t>
+                </a:r>
+              </a:p>
+              <a:p>
+                <a:pPr marL="857250" indent="-857250">
+                  <a:buFont typeface="Arial" panose="020B0604020202020204" pitchFamily="34" charset="0"/>
+                  <a:buChar char="•"/>
+                </a:pPr>
+                <a:r>
+                  <a:rPr lang="fr-FR" sz="3200" i="0" dirty="0"/>
+                  <a:t>Accès mémoire </a:t>
+                </a:r>
+                <a:r>
+                  <a:rPr lang="fr-FR" sz="3200" b="1" i="0" dirty="0"/>
+                  <a:t>plus rapide </a:t>
+                </a:r>
+                <a:r>
+                  <a:rPr lang="fr-FR" sz="3200" i="0" dirty="0"/>
+                  <a:t>pouvant accélérer l’exécution d’un code.</a:t>
+                </a:r>
+              </a:p>
+              <a:p>
+                <a:pPr marL="857250" indent="-857250">
+                  <a:buFont typeface="Arial" panose="020B0604020202020204" pitchFamily="34" charset="0"/>
+                  <a:buChar char="•"/>
+                </a:pPr>
+                <a:r>
+                  <a:rPr lang="fr-FR" sz="3200" i="0" dirty="0"/>
+                  <a:t>Espace de stockage </a:t>
+                </a:r>
+                <a:r>
+                  <a:rPr lang="fr-FR" sz="3200" b="1" i="0" dirty="0"/>
+                  <a:t>assez limité</a:t>
+                </a:r>
+                <a:r>
+                  <a:rPr lang="fr-FR" sz="3200" i="0" dirty="0"/>
+                  <a:t> (ex : 8 </a:t>
+                </a:r>
+                <a:r>
+                  <a:rPr lang="fr-FR" sz="3200" i="0" dirty="0" err="1"/>
+                  <a:t>kB</a:t>
+                </a:r>
+                <a:r>
+                  <a:rPr lang="fr-FR" sz="3200" i="0" dirty="0"/>
+                  <a:t> et 10 </a:t>
+                </a:r>
+                <a:r>
+                  <a:rPr lang="fr-FR" sz="3200" i="0" dirty="0" err="1"/>
+                  <a:t>kB</a:t>
+                </a:r>
+                <a:r>
+                  <a:rPr lang="fr-FR" sz="3200" i="0" dirty="0"/>
+                  <a:t>).</a:t>
+                </a:r>
+              </a:p>
+            </p:txBody>
+          </p:sp>
+        </p:grpSp>
         <p:sp>
           <p:nvSpPr>
-            <p:cNvPr id="36" name="Ellipse 35">
+            <p:cNvPr id="21" name="Rectangle 20">
               <a:extLst>
                 <a:ext uri="{FF2B5EF4-FFF2-40B4-BE49-F238E27FC236}">
-                  <a16:creationId xmlns:a16="http://schemas.microsoft.com/office/drawing/2014/main" id="{6CDA1843-0DD0-1596-2A2F-93527A681C22}"/>
+                  <a16:creationId xmlns:a16="http://schemas.microsoft.com/office/drawing/2014/main" id="{6F7DAEB0-1862-3B40-8DE2-EEBD0605A12D}"/>
                 </a:ext>
               </a:extLst>
             </p:cNvPr>
@@ -5900,39 +6955,26 @@
           </p:nvSpPr>
           <p:spPr bwMode="auto">
             <a:xfrm>
-              <a:off x="3245306" y="13206939"/>
-              <a:ext cx="576061" cy="648072"/>
+              <a:off x="1088637" y="6483282"/>
+              <a:ext cx="709392" cy="662864"/>
             </a:xfrm>
-            <a:prstGeom prst="ellipse">
+            <a:prstGeom prst="rect">
               <a:avLst/>
             </a:prstGeom>
             <a:solidFill>
-              <a:srgbClr val="00B050">
-                <a:alpha val="16078"/>
-              </a:srgbClr>
+              <a:srgbClr val="FFC000"/>
             </a:solidFill>
-            <a:ln w="57150">
+            <a:ln w="9525" cap="flat" cmpd="sng" algn="ctr">
               <a:solidFill>
-                <a:srgbClr val="00B050"/>
+                <a:srgbClr val="FFC000"/>
               </a:solidFill>
+              <a:prstDash val="solid"/>
+              <a:round/>
               <a:headEnd type="none" w="med" len="med"/>
               <a:tailEnd type="none" w="med" len="med"/>
             </a:ln>
+            <a:effectLst/>
           </p:spPr>
-          <p:style>
-            <a:lnRef idx="2">
-              <a:schemeClr val="accent4"/>
-            </a:lnRef>
-            <a:fillRef idx="1">
-              <a:schemeClr val="lt1"/>
-            </a:fillRef>
-            <a:effectRef idx="0">
-              <a:schemeClr val="accent4"/>
-            </a:effectRef>
-            <a:fontRef idx="minor">
-              <a:schemeClr val="dk1"/>
-            </a:fontRef>
-          </p:style>
           <p:txBody>
             <a:bodyPr vert="horz" wrap="square" lIns="91440" tIns="45720" rIns="91440" bIns="45720" numCol="1" rtlCol="0" anchor="t" anchorCtr="0" compatLnSpc="1">
               <a:prstTxWarp prst="textNoShape">
@@ -5941,7 +6983,7 @@
             </a:bodyPr>
             <a:lstStyle/>
             <a:p>
-              <a:pPr marL="0" marR="0" indent="0" algn="l" defTabSz="4175125" rtl="0" eaLnBrk="1" fontAlgn="base" latinLnBrk="0" hangingPunct="1">
+              <a:pPr marL="0" marR="0" indent="0" algn="ctr" defTabSz="4175125" rtl="0" eaLnBrk="1" fontAlgn="base" latinLnBrk="0" hangingPunct="1">
                 <a:lnSpc>
                   <a:spcPct val="100000"/>
                 </a:lnSpc>
@@ -5958,529 +7000,446 @@
                 <a:tabLst/>
               </a:pPr>
               <a:r>
-                <a:rPr kumimoji="0" lang="fr-FR" sz="3200" b="1" i="0" u="none" strike="noStrike" cap="none" normalizeH="0" baseline="0" dirty="0">
-                  <a:ln>
-                    <a:noFill/>
-                  </a:ln>
+                <a:rPr kumimoji="0" lang="fr-FR" sz="4400" b="1" i="0" u="none" strike="noStrike" normalizeH="0" baseline="0" dirty="0">
                   <a:solidFill>
-                    <a:srgbClr val="00B050"/>
-                  </a:solidFill>
-                  <a:effectLst/>
-                  <a:latin typeface="Arial" charset="0"/>
-                </a:rPr>
-                <a:t>2</a:t>
-              </a:r>
-              <a:endParaRPr kumimoji="0" lang="en-GB" sz="3200" b="1" i="0" u="none" strike="noStrike" cap="none" normalizeH="0" baseline="0" dirty="0">
-                <a:ln>
-                  <a:noFill/>
-                </a:ln>
-                <a:solidFill>
-                  <a:srgbClr val="00B050"/>
-                </a:solidFill>
-                <a:effectLst/>
-                <a:latin typeface="Arial" charset="0"/>
-              </a:endParaRPr>
-            </a:p>
-          </p:txBody>
-        </p:sp>
-        <p:sp>
-          <p:nvSpPr>
-            <p:cNvPr id="37" name="Ellipse 36">
-              <a:extLst>
-                <a:ext uri="{FF2B5EF4-FFF2-40B4-BE49-F238E27FC236}">
-                  <a16:creationId xmlns:a16="http://schemas.microsoft.com/office/drawing/2014/main" id="{4BFFBE54-8DA3-4A88-CBFC-B12B93954845}"/>
-                </a:ext>
-              </a:extLst>
-            </p:cNvPr>
-            <p:cNvSpPr/>
-            <p:nvPr/>
-          </p:nvSpPr>
-          <p:spPr bwMode="auto">
-            <a:xfrm>
-              <a:off x="1627894" y="16927046"/>
-              <a:ext cx="576061" cy="648072"/>
-            </a:xfrm>
-            <a:prstGeom prst="ellipse">
-              <a:avLst/>
-            </a:prstGeom>
-            <a:solidFill>
-              <a:srgbClr val="7030A0">
-                <a:alpha val="16078"/>
-              </a:srgbClr>
-            </a:solidFill>
-            <a:ln w="57150">
-              <a:solidFill>
-                <a:srgbClr val="7030A0"/>
-              </a:solidFill>
-              <a:headEnd type="none" w="med" len="med"/>
-              <a:tailEnd type="none" w="med" len="med"/>
-            </a:ln>
-          </p:spPr>
-          <p:style>
-            <a:lnRef idx="2">
-              <a:schemeClr val="accent4"/>
-            </a:lnRef>
-            <a:fillRef idx="1">
-              <a:schemeClr val="lt1"/>
-            </a:fillRef>
-            <a:effectRef idx="0">
-              <a:schemeClr val="accent4"/>
-            </a:effectRef>
-            <a:fontRef idx="minor">
-              <a:schemeClr val="dk1"/>
-            </a:fontRef>
-          </p:style>
-          <p:txBody>
-            <a:bodyPr vert="horz" wrap="square" lIns="91440" tIns="45720" rIns="91440" bIns="45720" numCol="1" rtlCol="0" anchor="t" anchorCtr="0" compatLnSpc="1">
-              <a:prstTxWarp prst="textNoShape">
-                <a:avLst/>
-              </a:prstTxWarp>
-            </a:bodyPr>
-            <a:lstStyle/>
-            <a:p>
-              <a:pPr marL="0" marR="0" indent="0" algn="l" defTabSz="4175125" rtl="0" eaLnBrk="1" fontAlgn="base" latinLnBrk="0" hangingPunct="1">
-                <a:lnSpc>
-                  <a:spcPct val="100000"/>
-                </a:lnSpc>
-                <a:spcBef>
-                  <a:spcPct val="0"/>
-                </a:spcBef>
-                <a:spcAft>
-                  <a:spcPct val="0"/>
-                </a:spcAft>
-                <a:buClrTx/>
-                <a:buSzTx/>
-                <a:buFontTx/>
-                <a:buNone/>
-                <a:tabLst/>
-              </a:pPr>
-              <a:r>
-                <a:rPr lang="fr-FR" sz="3200" b="1" i="0" dirty="0">
-                  <a:solidFill>
-                    <a:srgbClr val="7030A0"/>
+                    <a:schemeClr val="bg1"/>
                   </a:solidFill>
                   <a:latin typeface="Arial" charset="0"/>
                 </a:rPr>
-                <a:t>3</a:t>
+                <a:t>1</a:t>
               </a:r>
-              <a:endParaRPr kumimoji="0" lang="en-GB" sz="3200" b="1" i="0" u="none" strike="noStrike" cap="none" normalizeH="0" baseline="0" dirty="0">
-                <a:ln>
-                  <a:noFill/>
-                </a:ln>
-                <a:solidFill>
-                  <a:srgbClr val="7030A0"/>
-                </a:solidFill>
-                <a:effectLst/>
-                <a:latin typeface="Arial" charset="0"/>
-              </a:endParaRPr>
-            </a:p>
-          </p:txBody>
-        </p:sp>
-        <p:sp>
-          <p:nvSpPr>
-            <p:cNvPr id="38" name="ZoneTexte 37">
-              <a:extLst>
-                <a:ext uri="{FF2B5EF4-FFF2-40B4-BE49-F238E27FC236}">
-                  <a16:creationId xmlns:a16="http://schemas.microsoft.com/office/drawing/2014/main" id="{08030B0C-A5DD-18C1-ECF5-A90FDD07EBF7}"/>
-                </a:ext>
-              </a:extLst>
-            </p:cNvPr>
-            <p:cNvSpPr txBox="1"/>
-            <p:nvPr/>
-          </p:nvSpPr>
-          <p:spPr>
-            <a:xfrm>
-              <a:off x="4410795" y="10477415"/>
-              <a:ext cx="10383205" cy="7478970"/>
-            </a:xfrm>
-            <a:prstGeom prst="rect">
-              <a:avLst/>
-            </a:prstGeom>
-            <a:noFill/>
-          </p:spPr>
-          <p:txBody>
-            <a:bodyPr wrap="square" rtlCol="0">
-              <a:spAutoFit/>
-            </a:bodyPr>
-            <a:lstStyle/>
-            <a:p>
-              <a:pPr marL="514350" indent="-514350">
-                <a:buFont typeface="+mj-lt"/>
-                <a:buAutoNum type="arabicPeriod"/>
-              </a:pPr>
-              <a:r>
-                <a:rPr lang="fr-FR" sz="3200" dirty="0"/>
-                <a:t>La carte NUCLEO-LPM01A est connectée au alimente le processeur cible et permet de relever sa consommation. Les informations sont transmises à l’ordinateur par USB</a:t>
-              </a:r>
-            </a:p>
-            <a:p>
-              <a:pPr marL="514350" indent="-514350">
-                <a:buFont typeface="+mj-lt"/>
-                <a:buAutoNum type="arabicPeriod"/>
-              </a:pPr>
-              <a:endParaRPr lang="fr-FR" sz="3200" dirty="0"/>
-            </a:p>
-            <a:p>
-              <a:pPr marL="514350" indent="-514350">
-                <a:buFont typeface="+mj-lt"/>
-                <a:buAutoNum type="arabicPeriod"/>
-              </a:pPr>
-              <a:r>
-                <a:rPr lang="fr-FR" sz="3200" dirty="0"/>
-                <a:t>Microprocesseurs </a:t>
-              </a:r>
-              <a:r>
-                <a:rPr lang="en-GB" sz="3200" i="0" dirty="0"/>
-                <a:t>STM32F303</a:t>
-              </a:r>
-              <a:r>
-                <a:rPr lang="fr-FR" sz="3200" dirty="0"/>
-                <a:t> équipé d’une CCM-SRAM de ,,, </a:t>
-              </a:r>
-              <a:r>
-                <a:rPr lang="fr-FR" sz="3200" dirty="0" err="1"/>
-                <a:t>kB</a:t>
-              </a:r>
-              <a:r>
-                <a:rPr lang="fr-FR" sz="3200" dirty="0"/>
-                <a:t> et pouvant tourner jusqu’à 72MHz</a:t>
-              </a:r>
-            </a:p>
-            <a:p>
-              <a:pPr marL="514350" indent="-514350">
-                <a:buFont typeface="+mj-lt"/>
-                <a:buAutoNum type="arabicPeriod"/>
-              </a:pPr>
-              <a:endParaRPr lang="fr-FR" sz="3200" dirty="0"/>
-            </a:p>
-            <a:p>
-              <a:pPr marL="514350" indent="-514350">
-                <a:buFont typeface="+mj-lt"/>
-                <a:buAutoNum type="arabicPeriod"/>
-              </a:pPr>
-              <a:r>
-                <a:rPr lang="fr-FR" sz="3200" dirty="0"/>
-                <a:t>Microprocesseur </a:t>
-              </a:r>
-              <a:r>
-                <a:rPr lang="en-GB" sz="3200" i="0" dirty="0"/>
-                <a:t>STM32G431KB </a:t>
-              </a:r>
-              <a:r>
-                <a:rPr lang="en-GB" sz="3200" i="0" dirty="0" err="1"/>
-                <a:t>ayant</a:t>
-              </a:r>
-              <a:r>
-                <a:rPr lang="en-GB" sz="3200" i="0" dirty="0"/>
-                <a:t> </a:t>
-              </a:r>
-              <a:r>
-                <a:rPr lang="en-GB" sz="3200" i="0" dirty="0" err="1"/>
-                <a:t>aussi</a:t>
-              </a:r>
-              <a:r>
-                <a:rPr lang="en-GB" sz="3200" i="0" dirty="0"/>
-                <a:t> </a:t>
-              </a:r>
-              <a:r>
-                <a:rPr lang="en-GB" sz="3200" i="0" dirty="0" err="1"/>
-                <a:t>une</a:t>
-              </a:r>
-              <a:r>
-                <a:rPr lang="en-GB" sz="3200" i="0" dirty="0"/>
-                <a:t> CCM-SRAM </a:t>
-              </a:r>
-              <a:r>
-                <a:rPr lang="en-GB" sz="3200" i="0" dirty="0" err="1"/>
-                <a:t>mais</a:t>
-              </a:r>
-              <a:r>
-                <a:rPr lang="en-GB" sz="3200" i="0" dirty="0"/>
-                <a:t> de ,,, kB. </a:t>
-              </a:r>
-              <a:r>
-                <a:rPr lang="en-GB" sz="3200" i="0" dirty="0" err="1"/>
-                <a:t>Contrairement</a:t>
-              </a:r>
-              <a:r>
-                <a:rPr lang="en-GB" sz="3200" i="0" dirty="0"/>
-                <a:t> au STM32F il </a:t>
-              </a:r>
-              <a:r>
-                <a:rPr lang="en-GB" sz="3200" i="0" dirty="0" err="1"/>
-                <a:t>embarque</a:t>
-              </a:r>
-              <a:r>
-                <a:rPr lang="en-GB" sz="3200" i="0" dirty="0"/>
-                <a:t> </a:t>
-              </a:r>
-              <a:r>
-                <a:rPr lang="en-GB" sz="3200" i="0" dirty="0" err="1"/>
-                <a:t>d’autres</a:t>
-              </a:r>
-              <a:r>
-                <a:rPr lang="en-GB" sz="3200" i="0" dirty="0"/>
-                <a:t> </a:t>
-              </a:r>
-              <a:r>
-                <a:rPr lang="en-GB" sz="3200" i="0" dirty="0" err="1"/>
-                <a:t>caractéristiques</a:t>
-              </a:r>
-              <a:r>
-                <a:rPr lang="en-GB" sz="3200" i="0" dirty="0"/>
-                <a:t> </a:t>
-              </a:r>
-              <a:r>
-                <a:rPr lang="en-GB" sz="3200" i="0" dirty="0" err="1"/>
-                <a:t>comme</a:t>
-              </a:r>
-              <a:r>
-                <a:rPr lang="en-GB" sz="3200" i="0" dirty="0"/>
-                <a:t> : </a:t>
-              </a:r>
-            </a:p>
-            <a:p>
-              <a:pPr marL="2343150" lvl="4" indent="-514350">
-                <a:buFont typeface="Arial" panose="020B0604020202020204" pitchFamily="34" charset="0"/>
-                <a:buChar char="•"/>
-              </a:pPr>
-              <a:r>
-                <a:rPr lang="en-GB" sz="3200" i="0" dirty="0"/>
-                <a:t>Un cache </a:t>
-              </a:r>
-              <a:r>
-                <a:rPr lang="en-GB" sz="3200" i="0" dirty="0" err="1"/>
-                <a:t>d’instructions</a:t>
-              </a:r>
-              <a:r>
-                <a:rPr lang="en-GB" sz="3200" i="0" dirty="0"/>
-                <a:t> et de </a:t>
-              </a:r>
-              <a:r>
-                <a:rPr lang="en-GB" sz="3200" i="0" dirty="0" err="1"/>
-                <a:t>données</a:t>
-              </a:r>
-              <a:r>
-                <a:rPr lang="en-GB" sz="3200" i="0" dirty="0"/>
-                <a:t> </a:t>
-              </a:r>
-            </a:p>
-            <a:p>
-              <a:pPr marL="2343150" lvl="4" indent="-514350">
-                <a:buFont typeface="Arial" panose="020B0604020202020204" pitchFamily="34" charset="0"/>
-                <a:buChar char="•"/>
-              </a:pPr>
-              <a:r>
-                <a:rPr lang="en-GB" sz="3200" i="0" dirty="0"/>
-                <a:t>Deux </a:t>
-              </a:r>
-              <a:r>
-                <a:rPr lang="en-GB" sz="3200" i="0" dirty="0" err="1"/>
-                <a:t>différentes</a:t>
-              </a:r>
-              <a:r>
-                <a:rPr lang="en-GB" sz="3200" i="0" dirty="0"/>
-                <a:t> SRAM (1 et 2) </a:t>
-              </a:r>
-            </a:p>
-            <a:p>
-              <a:pPr marL="2343150" lvl="4" indent="-514350">
-                <a:buFont typeface="Arial" panose="020B0604020202020204" pitchFamily="34" charset="0"/>
-                <a:buChar char="•"/>
-              </a:pPr>
-              <a:r>
-                <a:rPr lang="en-GB" sz="3200" i="0" dirty="0"/>
-                <a:t>Une option de PRE-FETCH</a:t>
-              </a:r>
-              <a:endParaRPr lang="fr-FR" sz="3200" dirty="0"/>
             </a:p>
           </p:txBody>
         </p:sp>
       </p:grpSp>
-      <p:grpSp>
-        <p:nvGrpSpPr>
-          <p:cNvPr id="43" name="Groupe 42">
+      <p:cxnSp>
+        <p:nvCxnSpPr>
+          <p:cNvPr id="26" name="Connecteur droit 25">
             <a:extLst>
               <a:ext uri="{FF2B5EF4-FFF2-40B4-BE49-F238E27FC236}">
-                <a16:creationId xmlns:a16="http://schemas.microsoft.com/office/drawing/2014/main" id="{C3F8214A-5694-8E24-B6C0-9A66F617A45D}"/>
+                <a16:creationId xmlns:a16="http://schemas.microsoft.com/office/drawing/2014/main" id="{3DCC20E3-FA63-D54C-858E-45C03BBAC525}"/>
               </a:ext>
             </a:extLst>
           </p:cNvPr>
-          <p:cNvGrpSpPr/>
+          <p:cNvCxnSpPr>
+            <a:cxnSpLocks/>
+          </p:cNvCxnSpPr>
           <p:nvPr/>
-        </p:nvGrpSpPr>
-        <p:grpSpPr>
+        </p:nvCxnSpPr>
+        <p:spPr bwMode="auto">
           <a:xfrm>
-            <a:off x="1495456" y="8194439"/>
-            <a:ext cx="12816823" cy="8577880"/>
-            <a:chOff x="1495456" y="8194439"/>
-            <a:chExt cx="12816823" cy="8577880"/>
+            <a:off x="18668379" y="38579063"/>
+            <a:ext cx="0" cy="3114590"/>
           </a:xfrm>
-        </p:grpSpPr>
-        <p:sp>
-          <p:nvSpPr>
-            <p:cNvPr id="40" name="ZoneTexte 39">
-              <a:extLst>
-                <a:ext uri="{FF2B5EF4-FFF2-40B4-BE49-F238E27FC236}">
-                  <a16:creationId xmlns:a16="http://schemas.microsoft.com/office/drawing/2014/main" id="{FB0FAB9B-9ED7-3A28-E4CF-6E960D7EA9BC}"/>
-                </a:ext>
-              </a:extLst>
-            </p:cNvPr>
-            <p:cNvSpPr txBox="1"/>
-            <p:nvPr/>
-          </p:nvSpPr>
-          <p:spPr>
-            <a:xfrm>
-              <a:off x="1746998" y="8194439"/>
-              <a:ext cx="12565281" cy="769441"/>
-            </a:xfrm>
-            <a:prstGeom prst="rect">
-              <a:avLst/>
-            </a:prstGeom>
-            <a:noFill/>
-          </p:spPr>
-          <p:txBody>
-            <a:bodyPr wrap="square" rtlCol="0">
-              <a:spAutoFit/>
-            </a:bodyPr>
-            <a:lstStyle/>
-            <a:p>
-              <a:pPr algn="ctr"/>
-              <a:r>
-                <a:rPr lang="fr-FR" sz="4400" b="1" dirty="0">
-                  <a:effectLst>
-                    <a:outerShdw blurRad="38100" dist="38100" dir="2700000" algn="tl">
-                      <a:srgbClr val="000000">
-                        <a:alpha val="43137"/>
-                      </a:srgbClr>
-                    </a:outerShdw>
-                  </a:effectLst>
-                </a:rPr>
-                <a:t>La CCM-SRAM sur les </a:t>
-              </a:r>
-              <a:r>
-                <a:rPr lang="fr-FR" sz="4400" b="1" dirty="0" err="1">
-                  <a:effectLst>
-                    <a:outerShdw blurRad="38100" dist="38100" dir="2700000" algn="tl">
-                      <a:srgbClr val="000000">
-                        <a:alpha val="43137"/>
-                      </a:srgbClr>
-                    </a:outerShdw>
-                  </a:effectLst>
-                </a:rPr>
-                <a:t>microcontroleurs</a:t>
-              </a:r>
-              <a:endParaRPr lang="en-GB" sz="4400" b="1" dirty="0">
-                <a:effectLst>
-                  <a:outerShdw blurRad="38100" dist="38100" dir="2700000" algn="tl">
-                    <a:srgbClr val="000000">
-                      <a:alpha val="43137"/>
-                    </a:srgbClr>
-                  </a:outerShdw>
-                </a:effectLst>
-              </a:endParaRPr>
-            </a:p>
-          </p:txBody>
-        </p:sp>
-        <p:pic>
-          <p:nvPicPr>
-            <p:cNvPr id="41" name="Image 40">
-              <a:extLst>
-                <a:ext uri="{FF2B5EF4-FFF2-40B4-BE49-F238E27FC236}">
-                  <a16:creationId xmlns:a16="http://schemas.microsoft.com/office/drawing/2014/main" id="{1B7CAA15-5F28-8B39-4CF8-9D8CF00EDE3D}"/>
-                </a:ext>
-              </a:extLst>
-            </p:cNvPr>
-            <p:cNvPicPr>
-              <a:picLocks noChangeAspect="1"/>
-            </p:cNvPicPr>
-            <p:nvPr/>
-          </p:nvPicPr>
-          <p:blipFill>
-            <a:blip r:embed="rId8"/>
-            <a:stretch>
-              <a:fillRect/>
-            </a:stretch>
-          </p:blipFill>
-          <p:spPr>
-            <a:xfrm>
-              <a:off x="3579307" y="9017680"/>
-              <a:ext cx="9188695" cy="4099304"/>
-            </a:xfrm>
-            <a:prstGeom prst="rect">
-              <a:avLst/>
-            </a:prstGeom>
-          </p:spPr>
-        </p:pic>
-        <p:sp>
-          <p:nvSpPr>
-            <p:cNvPr id="42" name="ZoneTexte 41">
-              <a:extLst>
-                <a:ext uri="{FF2B5EF4-FFF2-40B4-BE49-F238E27FC236}">
-                  <a16:creationId xmlns:a16="http://schemas.microsoft.com/office/drawing/2014/main" id="{260CEE8E-FFEE-1F0B-B656-7D9A7567D912}"/>
-                </a:ext>
-              </a:extLst>
-            </p:cNvPr>
-            <p:cNvSpPr txBox="1"/>
-            <p:nvPr/>
-          </p:nvSpPr>
-          <p:spPr>
-            <a:xfrm>
-              <a:off x="1495456" y="12894334"/>
-              <a:ext cx="12708427" cy="3877985"/>
-            </a:xfrm>
-            <a:prstGeom prst="rect">
-              <a:avLst/>
-            </a:prstGeom>
-            <a:noFill/>
-          </p:spPr>
-          <p:txBody>
-            <a:bodyPr wrap="square" rtlCol="0">
-              <a:spAutoFit/>
-            </a:bodyPr>
-            <a:lstStyle/>
-            <a:p>
-              <a:endParaRPr lang="fr-FR" sz="3200" dirty="0"/>
-            </a:p>
-            <a:p>
-              <a:pPr marL="857250" indent="-857250">
-                <a:buFont typeface="Arial" panose="020B0604020202020204" pitchFamily="34" charset="0"/>
-                <a:buChar char="•"/>
-              </a:pPr>
-              <a:r>
-                <a:rPr lang="fr-FR" sz="3200" dirty="0"/>
-                <a:t>Peux transférer aussi bien des données que des instructions au processeur</a:t>
-              </a:r>
-            </a:p>
-            <a:p>
-              <a:endParaRPr lang="fr-FR" sz="3200" dirty="0"/>
-            </a:p>
-            <a:p>
-              <a:pPr marL="857250" indent="-857250">
-                <a:buFont typeface="Arial" panose="020B0604020202020204" pitchFamily="34" charset="0"/>
-                <a:buChar char="•"/>
-              </a:pPr>
-              <a:r>
-                <a:rPr lang="fr-FR" sz="3200" dirty="0"/>
-                <a:t>Accès mémoire plus rapide pouvant accélérer l’exécution d’un code </a:t>
-              </a:r>
-            </a:p>
-            <a:p>
-              <a:pPr marL="857250" indent="-857250">
-                <a:buFont typeface="Arial" panose="020B0604020202020204" pitchFamily="34" charset="0"/>
-                <a:buChar char="•"/>
-              </a:pPr>
-              <a:endParaRPr lang="fr-FR" sz="5400" dirty="0"/>
-            </a:p>
-          </p:txBody>
-        </p:sp>
-      </p:grpSp>
+          <a:prstGeom prst="line">
+            <a:avLst/>
+          </a:prstGeom>
+          <a:ln w="57150">
+            <a:solidFill>
+              <a:srgbClr val="FFC000">
+                <a:alpha val="43922"/>
+              </a:srgbClr>
+            </a:solidFill>
+            <a:prstDash val="dash"/>
+            <a:headEnd type="none" w="med" len="med"/>
+            <a:tailEnd type="none" w="med" len="med"/>
+          </a:ln>
+          <a:effectLst/>
+        </p:spPr>
+        <p:style>
+          <a:lnRef idx="1">
+            <a:schemeClr val="dk1"/>
+          </a:lnRef>
+          <a:fillRef idx="0">
+            <a:schemeClr val="dk1"/>
+          </a:fillRef>
+          <a:effectRef idx="0">
+            <a:schemeClr val="dk1"/>
+          </a:effectRef>
+          <a:fontRef idx="minor">
+            <a:schemeClr val="tx1"/>
+          </a:fontRef>
+        </p:style>
+      </p:cxnSp>
+      <p:pic>
+        <p:nvPicPr>
+          <p:cNvPr id="58" name="Graphique 57" descr="Recherche contour">
+            <a:extLst>
+              <a:ext uri="{FF2B5EF4-FFF2-40B4-BE49-F238E27FC236}">
+                <a16:creationId xmlns:a16="http://schemas.microsoft.com/office/drawing/2014/main" id="{398997F1-936D-57B7-FBFA-3385B737B2A7}"/>
+              </a:ext>
+            </a:extLst>
+          </p:cNvPr>
+          <p:cNvPicPr>
+            <a:picLocks noChangeAspect="1"/>
+          </p:cNvPicPr>
+          <p:nvPr/>
+        </p:nvPicPr>
+        <p:blipFill>
+          <a:blip r:embed="rId10">
+            <a:extLst>
+              <a:ext uri="{28A0092B-C50C-407E-A947-70E740481C1C}">
+                <a14:useLocalDpi xmlns:a14="http://schemas.microsoft.com/office/drawing/2010/main" val="0"/>
+              </a:ext>
+              <a:ext uri="{96DAC541-7B7A-43D3-8B79-37D633B846F1}">
+                <asvg:svgBlip xmlns:asvg="http://schemas.microsoft.com/office/drawing/2016/SVG/main" r:embed="rId11"/>
+              </a:ext>
+            </a:extLst>
+          </a:blip>
+          <a:stretch>
+            <a:fillRect/>
+          </a:stretch>
+        </p:blipFill>
+        <p:spPr>
+          <a:xfrm>
+            <a:off x="1043132" y="39211704"/>
+            <a:ext cx="841043" cy="841043"/>
+          </a:xfrm>
+          <a:prstGeom prst="rect">
+            <a:avLst/>
+          </a:prstGeom>
+        </p:spPr>
+      </p:pic>
+      <p:pic>
+        <p:nvPicPr>
+          <p:cNvPr id="1029" name="Picture 2" descr="latex&quot; Icon - Download for free – Iconduck">
+            <a:extLst>
+              <a:ext uri="{FF2B5EF4-FFF2-40B4-BE49-F238E27FC236}">
+                <a16:creationId xmlns:a16="http://schemas.microsoft.com/office/drawing/2014/main" id="{0148C954-10B0-947E-F23E-FAB9909CEEDD}"/>
+              </a:ext>
+            </a:extLst>
+          </p:cNvPr>
+          <p:cNvPicPr>
+            <a:picLocks noChangeAspect="1" noChangeArrowheads="1"/>
+          </p:cNvPicPr>
+          <p:nvPr/>
+        </p:nvPicPr>
+        <p:blipFill>
+          <a:blip r:embed="rId12" cstate="print">
+            <a:extLst>
+              <a:ext uri="{28A0092B-C50C-407E-A947-70E740481C1C}">
+                <a14:useLocalDpi xmlns:a14="http://schemas.microsoft.com/office/drawing/2010/main" val="0"/>
+              </a:ext>
+            </a:extLst>
+          </a:blip>
+          <a:srcRect/>
+          <a:stretch>
+            <a:fillRect/>
+          </a:stretch>
+        </p:blipFill>
+        <p:spPr bwMode="auto">
+          <a:xfrm>
+            <a:off x="1162423" y="41240317"/>
+            <a:ext cx="602459" cy="612630"/>
+          </a:xfrm>
+          <a:prstGeom prst="rect">
+            <a:avLst/>
+          </a:prstGeom>
+          <a:ln w="9525" cap="sq">
+            <a:solidFill>
+              <a:srgbClr val="000000"/>
+            </a:solidFill>
+            <a:miter lim="800000"/>
+          </a:ln>
+          <a:effectLst>
+            <a:outerShdw blurRad="57150" dist="50800" dir="2700000" algn="tl" rotWithShape="0">
+              <a:srgbClr val="000000">
+                <a:alpha val="40000"/>
+              </a:srgbClr>
+            </a:outerShdw>
+          </a:effectLst>
+          <a:extLst>
+            <a:ext uri="{909E8E84-426E-40DD-AFC4-6F175D3DCCD1}">
+              <a14:hiddenFill xmlns:a14="http://schemas.microsoft.com/office/drawing/2010/main">
+                <a:solidFill>
+                  <a:srgbClr val="FFFFFF"/>
+                </a:solidFill>
+              </a14:hiddenFill>
+            </a:ext>
+          </a:extLst>
+        </p:spPr>
+      </p:pic>
+      <p:pic>
+        <p:nvPicPr>
+          <p:cNvPr id="1031" name="Picture 4" descr="C (langage) — Wikipédia">
+            <a:extLst>
+              <a:ext uri="{FF2B5EF4-FFF2-40B4-BE49-F238E27FC236}">
+                <a16:creationId xmlns:a16="http://schemas.microsoft.com/office/drawing/2014/main" id="{0C2BD322-8673-34BE-B728-DF0D370F4164}"/>
+              </a:ext>
+            </a:extLst>
+          </p:cNvPr>
+          <p:cNvPicPr>
+            <a:picLocks noChangeAspect="1" noChangeArrowheads="1"/>
+          </p:cNvPicPr>
+          <p:nvPr/>
+        </p:nvPicPr>
+        <p:blipFill>
+          <a:blip r:embed="rId13" cstate="print">
+            <a:extLst>
+              <a:ext uri="{28A0092B-C50C-407E-A947-70E740481C1C}">
+                <a14:useLocalDpi xmlns:a14="http://schemas.microsoft.com/office/drawing/2010/main" val="0"/>
+              </a:ext>
+            </a:extLst>
+          </a:blip>
+          <a:srcRect/>
+          <a:stretch>
+            <a:fillRect/>
+          </a:stretch>
+        </p:blipFill>
+        <p:spPr bwMode="auto">
+          <a:xfrm>
+            <a:off x="1180809" y="40268771"/>
+            <a:ext cx="565690" cy="624280"/>
+          </a:xfrm>
+          <a:prstGeom prst="rect">
+            <a:avLst/>
+          </a:prstGeom>
+          <a:noFill/>
+          <a:extLst>
+            <a:ext uri="{909E8E84-426E-40DD-AFC4-6F175D3DCCD1}">
+              <a14:hiddenFill xmlns:a14="http://schemas.microsoft.com/office/drawing/2010/main">
+                <a:solidFill>
+                  <a:srgbClr val="FFFFFF"/>
+                </a:solidFill>
+              </a14:hiddenFill>
+            </a:ext>
+          </a:extLst>
+        </p:spPr>
+      </p:pic>
       <p:sp>
         <p:nvSpPr>
-          <p:cNvPr id="44" name="ZoneTexte 43">
+          <p:cNvPr id="2058" name="ZoneTexte 4"/>
+          <p:cNvSpPr txBox="1">
+            <a:spLocks noChangeArrowheads="1"/>
+          </p:cNvSpPr>
+          <p:nvPr/>
+        </p:nvSpPr>
+        <p:spPr bwMode="auto">
+          <a:xfrm>
+            <a:off x="20667348" y="38831331"/>
+            <a:ext cx="6317755" cy="2554545"/>
+          </a:xfrm>
+          <a:prstGeom prst="rect">
+            <a:avLst/>
+          </a:prstGeom>
+          <a:noFill/>
+          <a:ln>
+            <a:noFill/>
+          </a:ln>
+          <a:extLst>
+            <a:ext uri="{909E8E84-426E-40DD-AFC4-6F175D3DCCD1}">
+              <a14:hiddenFill xmlns:a14="http://schemas.microsoft.com/office/drawing/2010/main">
+                <a:solidFill>
+                  <a:srgbClr val="FFFFFF"/>
+                </a:solidFill>
+              </a14:hiddenFill>
+            </a:ext>
+            <a:ext uri="{91240B29-F687-4F45-9708-019B960494DF}">
+              <a14:hiddenLine xmlns:a14="http://schemas.microsoft.com/office/drawing/2010/main" w="9525">
+                <a:solidFill>
+                  <a:srgbClr val="000000"/>
+                </a:solidFill>
+                <a:miter lim="800000"/>
+                <a:headEnd/>
+                <a:tailEnd/>
+              </a14:hiddenLine>
+            </a:ext>
+          </a:extLst>
+        </p:spPr>
+        <p:txBody>
+          <a:bodyPr wrap="none">
+            <a:spAutoFit/>
+          </a:bodyPr>
+          <a:lstStyle>
+            <a:lvl1pPr eaLnBrk="0" hangingPunct="0">
+              <a:spcBef>
+                <a:spcPct val="20000"/>
+              </a:spcBef>
+              <a:buChar char="•"/>
+              <a:defRPr sz="14600">
+                <a:solidFill>
+                  <a:schemeClr val="tx1"/>
+                </a:solidFill>
+                <a:latin typeface="Arial" panose="020B0604020202020204" pitchFamily="34" charset="0"/>
+              </a:defRPr>
+            </a:lvl1pPr>
+            <a:lvl2pPr marL="742950" indent="-285750" eaLnBrk="0" hangingPunct="0">
+              <a:spcBef>
+                <a:spcPct val="20000"/>
+              </a:spcBef>
+              <a:buChar char="–"/>
+              <a:defRPr sz="12800">
+                <a:solidFill>
+                  <a:schemeClr val="tx1"/>
+                </a:solidFill>
+                <a:latin typeface="Arial" panose="020B0604020202020204" pitchFamily="34" charset="0"/>
+              </a:defRPr>
+            </a:lvl2pPr>
+            <a:lvl3pPr marL="1143000" indent="-228600" eaLnBrk="0" hangingPunct="0">
+              <a:spcBef>
+                <a:spcPct val="20000"/>
+              </a:spcBef>
+              <a:buChar char="•"/>
+              <a:defRPr sz="11000">
+                <a:solidFill>
+                  <a:schemeClr val="tx1"/>
+                </a:solidFill>
+                <a:latin typeface="Arial" panose="020B0604020202020204" pitchFamily="34" charset="0"/>
+              </a:defRPr>
+            </a:lvl3pPr>
+            <a:lvl4pPr marL="1600200" indent="-228600" eaLnBrk="0" hangingPunct="0">
+              <a:spcBef>
+                <a:spcPct val="20000"/>
+              </a:spcBef>
+              <a:buChar char="–"/>
+              <a:defRPr sz="9100">
+                <a:solidFill>
+                  <a:schemeClr val="tx1"/>
+                </a:solidFill>
+                <a:latin typeface="Arial" panose="020B0604020202020204" pitchFamily="34" charset="0"/>
+              </a:defRPr>
+            </a:lvl4pPr>
+            <a:lvl5pPr marL="2057400" indent="-228600" eaLnBrk="0" hangingPunct="0">
+              <a:spcBef>
+                <a:spcPct val="20000"/>
+              </a:spcBef>
+              <a:buChar char="»"/>
+              <a:defRPr sz="9100">
+                <a:solidFill>
+                  <a:schemeClr val="tx1"/>
+                </a:solidFill>
+                <a:latin typeface="Arial" panose="020B0604020202020204" pitchFamily="34" charset="0"/>
+              </a:defRPr>
+            </a:lvl5pPr>
+            <a:lvl6pPr marL="2514600" indent="-228600" eaLnBrk="0" fontAlgn="base" hangingPunct="0">
+              <a:spcBef>
+                <a:spcPct val="20000"/>
+              </a:spcBef>
+              <a:spcAft>
+                <a:spcPct val="0"/>
+              </a:spcAft>
+              <a:buChar char="»"/>
+              <a:defRPr sz="9100">
+                <a:solidFill>
+                  <a:schemeClr val="tx1"/>
+                </a:solidFill>
+                <a:latin typeface="Arial" panose="020B0604020202020204" pitchFamily="34" charset="0"/>
+              </a:defRPr>
+            </a:lvl6pPr>
+            <a:lvl7pPr marL="2971800" indent="-228600" eaLnBrk="0" fontAlgn="base" hangingPunct="0">
+              <a:spcBef>
+                <a:spcPct val="20000"/>
+              </a:spcBef>
+              <a:spcAft>
+                <a:spcPct val="0"/>
+              </a:spcAft>
+              <a:buChar char="»"/>
+              <a:defRPr sz="9100">
+                <a:solidFill>
+                  <a:schemeClr val="tx1"/>
+                </a:solidFill>
+                <a:latin typeface="Arial" panose="020B0604020202020204" pitchFamily="34" charset="0"/>
+              </a:defRPr>
+            </a:lvl7pPr>
+            <a:lvl8pPr marL="3429000" indent="-228600" eaLnBrk="0" fontAlgn="base" hangingPunct="0">
+              <a:spcBef>
+                <a:spcPct val="20000"/>
+              </a:spcBef>
+              <a:spcAft>
+                <a:spcPct val="0"/>
+              </a:spcAft>
+              <a:buChar char="»"/>
+              <a:defRPr sz="9100">
+                <a:solidFill>
+                  <a:schemeClr val="tx1"/>
+                </a:solidFill>
+                <a:latin typeface="Arial" panose="020B0604020202020204" pitchFamily="34" charset="0"/>
+              </a:defRPr>
+            </a:lvl8pPr>
+            <a:lvl9pPr marL="3886200" indent="-228600" eaLnBrk="0" fontAlgn="base" hangingPunct="0">
+              <a:spcBef>
+                <a:spcPct val="20000"/>
+              </a:spcBef>
+              <a:spcAft>
+                <a:spcPct val="0"/>
+              </a:spcAft>
+              <a:buChar char="»"/>
+              <a:defRPr sz="9100">
+                <a:solidFill>
+                  <a:schemeClr val="tx1"/>
+                </a:solidFill>
+                <a:latin typeface="Arial" panose="020B0604020202020204" pitchFamily="34" charset="0"/>
+              </a:defRPr>
+            </a:lvl9pPr>
+          </a:lstStyle>
+          <a:p>
+            <a:pPr algn="ctr" eaLnBrk="1" hangingPunct="1">
+              <a:spcBef>
+                <a:spcPct val="0"/>
+              </a:spcBef>
+              <a:buFontTx/>
+              <a:buNone/>
+            </a:pPr>
+            <a:r>
+              <a:rPr lang="fr-FR" altLang="fr-FR" sz="4000" b="1" dirty="0"/>
+              <a:t>Loïc THOMAS - 4IR SI</a:t>
+            </a:r>
+          </a:p>
+          <a:p>
+            <a:pPr algn="ctr" eaLnBrk="1" hangingPunct="1">
+              <a:spcBef>
+                <a:spcPct val="0"/>
+              </a:spcBef>
+              <a:buFontTx/>
+              <a:buNone/>
+            </a:pPr>
+            <a:r>
+              <a:rPr lang="fr-FR" altLang="fr-FR" sz="4000" dirty="0"/>
+              <a:t>Stage du 5 juin au 25 août </a:t>
+            </a:r>
+          </a:p>
+          <a:p>
+            <a:pPr algn="ctr" eaLnBrk="1" hangingPunct="1">
+              <a:spcBef>
+                <a:spcPct val="0"/>
+              </a:spcBef>
+              <a:buFontTx/>
+              <a:buNone/>
+            </a:pPr>
+            <a:r>
+              <a:rPr lang="fr-FR" altLang="fr-FR" sz="4000" dirty="0"/>
+              <a:t>LAAS-CNRS</a:t>
+            </a:r>
+          </a:p>
+          <a:p>
+            <a:pPr algn="ctr" eaLnBrk="1" hangingPunct="1">
+              <a:spcBef>
+                <a:spcPct val="0"/>
+              </a:spcBef>
+              <a:buFontTx/>
+              <a:buNone/>
+            </a:pPr>
+            <a:r>
+              <a:rPr lang="fr-FR" altLang="fr-FR" sz="4000" dirty="0"/>
+              <a:t>Tuteur : </a:t>
+            </a:r>
+            <a:r>
+              <a:rPr lang="fr-FR" altLang="fr-FR" sz="4000" dirty="0" err="1"/>
+              <a:t>Tomasz</a:t>
+            </a:r>
+            <a:r>
+              <a:rPr lang="fr-FR" altLang="fr-FR" sz="4000" dirty="0"/>
+              <a:t> KLODA</a:t>
+            </a:r>
+          </a:p>
+        </p:txBody>
+      </p:sp>
+      <p:sp>
+        <p:nvSpPr>
+          <p:cNvPr id="1033" name="ZoneTexte 1032">
             <a:extLst>
               <a:ext uri="{FF2B5EF4-FFF2-40B4-BE49-F238E27FC236}">
-                <a16:creationId xmlns:a16="http://schemas.microsoft.com/office/drawing/2014/main" id="{31670F25-10CE-F639-C5C8-24F1C9E36649}"/>
+                <a16:creationId xmlns:a16="http://schemas.microsoft.com/office/drawing/2014/main" id="{8B5EF75F-8AD4-5D4A-2C29-AA1263791D05}"/>
               </a:ext>
             </a:extLst>
           </p:cNvPr>
@@ -6489,8 +7448,8 @@
         </p:nvSpPr>
         <p:spPr>
           <a:xfrm>
-            <a:off x="3273425" y="27901979"/>
-            <a:ext cx="9108128" cy="766299"/>
+            <a:off x="22653365" y="22004871"/>
+            <a:ext cx="6287019" cy="707886"/>
           </a:xfrm>
           <a:prstGeom prst="rect">
             <a:avLst/>
@@ -6505,1066 +7464,2549 @@
           <a:p>
             <a:pPr algn="ctr"/>
             <a:r>
-              <a:rPr lang="fr-FR" sz="4400" b="1" dirty="0"/>
-              <a:t>Obtention des données </a:t>
+              <a:rPr lang="fr-FR" sz="2000" dirty="0"/>
+              <a:t>Gains d’utilisation et d’énergie grâce à l’allocation faite par le modèle </a:t>
             </a:r>
-            <a:endParaRPr lang="en-GB" sz="4400" b="1" dirty="0"/>
           </a:p>
         </p:txBody>
       </p:sp>
-      <p:pic>
-        <p:nvPicPr>
-          <p:cNvPr id="46" name="Image 45" descr="Une image contenant texte, Tracé, ligne, nombre&#10;&#10;Description générée automatiquement">
+      <p:grpSp>
+        <p:nvGrpSpPr>
+          <p:cNvPr id="50" name="Groupe 49">
             <a:extLst>
               <a:ext uri="{FF2B5EF4-FFF2-40B4-BE49-F238E27FC236}">
-                <a16:creationId xmlns:a16="http://schemas.microsoft.com/office/drawing/2014/main" id="{7061520B-074B-1FF9-4068-B88F497C2E65}"/>
+                <a16:creationId xmlns:a16="http://schemas.microsoft.com/office/drawing/2014/main" id="{7FBB32A4-6FC5-2CEF-0770-DCAAD67FEDCD}"/>
               </a:ext>
             </a:extLst>
           </p:cNvPr>
-          <p:cNvPicPr>
-            <a:picLocks noChangeAspect="1"/>
-          </p:cNvPicPr>
+          <p:cNvGrpSpPr/>
           <p:nvPr/>
-        </p:nvPicPr>
-        <p:blipFill>
-          <a:blip r:embed="rId9">
-            <a:extLst>
-              <a:ext uri="{28A0092B-C50C-407E-A947-70E740481C1C}">
-                <a14:useLocalDpi xmlns:a14="http://schemas.microsoft.com/office/drawing/2010/main" val="0"/>
-              </a:ext>
-            </a:extLst>
-          </a:blip>
-          <a:stretch>
-            <a:fillRect/>
-          </a:stretch>
-        </p:blipFill>
-        <p:spPr>
+        </p:nvGrpSpPr>
+        <p:grpSpPr>
           <a:xfrm>
-            <a:off x="1528721" y="29234341"/>
-            <a:ext cx="11819248" cy="4344262"/>
+            <a:off x="15828963" y="6843897"/>
+            <a:ext cx="13118674" cy="10454322"/>
+            <a:chOff x="15828963" y="6483282"/>
+            <a:chExt cx="13118674" cy="10454322"/>
           </a:xfrm>
-          <a:prstGeom prst="rect">
-            <a:avLst/>
-          </a:prstGeom>
-          <a:ln w="38100" cap="sq">
-            <a:solidFill>
-              <a:srgbClr val="000000"/>
-            </a:solidFill>
-            <a:prstDash val="solid"/>
-            <a:miter lim="800000"/>
-          </a:ln>
-          <a:effectLst>
-            <a:outerShdw blurRad="50800" dist="38100" dir="2700000" algn="tl" rotWithShape="0">
-              <a:srgbClr val="000000">
-                <a:alpha val="43000"/>
-              </a:srgbClr>
-            </a:outerShdw>
-          </a:effectLst>
-        </p:spPr>
-      </p:pic>
-      <p:sp>
-        <p:nvSpPr>
-          <p:cNvPr id="47" name="ZoneTexte 46">
+        </p:grpSpPr>
+        <p:grpSp>
+          <p:nvGrpSpPr>
+            <p:cNvPr id="25" name="Groupe 24">
+              <a:extLst>
+                <a:ext uri="{FF2B5EF4-FFF2-40B4-BE49-F238E27FC236}">
+                  <a16:creationId xmlns:a16="http://schemas.microsoft.com/office/drawing/2014/main" id="{5A3BDA05-0615-2038-2D29-4844715C86B3}"/>
+                </a:ext>
+              </a:extLst>
+            </p:cNvPr>
+            <p:cNvGrpSpPr/>
+            <p:nvPr/>
+          </p:nvGrpSpPr>
+          <p:grpSpPr>
+            <a:xfrm>
+              <a:off x="15828963" y="6483282"/>
+              <a:ext cx="13118674" cy="10454322"/>
+              <a:chOff x="15966540" y="5860550"/>
+              <a:chExt cx="13118674" cy="10454322"/>
+            </a:xfrm>
+          </p:grpSpPr>
+          <p:sp>
+            <p:nvSpPr>
+              <p:cNvPr id="54" name="ZoneTexte 53">
+                <a:extLst>
+                  <a:ext uri="{FF2B5EF4-FFF2-40B4-BE49-F238E27FC236}">
+                    <a16:creationId xmlns:a16="http://schemas.microsoft.com/office/drawing/2014/main" id="{71243D71-56FC-2349-0D57-6074B3B50284}"/>
+                  </a:ext>
+                </a:extLst>
+              </p:cNvPr>
+              <p:cNvSpPr txBox="1"/>
+              <p:nvPr/>
+            </p:nvSpPr>
+            <p:spPr>
+              <a:xfrm>
+                <a:off x="16852953" y="12031612"/>
+                <a:ext cx="11107672" cy="400110"/>
+              </a:xfrm>
+              <a:prstGeom prst="rect">
+                <a:avLst/>
+              </a:prstGeom>
+              <a:noFill/>
+            </p:spPr>
+            <p:txBody>
+              <a:bodyPr wrap="square" rtlCol="0">
+                <a:spAutoFit/>
+              </a:bodyPr>
+              <a:lstStyle/>
+              <a:p>
+                <a:pPr algn="ctr"/>
+                <a:r>
+                  <a:rPr lang="fr-FR" sz="2000" dirty="0"/>
+                  <a:t>Amélioration de l’énergie en déplaçant les instructions de la FLASH vers le CCM</a:t>
+                </a:r>
+              </a:p>
+            </p:txBody>
+          </p:sp>
+          <p:grpSp>
+            <p:nvGrpSpPr>
+              <p:cNvPr id="24" name="Groupe 23">
+                <a:extLst>
+                  <a:ext uri="{FF2B5EF4-FFF2-40B4-BE49-F238E27FC236}">
+                    <a16:creationId xmlns:a16="http://schemas.microsoft.com/office/drawing/2014/main" id="{99ACD6B8-47D6-FADD-7E2C-A77683FF93EE}"/>
+                  </a:ext>
+                </a:extLst>
+              </p:cNvPr>
+              <p:cNvGrpSpPr/>
+              <p:nvPr/>
+            </p:nvGrpSpPr>
+            <p:grpSpPr>
+              <a:xfrm>
+                <a:off x="15966540" y="5860550"/>
+                <a:ext cx="13118674" cy="10454322"/>
+                <a:chOff x="16154043" y="5935405"/>
+                <a:chExt cx="13118674" cy="10454322"/>
+              </a:xfrm>
+            </p:grpSpPr>
+            <p:sp>
+              <p:nvSpPr>
+                <p:cNvPr id="53" name="ZoneTexte 52">
+                  <a:extLst>
+                    <a:ext uri="{FF2B5EF4-FFF2-40B4-BE49-F238E27FC236}">
+                      <a16:creationId xmlns:a16="http://schemas.microsoft.com/office/drawing/2014/main" id="{6F507FBA-519E-555E-F5D9-595DB8D711C2}"/>
+                    </a:ext>
+                  </a:extLst>
+                </p:cNvPr>
+                <p:cNvSpPr txBox="1"/>
+                <p:nvPr/>
+              </p:nvSpPr>
+              <p:spPr>
+                <a:xfrm>
+                  <a:off x="16154043" y="5935405"/>
+                  <a:ext cx="13118674" cy="769441"/>
+                </a:xfrm>
+                <a:prstGeom prst="rect">
+                  <a:avLst/>
+                </a:prstGeom>
+                <a:noFill/>
+              </p:spPr>
+              <p:txBody>
+                <a:bodyPr wrap="square" rtlCol="0">
+                  <a:spAutoFit/>
+                </a:bodyPr>
+                <a:lstStyle/>
+                <a:p>
+                  <a:r>
+                    <a:rPr lang="fr-FR" sz="4400" b="1" dirty="0">
+                      <a:solidFill>
+                        <a:srgbClr val="FFC000"/>
+                      </a:solidFill>
+                      <a:effectLst>
+                        <a:outerShdw blurRad="38100" dist="38100" dir="2700000" algn="tl">
+                          <a:srgbClr val="000000">
+                            <a:alpha val="43137"/>
+                          </a:srgbClr>
+                        </a:outerShdw>
+                      </a:effectLst>
+                    </a:rPr>
+                    <a:t>	</a:t>
+                  </a:r>
+                  <a:r>
+                    <a:rPr lang="fr-FR" sz="4400" b="1" i="0" dirty="0">
+                      <a:solidFill>
+                        <a:srgbClr val="FFC000"/>
+                      </a:solidFill>
+                      <a:effectLst>
+                        <a:outerShdw blurRad="38100" dist="38100" dir="2700000" algn="tl">
+                          <a:srgbClr val="000000">
+                            <a:alpha val="43137"/>
+                          </a:srgbClr>
+                        </a:outerShdw>
+                      </a:effectLst>
+                    </a:rPr>
+                    <a:t>Étude de l’impact du CCM sur l’énergie</a:t>
+                  </a:r>
+                </a:p>
+              </p:txBody>
+            </p:sp>
+            <p:sp>
+              <p:nvSpPr>
+                <p:cNvPr id="55" name="ZoneTexte 54">
+                  <a:extLst>
+                    <a:ext uri="{FF2B5EF4-FFF2-40B4-BE49-F238E27FC236}">
+                      <a16:creationId xmlns:a16="http://schemas.microsoft.com/office/drawing/2014/main" id="{2D6EB7F7-83F8-56D5-BFD6-DA14DCE929E4}"/>
+                    </a:ext>
+                  </a:extLst>
+                </p:cNvPr>
+                <p:cNvSpPr txBox="1"/>
+                <p:nvPr/>
+              </p:nvSpPr>
+              <p:spPr>
+                <a:xfrm>
+                  <a:off x="16212638" y="12357854"/>
+                  <a:ext cx="13060079" cy="4031873"/>
+                </a:xfrm>
+                <a:prstGeom prst="rect">
+                  <a:avLst/>
+                </a:prstGeom>
+                <a:noFill/>
+              </p:spPr>
+              <p:txBody>
+                <a:bodyPr wrap="square" rtlCol="0">
+                  <a:spAutoFit/>
+                </a:bodyPr>
+                <a:lstStyle/>
+                <a:p>
+                  <a:pPr algn="just"/>
+                  <a:endParaRPr lang="fr-FR" sz="3200" i="0" dirty="0"/>
+                </a:p>
+                <a:p>
+                  <a:pPr algn="just"/>
+                  <a:r>
+                    <a:rPr lang="fr-FR" sz="3200" i="0" dirty="0"/>
+                    <a:t>Le FLASH a une fréquence maximale plus faible que celle du processeur. Exécuter du code depuis le FLASH peut mettre le processeur en </a:t>
+                  </a:r>
+                  <a:r>
+                    <a:rPr lang="fr-FR" sz="3200" b="1" i="0" dirty="0"/>
+                    <a:t>état d’attente</a:t>
+                  </a:r>
+                  <a:r>
+                    <a:rPr lang="fr-FR" sz="3200" i="0" dirty="0"/>
+                    <a:t>, ce qui </a:t>
+                  </a:r>
+                  <a:r>
+                    <a:rPr lang="fr-FR" sz="3200" b="1" i="0" dirty="0"/>
+                    <a:t>consomme plus d’énergie</a:t>
+                  </a:r>
+                  <a:r>
+                    <a:rPr lang="fr-FR" sz="3200" i="0" dirty="0"/>
+                    <a:t>. </a:t>
+                  </a:r>
+                </a:p>
+                <a:p>
+                  <a:pPr algn="just"/>
+                  <a:endParaRPr lang="fr-FR" sz="3200" i="0" dirty="0"/>
+                </a:p>
+                <a:p>
+                  <a:pPr algn="just"/>
+                  <a:r>
+                    <a:rPr lang="fr-FR" sz="3200" i="0" dirty="0"/>
+                    <a:t>Le CCM va toujours aussi vite que le processeur. Il n’y a donc aucune attente. Le CCM sera </a:t>
+                  </a:r>
+                  <a:r>
+                    <a:rPr lang="fr-FR" sz="3200" b="1" i="0" dirty="0"/>
+                    <a:t>plus performant</a:t>
+                  </a:r>
+                  <a:r>
+                    <a:rPr lang="fr-FR" sz="3200" i="0" dirty="0"/>
+                    <a:t> que le FLASH à hautes fréquences.</a:t>
+                  </a:r>
+                </a:p>
+              </p:txBody>
+            </p:sp>
+            <p:sp>
+              <p:nvSpPr>
+                <p:cNvPr id="12" name="Rectangle 11">
+                  <a:extLst>
+                    <a:ext uri="{FF2B5EF4-FFF2-40B4-BE49-F238E27FC236}">
+                      <a16:creationId xmlns:a16="http://schemas.microsoft.com/office/drawing/2014/main" id="{479A2830-1DCC-0C7C-C4DD-C0B9C2637D8D}"/>
+                    </a:ext>
+                  </a:extLst>
+                </p:cNvPr>
+                <p:cNvSpPr/>
+                <p:nvPr/>
+              </p:nvSpPr>
+              <p:spPr bwMode="auto">
+                <a:xfrm>
+                  <a:off x="16239698" y="6012567"/>
+                  <a:ext cx="709392" cy="662864"/>
+                </a:xfrm>
+                <a:prstGeom prst="rect">
+                  <a:avLst/>
+                </a:prstGeom>
+                <a:solidFill>
+                  <a:srgbClr val="FFC000"/>
+                </a:solidFill>
+                <a:ln w="9525" cap="flat" cmpd="sng" algn="ctr">
+                  <a:solidFill>
+                    <a:srgbClr val="FFC000"/>
+                  </a:solidFill>
+                  <a:prstDash val="solid"/>
+                  <a:round/>
+                  <a:headEnd type="none" w="med" len="med"/>
+                  <a:tailEnd type="none" w="med" len="med"/>
+                </a:ln>
+                <a:effectLst/>
+              </p:spPr>
+              <p:txBody>
+                <a:bodyPr vert="horz" wrap="square" lIns="91440" tIns="45720" rIns="91440" bIns="45720" numCol="1" rtlCol="0" anchor="t" anchorCtr="0" compatLnSpc="1">
+                  <a:prstTxWarp prst="textNoShape">
+                    <a:avLst/>
+                  </a:prstTxWarp>
+                </a:bodyPr>
+                <a:lstStyle/>
+                <a:p>
+                  <a:pPr marL="0" marR="0" indent="0" algn="ctr" defTabSz="4175125" rtl="0" eaLnBrk="1" fontAlgn="base" latinLnBrk="0" hangingPunct="1">
+                    <a:lnSpc>
+                      <a:spcPct val="100000"/>
+                    </a:lnSpc>
+                    <a:spcBef>
+                      <a:spcPct val="0"/>
+                    </a:spcBef>
+                    <a:spcAft>
+                      <a:spcPct val="0"/>
+                    </a:spcAft>
+                    <a:buClrTx/>
+                    <a:buSzTx/>
+                    <a:buFontTx/>
+                    <a:buNone/>
+                    <a:tabLst/>
+                  </a:pPr>
+                  <a:r>
+                    <a:rPr lang="fr-FR" sz="4400" b="1" i="0" dirty="0">
+                      <a:solidFill>
+                        <a:schemeClr val="bg1"/>
+                      </a:solidFill>
+                      <a:latin typeface="Arial" charset="0"/>
+                    </a:rPr>
+                    <a:t>4</a:t>
+                  </a:r>
+                  <a:endParaRPr kumimoji="0" lang="fr-FR" sz="4400" b="1" i="0" u="none" strike="noStrike" normalizeH="0" baseline="0" dirty="0">
+                    <a:solidFill>
+                      <a:schemeClr val="bg1"/>
+                    </a:solidFill>
+                    <a:latin typeface="Arial" charset="0"/>
+                  </a:endParaRPr>
+                </a:p>
+              </p:txBody>
+            </p:sp>
+          </p:grpSp>
+        </p:grpSp>
+        <p:pic>
+          <p:nvPicPr>
+            <p:cNvPr id="1027" name="Image 1026">
+              <a:extLst>
+                <a:ext uri="{FF2B5EF4-FFF2-40B4-BE49-F238E27FC236}">
+                  <a16:creationId xmlns:a16="http://schemas.microsoft.com/office/drawing/2014/main" id="{1794433D-614A-ADDD-0E92-6E98A7019BF2}"/>
+                </a:ext>
+              </a:extLst>
+            </p:cNvPr>
+            <p:cNvPicPr>
+              <a:picLocks noChangeAspect="1"/>
+            </p:cNvPicPr>
+            <p:nvPr/>
+          </p:nvPicPr>
+          <p:blipFill>
+            <a:blip r:embed="rId14"/>
+            <a:stretch>
+              <a:fillRect/>
+            </a:stretch>
+          </p:blipFill>
+          <p:spPr>
+            <a:xfrm>
+              <a:off x="16942638" y="7576564"/>
+              <a:ext cx="10708429" cy="4995495"/>
+            </a:xfrm>
+            <a:prstGeom prst="rect">
+              <a:avLst/>
+            </a:prstGeom>
+            <a:ln w="38100" cap="sq">
+              <a:solidFill>
+                <a:srgbClr val="000000"/>
+              </a:solidFill>
+              <a:miter lim="800000"/>
+            </a:ln>
+            <a:effectLst>
+              <a:outerShdw blurRad="57150" dist="50800" dir="2700000" algn="tl" rotWithShape="0">
+                <a:srgbClr val="000000">
+                  <a:alpha val="40000"/>
+                </a:srgbClr>
+              </a:outerShdw>
+            </a:effectLst>
+          </p:spPr>
+        </p:pic>
+      </p:grpSp>
+      <p:grpSp>
+        <p:nvGrpSpPr>
+          <p:cNvPr id="51" name="Groupe 50">
             <a:extLst>
               <a:ext uri="{FF2B5EF4-FFF2-40B4-BE49-F238E27FC236}">
-                <a16:creationId xmlns:a16="http://schemas.microsoft.com/office/drawing/2014/main" id="{8542E41A-8276-7621-69AB-9D9658E9C590}"/>
+                <a16:creationId xmlns:a16="http://schemas.microsoft.com/office/drawing/2014/main" id="{92291540-5554-0239-2645-45B8A8E90EC0}"/>
               </a:ext>
             </a:extLst>
           </p:cNvPr>
-          <p:cNvSpPr txBox="1"/>
+          <p:cNvGrpSpPr/>
+          <p:nvPr/>
+        </p:nvGrpSpPr>
+        <p:grpSpPr>
+          <a:xfrm>
+            <a:off x="15605267" y="17623187"/>
+            <a:ext cx="13411488" cy="19988320"/>
+            <a:chOff x="15605267" y="17298220"/>
+            <a:chExt cx="13411488" cy="19988320"/>
+          </a:xfrm>
+        </p:grpSpPr>
+        <p:pic>
+          <p:nvPicPr>
+            <p:cNvPr id="1030" name="Image 1029">
+              <a:extLst>
+                <a:ext uri="{FF2B5EF4-FFF2-40B4-BE49-F238E27FC236}">
+                  <a16:creationId xmlns:a16="http://schemas.microsoft.com/office/drawing/2014/main" id="{87591653-7009-7A9C-EBA0-7091ED1FD371}"/>
+                </a:ext>
+              </a:extLst>
+            </p:cNvPr>
+            <p:cNvPicPr>
+              <a:picLocks noChangeAspect="1"/>
+            </p:cNvPicPr>
+            <p:nvPr/>
+          </p:nvPicPr>
+          <p:blipFill>
+            <a:blip r:embed="rId15"/>
+            <a:stretch>
+              <a:fillRect/>
+            </a:stretch>
+          </p:blipFill>
+          <p:spPr>
+            <a:xfrm>
+              <a:off x="22925508" y="18269396"/>
+              <a:ext cx="6091247" cy="3430023"/>
+            </a:xfrm>
+            <a:prstGeom prst="rect">
+              <a:avLst/>
+            </a:prstGeom>
+            <a:ln w="38100" cap="sq">
+              <a:solidFill>
+                <a:srgbClr val="000000"/>
+              </a:solidFill>
+              <a:prstDash val="solid"/>
+              <a:miter lim="800000"/>
+            </a:ln>
+            <a:effectLst>
+              <a:outerShdw blurRad="50800" dist="38100" dir="2700000" algn="tl" rotWithShape="0">
+                <a:srgbClr val="000000">
+                  <a:alpha val="43000"/>
+                </a:srgbClr>
+              </a:outerShdw>
+            </a:effectLst>
+          </p:spPr>
+        </p:pic>
+        <p:grpSp>
+          <p:nvGrpSpPr>
+            <p:cNvPr id="49" name="Groupe 48">
+              <a:extLst>
+                <a:ext uri="{FF2B5EF4-FFF2-40B4-BE49-F238E27FC236}">
+                  <a16:creationId xmlns:a16="http://schemas.microsoft.com/office/drawing/2014/main" id="{3B9F2934-AC15-C76B-EF45-7809F132187A}"/>
+                </a:ext>
+              </a:extLst>
+            </p:cNvPr>
+            <p:cNvGrpSpPr/>
+            <p:nvPr/>
+          </p:nvGrpSpPr>
+          <p:grpSpPr>
+            <a:xfrm>
+              <a:off x="15605267" y="17298220"/>
+              <a:ext cx="13393626" cy="19988320"/>
+              <a:chOff x="15605267" y="17298220"/>
+              <a:chExt cx="13393626" cy="19988320"/>
+            </a:xfrm>
+          </p:grpSpPr>
+          <p:grpSp>
+            <p:nvGrpSpPr>
+              <p:cNvPr id="1055" name="Groupe 1054">
+                <a:extLst>
+                  <a:ext uri="{FF2B5EF4-FFF2-40B4-BE49-F238E27FC236}">
+                    <a16:creationId xmlns:a16="http://schemas.microsoft.com/office/drawing/2014/main" id="{A4D40A6A-3148-FE71-550A-D7652DDAFC24}"/>
+                  </a:ext>
+                </a:extLst>
+              </p:cNvPr>
+              <p:cNvGrpSpPr/>
+              <p:nvPr/>
+            </p:nvGrpSpPr>
+            <p:grpSpPr>
+              <a:xfrm>
+                <a:off x="15605267" y="17298220"/>
+                <a:ext cx="13393626" cy="19988320"/>
+                <a:chOff x="15605267" y="17298220"/>
+                <a:chExt cx="13393626" cy="19988320"/>
+              </a:xfrm>
+            </p:grpSpPr>
+            <p:grpSp>
+              <p:nvGrpSpPr>
+                <p:cNvPr id="32" name="Groupe 31">
+                  <a:extLst>
+                    <a:ext uri="{FF2B5EF4-FFF2-40B4-BE49-F238E27FC236}">
+                      <a16:creationId xmlns:a16="http://schemas.microsoft.com/office/drawing/2014/main" id="{DB0D7DCF-BF02-1531-DDC5-DEBE10C91587}"/>
+                    </a:ext>
+                  </a:extLst>
+                </p:cNvPr>
+                <p:cNvGrpSpPr/>
+                <p:nvPr/>
+              </p:nvGrpSpPr>
+              <p:grpSpPr>
+                <a:xfrm>
+                  <a:off x="15605267" y="17298220"/>
+                  <a:ext cx="13393626" cy="19988320"/>
+                  <a:chOff x="15577604" y="17558431"/>
+                  <a:chExt cx="13393626" cy="19988320"/>
+                </a:xfrm>
+              </p:grpSpPr>
+              <p:grpSp>
+                <p:nvGrpSpPr>
+                  <p:cNvPr id="28" name="Groupe 27">
+                    <a:extLst>
+                      <a:ext uri="{FF2B5EF4-FFF2-40B4-BE49-F238E27FC236}">
+                        <a16:creationId xmlns:a16="http://schemas.microsoft.com/office/drawing/2014/main" id="{AB4B74EA-6B0B-30C0-189A-18C4CD7DB793}"/>
+                      </a:ext>
+                    </a:extLst>
+                  </p:cNvPr>
+                  <p:cNvGrpSpPr/>
+                  <p:nvPr/>
+                </p:nvGrpSpPr>
+                <p:grpSpPr>
+                  <a:xfrm>
+                    <a:off x="15577604" y="17558431"/>
+                    <a:ext cx="13393626" cy="19988320"/>
+                    <a:chOff x="15577604" y="17558431"/>
+                    <a:chExt cx="13393626" cy="19988320"/>
+                  </a:xfrm>
+                </p:grpSpPr>
+                <p:sp>
+                  <p:nvSpPr>
+                    <p:cNvPr id="1034" name="ZoneTexte 1033">
+                      <a:extLst>
+                        <a:ext uri="{FF2B5EF4-FFF2-40B4-BE49-F238E27FC236}">
+                          <a16:creationId xmlns:a16="http://schemas.microsoft.com/office/drawing/2014/main" id="{71321D9C-9BF7-E3D3-1FFB-159D54933DBD}"/>
+                        </a:ext>
+                      </a:extLst>
+                    </p:cNvPr>
+                    <p:cNvSpPr txBox="1"/>
+                    <p:nvPr/>
+                  </p:nvSpPr>
+                  <p:spPr>
+                    <a:xfrm>
+                      <a:off x="16480753" y="36838865"/>
+                      <a:ext cx="11665019" cy="707886"/>
+                    </a:xfrm>
+                    <a:prstGeom prst="rect">
+                      <a:avLst/>
+                    </a:prstGeom>
+                    <a:noFill/>
+                  </p:spPr>
+                  <p:txBody>
+                    <a:bodyPr wrap="square" rtlCol="0">
+                      <a:spAutoFit/>
+                    </a:bodyPr>
+                    <a:lstStyle/>
+                    <a:p>
+                      <a:pPr algn="ctr"/>
+                      <a:r>
+                        <a:rPr lang="fr-FR" sz="2000" dirty="0"/>
+                        <a:t>Choix des fréquences par le modèle quand les instructions sont dans le FLASH (1) ou le CCM (2)</a:t>
+                      </a:r>
+                    </a:p>
+                    <a:p>
+                      <a:pPr algn="ctr"/>
+                      <a:r>
+                        <a:rPr lang="fr-FR" sz="2000" dirty="0"/>
+                        <a:t>(ex : avec 8 tâches, 75% des tâches sont dans le CCM et tournent à 72MHz)</a:t>
+                      </a:r>
+                    </a:p>
+                  </p:txBody>
+                </p:sp>
+                <p:grpSp>
+                  <p:nvGrpSpPr>
+                    <p:cNvPr id="1032" name="Groupe 1031">
+                      <a:extLst>
+                        <a:ext uri="{FF2B5EF4-FFF2-40B4-BE49-F238E27FC236}">
+                          <a16:creationId xmlns:a16="http://schemas.microsoft.com/office/drawing/2014/main" id="{67A96BF2-39FF-3F7F-AD22-CE30D60112FC}"/>
+                        </a:ext>
+                      </a:extLst>
+                    </p:cNvPr>
+                    <p:cNvGrpSpPr/>
+                    <p:nvPr/>
+                  </p:nvGrpSpPr>
+                  <p:grpSpPr>
+                    <a:xfrm>
+                      <a:off x="15577604" y="17558431"/>
+                      <a:ext cx="13393626" cy="14131775"/>
+                      <a:chOff x="15577604" y="17558431"/>
+                      <a:chExt cx="13393626" cy="14131775"/>
+                    </a:xfrm>
+                  </p:grpSpPr>
+                  <p:grpSp>
+                    <p:nvGrpSpPr>
+                      <p:cNvPr id="15" name="Groupe 14">
+                        <a:extLst>
+                          <a:ext uri="{FF2B5EF4-FFF2-40B4-BE49-F238E27FC236}">
+                            <a16:creationId xmlns:a16="http://schemas.microsoft.com/office/drawing/2014/main" id="{9398FB45-D33F-28B0-5346-CFFD5F9C47F4}"/>
+                          </a:ext>
+                        </a:extLst>
+                      </p:cNvPr>
+                      <p:cNvGrpSpPr/>
+                      <p:nvPr/>
+                    </p:nvGrpSpPr>
+                    <p:grpSpPr>
+                      <a:xfrm>
+                        <a:off x="15577604" y="17558431"/>
+                        <a:ext cx="13393626" cy="14131775"/>
+                        <a:chOff x="15619846" y="17865408"/>
+                        <a:chExt cx="13393626" cy="14131775"/>
+                      </a:xfrm>
+                    </p:grpSpPr>
+                    <p:sp>
+                      <p:nvSpPr>
+                        <p:cNvPr id="56" name="ZoneTexte 55">
+                          <a:extLst>
+                            <a:ext uri="{FF2B5EF4-FFF2-40B4-BE49-F238E27FC236}">
+                              <a16:creationId xmlns:a16="http://schemas.microsoft.com/office/drawing/2014/main" id="{B00874AC-BFD9-84A1-35BD-D966114CAD08}"/>
+                            </a:ext>
+                          </a:extLst>
+                        </p:cNvPr>
+                        <p:cNvSpPr txBox="1"/>
+                        <p:nvPr/>
+                      </p:nvSpPr>
+                      <p:spPr>
+                        <a:xfrm>
+                          <a:off x="15871205" y="17865408"/>
+                          <a:ext cx="12825172" cy="738664"/>
+                        </a:xfrm>
+                        <a:prstGeom prst="rect">
+                          <a:avLst/>
+                        </a:prstGeom>
+                        <a:noFill/>
+                      </p:spPr>
+                      <p:txBody>
+                        <a:bodyPr wrap="square" rtlCol="0">
+                          <a:spAutoFit/>
+                        </a:bodyPr>
+                        <a:lstStyle/>
+                        <a:p>
+                          <a:r>
+                            <a:rPr lang="fr-FR" sz="4200" b="1" dirty="0">
+                              <a:solidFill>
+                                <a:srgbClr val="FFC000"/>
+                              </a:solidFill>
+                              <a:effectLst>
+                                <a:outerShdw blurRad="38100" dist="38100" dir="2700000" algn="tl">
+                                  <a:srgbClr val="000000">
+                                    <a:alpha val="43137"/>
+                                  </a:srgbClr>
+                                </a:outerShdw>
+                              </a:effectLst>
+                            </a:rPr>
+                            <a:t>	</a:t>
+                          </a:r>
+                          <a:r>
+                            <a:rPr lang="fr-FR" sz="4200" b="1" i="0" dirty="0">
+                              <a:solidFill>
+                                <a:srgbClr val="FFC000"/>
+                              </a:solidFill>
+                              <a:effectLst>
+                                <a:outerShdw blurRad="38100" dist="38100" dir="2700000" algn="tl">
+                                  <a:srgbClr val="000000">
+                                    <a:alpha val="43137"/>
+                                  </a:srgbClr>
+                                </a:outerShdw>
+                              </a:effectLst>
+                            </a:rPr>
+                            <a:t>Minimiser l’énergie d’un système temps réel</a:t>
+                          </a:r>
+                        </a:p>
+                      </p:txBody>
+                    </p:sp>
+                    <p:sp>
+                      <p:nvSpPr>
+                        <p:cNvPr id="60" name="ZoneTexte 59">
+                          <a:extLst>
+                            <a:ext uri="{FF2B5EF4-FFF2-40B4-BE49-F238E27FC236}">
+                              <a16:creationId xmlns:a16="http://schemas.microsoft.com/office/drawing/2014/main" id="{2E3C0697-6FEE-7D02-03C5-EFD08A1C855B}"/>
+                            </a:ext>
+                          </a:extLst>
+                        </p:cNvPr>
+                        <p:cNvSpPr txBox="1"/>
+                        <p:nvPr/>
+                      </p:nvSpPr>
+                      <p:spPr>
+                        <a:xfrm>
+                          <a:off x="18633083" y="18935822"/>
+                          <a:ext cx="2870787" cy="954107"/>
+                        </a:xfrm>
+                        <a:prstGeom prst="rect">
+                          <a:avLst/>
+                        </a:prstGeom>
+                        <a:noFill/>
+                      </p:spPr>
+                      <p:txBody>
+                        <a:bodyPr wrap="square" rtlCol="0">
+                          <a:spAutoFit/>
+                        </a:bodyPr>
+                        <a:lstStyle/>
+                        <a:p>
+                          <a:pPr algn="ctr"/>
+                          <a:r>
+                            <a:rPr lang="fr-FR" sz="2800" dirty="0"/>
+                            <a:t>Modèle d’optimisation</a:t>
+                          </a:r>
+                        </a:p>
+                      </p:txBody>
+                    </p:sp>
+                    <p:sp>
+                      <p:nvSpPr>
+                        <p:cNvPr id="63" name="Flèche : bas 62">
+                          <a:extLst>
+                            <a:ext uri="{FF2B5EF4-FFF2-40B4-BE49-F238E27FC236}">
+                              <a16:creationId xmlns:a16="http://schemas.microsoft.com/office/drawing/2014/main" id="{AA011CF6-22BE-E378-CD9E-510DCE9CFA25}"/>
+                            </a:ext>
+                          </a:extLst>
+                        </p:cNvPr>
+                        <p:cNvSpPr/>
+                        <p:nvPr/>
+                      </p:nvSpPr>
+                      <p:spPr bwMode="auto">
+                        <a:xfrm rot="16200000">
+                          <a:off x="17439409" y="20136609"/>
+                          <a:ext cx="905713" cy="666770"/>
+                        </a:xfrm>
+                        <a:prstGeom prst="downArrow">
+                          <a:avLst/>
+                        </a:prstGeom>
+                        <a:solidFill>
+                          <a:srgbClr val="FFC000"/>
+                        </a:solidFill>
+                        <a:ln w="9525" cap="flat" cmpd="sng" algn="ctr">
+                          <a:solidFill>
+                            <a:schemeClr val="tx1"/>
+                          </a:solidFill>
+                          <a:prstDash val="solid"/>
+                          <a:round/>
+                          <a:headEnd type="none" w="med" len="med"/>
+                          <a:tailEnd type="none" w="med" len="med"/>
+                        </a:ln>
+                        <a:effectLst/>
+                      </p:spPr>
+                      <p:txBody>
+                        <a:bodyPr vert="horz" wrap="square" lIns="91440" tIns="45720" rIns="91440" bIns="45720" numCol="1" rtlCol="0" anchor="t" anchorCtr="0" compatLnSpc="1">
+                          <a:prstTxWarp prst="textNoShape">
+                            <a:avLst/>
+                          </a:prstTxWarp>
+                        </a:bodyPr>
+                        <a:lstStyle/>
+                        <a:p>
+                          <a:pPr marL="0" marR="0" indent="0" algn="l" defTabSz="4175125" rtl="0" eaLnBrk="1" fontAlgn="base" latinLnBrk="0" hangingPunct="1">
+                            <a:lnSpc>
+                              <a:spcPct val="100000"/>
+                            </a:lnSpc>
+                            <a:spcBef>
+                              <a:spcPct val="0"/>
+                            </a:spcBef>
+                            <a:spcAft>
+                              <a:spcPct val="0"/>
+                            </a:spcAft>
+                            <a:buClrTx/>
+                            <a:buSzTx/>
+                            <a:buFontTx/>
+                            <a:buNone/>
+                            <a:tabLst/>
+                          </a:pPr>
+                          <a:endParaRPr kumimoji="0" lang="fr-FR" sz="8300" b="0" i="0" u="none" strike="noStrike" cap="none" normalizeH="0" baseline="0" dirty="0">
+                            <a:ln>
+                              <a:noFill/>
+                            </a:ln>
+                            <a:solidFill>
+                              <a:schemeClr val="tx1"/>
+                            </a:solidFill>
+                            <a:effectLst/>
+                            <a:latin typeface="Arial" charset="0"/>
+                          </a:endParaRPr>
+                        </a:p>
+                      </p:txBody>
+                    </p:sp>
+                    <p:sp>
+                      <p:nvSpPr>
+                        <p:cNvPr id="1024" name="ZoneTexte 1023">
+                          <a:extLst>
+                            <a:ext uri="{FF2B5EF4-FFF2-40B4-BE49-F238E27FC236}">
+                              <a16:creationId xmlns:a16="http://schemas.microsoft.com/office/drawing/2014/main" id="{4E9E4EBF-FDEF-712A-69F3-998C3F9D54C7}"/>
+                            </a:ext>
+                          </a:extLst>
+                        </p:cNvPr>
+                        <p:cNvSpPr txBox="1"/>
+                        <p:nvPr/>
+                      </p:nvSpPr>
+                      <p:spPr>
+                        <a:xfrm>
+                          <a:off x="15962256" y="23157064"/>
+                          <a:ext cx="13051216" cy="7294305"/>
+                        </a:xfrm>
+                        <a:prstGeom prst="rect">
+                          <a:avLst/>
+                        </a:prstGeom>
+                        <a:noFill/>
+                      </p:spPr>
+                      <p:txBody>
+                        <a:bodyPr wrap="square" rtlCol="0">
+                          <a:spAutoFit/>
+                        </a:bodyPr>
+                        <a:lstStyle/>
+                        <a:p>
+                          <a:pPr algn="just"/>
+                          <a:r>
+                            <a:rPr lang="fr-FR" sz="3200" i="0" dirty="0"/>
+                            <a:t>Nous avons les données de temps d’exécution et d’énergie de chacune des configurations mémoire et pour toutes les fréquences. </a:t>
+                          </a:r>
+                        </a:p>
+                        <a:p>
+                          <a:pPr algn="just"/>
+                          <a:r>
+                            <a:rPr lang="fr-FR" sz="3200" i="0" dirty="0"/>
+                            <a:t>Avec ces données, le modèle d’optimisation peut </a:t>
+                          </a:r>
+                          <a:r>
+                            <a:rPr lang="fr-FR" sz="3200" b="1" i="0" dirty="0"/>
+                            <a:t>trouver la meilleure configuration </a:t>
+                          </a:r>
+                          <a:r>
+                            <a:rPr lang="fr-FR" sz="3200" i="0" dirty="0"/>
+                            <a:t>pour chacune des tâches afin de </a:t>
+                          </a:r>
+                          <a:r>
+                            <a:rPr lang="fr-FR" sz="3200" b="1" i="0" dirty="0"/>
+                            <a:t>minimiser l’énergie</a:t>
+                          </a:r>
+                          <a:r>
+                            <a:rPr lang="fr-FR" sz="3200" i="0" dirty="0"/>
+                            <a:t>. </a:t>
+                          </a:r>
+                        </a:p>
+                        <a:p>
+                          <a:pPr algn="just"/>
+                          <a:r>
+                            <a:rPr lang="fr-FR" sz="3200" b="0" i="0" dirty="0">
+                              <a:solidFill>
+                                <a:srgbClr val="202122"/>
+                              </a:solidFill>
+                              <a:effectLst/>
+                            </a:rPr>
+                            <a:t>	➔ </a:t>
+                          </a:r>
+                          <a:r>
+                            <a:rPr lang="fr-FR" sz="3200" b="1" i="0" dirty="0"/>
+                            <a:t> jusqu’à 21% d’énergie économisée.</a:t>
+                          </a:r>
+                        </a:p>
+                        <a:p>
+                          <a:pPr algn="just"/>
+                          <a:endParaRPr lang="fr-FR" sz="3200" i="0" dirty="0"/>
+                        </a:p>
+                        <a:p>
+                          <a:pPr algn="just"/>
+                          <a:r>
+                            <a:rPr lang="fr-FR" sz="3200" i="0" dirty="0"/>
+                            <a:t>Le modèle respecte des </a:t>
+                          </a:r>
+                          <a:r>
+                            <a:rPr lang="fr-FR" sz="3200" b="1" i="0" dirty="0"/>
+                            <a:t>contraintes</a:t>
+                          </a:r>
+                          <a:r>
+                            <a:rPr lang="fr-FR" sz="3200" i="0" dirty="0"/>
+                            <a:t> : </a:t>
+                          </a:r>
+                        </a:p>
+                        <a:p>
+                          <a:pPr algn="just"/>
+                          <a:endParaRPr lang="fr-FR" sz="2000" i="0" dirty="0"/>
+                        </a:p>
+                        <a:p>
+                          <a:pPr marL="457200" indent="-457200" algn="just">
+                            <a:buFont typeface="Arial" panose="020B0604020202020204" pitchFamily="34" charset="0"/>
+                            <a:buChar char="•"/>
+                          </a:pPr>
+                          <a:r>
+                            <a:rPr lang="fr-FR" sz="3200" b="1" i="0" dirty="0"/>
+                            <a:t>Temps réel : </a:t>
+                          </a:r>
+                          <a:r>
+                            <a:rPr lang="fr-FR" sz="3200" i="0" dirty="0"/>
+                            <a:t>les deadlines des tâches doivent être respectées.</a:t>
+                          </a:r>
+                        </a:p>
+                        <a:p>
+                          <a:pPr marL="457200" indent="-457200" algn="just">
+                            <a:buFont typeface="Arial" panose="020B0604020202020204" pitchFamily="34" charset="0"/>
+                            <a:buChar char="•"/>
+                          </a:pPr>
+                          <a:endParaRPr lang="fr-FR" sz="3200" i="0" dirty="0"/>
+                        </a:p>
+                        <a:p>
+                          <a:pPr marL="457200" indent="-457200" algn="just">
+                            <a:buFont typeface="Arial" panose="020B0604020202020204" pitchFamily="34" charset="0"/>
+                            <a:buChar char="•"/>
+                          </a:pPr>
+                          <a:endParaRPr lang="fr-FR" sz="3200" i="0" dirty="0"/>
+                        </a:p>
+                        <a:p>
+                          <a:pPr algn="just"/>
+                          <a:endParaRPr lang="fr-FR" sz="3200" i="0" dirty="0"/>
+                        </a:p>
+                        <a:p>
+                          <a:pPr algn="just"/>
+                          <a:endParaRPr lang="fr-FR" sz="3200" i="0" dirty="0"/>
+                        </a:p>
+                        <a:p>
+                          <a:pPr marL="457200" indent="-457200" algn="just">
+                            <a:buFont typeface="Arial" panose="020B0604020202020204" pitchFamily="34" charset="0"/>
+                            <a:buChar char="•"/>
+                          </a:pPr>
+                          <a:r>
+                            <a:rPr lang="fr-FR" sz="3200" b="1" i="0" dirty="0"/>
+                            <a:t>Mémoire : </a:t>
+                          </a:r>
+                          <a:r>
+                            <a:rPr lang="fr-FR" sz="3200" i="0" dirty="0"/>
+                            <a:t>les</a:t>
+                          </a:r>
+                          <a:r>
+                            <a:rPr lang="fr-FR" sz="3200" b="1" i="0" dirty="0"/>
+                            <a:t> </a:t>
+                          </a:r>
+                          <a:r>
+                            <a:rPr lang="fr-FR" sz="3200" i="0" dirty="0"/>
+                            <a:t>capacités de chacune des mémoires ne doivent pas être dépassées (ci-dessous, la ligne pour le CCM).</a:t>
+                          </a:r>
+                        </a:p>
+                      </p:txBody>
+                    </p:sp>
+                    <p:sp>
+                      <p:nvSpPr>
+                        <p:cNvPr id="1025" name="Rectangle : coins arrondis 1024">
+                          <a:extLst>
+                            <a:ext uri="{FF2B5EF4-FFF2-40B4-BE49-F238E27FC236}">
+                              <a16:creationId xmlns:a16="http://schemas.microsoft.com/office/drawing/2014/main" id="{622F1C95-748E-FC95-4413-871F0299439F}"/>
+                            </a:ext>
+                          </a:extLst>
+                        </p:cNvPr>
+                        <p:cNvSpPr/>
+                        <p:nvPr/>
+                      </p:nvSpPr>
+                      <p:spPr bwMode="auto">
+                        <a:xfrm>
+                          <a:off x="15619846" y="19630426"/>
+                          <a:ext cx="1699253" cy="1627014"/>
+                        </a:xfrm>
+                        <a:prstGeom prst="roundRect">
+                          <a:avLst/>
+                        </a:prstGeom>
+                        <a:solidFill>
+                          <a:srgbClr val="FFC000"/>
+                        </a:solidFill>
+                        <a:ln w="9525" cap="flat" cmpd="sng" algn="ctr">
+                          <a:solidFill>
+                            <a:srgbClr val="FFFF00"/>
+                          </a:solidFill>
+                          <a:prstDash val="solid"/>
+                          <a:round/>
+                          <a:headEnd type="none" w="med" len="med"/>
+                          <a:tailEnd type="none" w="med" len="med"/>
+                        </a:ln>
+                        <a:effectLst/>
+                      </p:spPr>
+                      <p:txBody>
+                        <a:bodyPr vert="horz" wrap="square" lIns="91440" tIns="45720" rIns="91440" bIns="45720" numCol="1" rtlCol="0" anchor="t" anchorCtr="0" compatLnSpc="1">
+                          <a:prstTxWarp prst="textNoShape">
+                            <a:avLst/>
+                          </a:prstTxWarp>
+                        </a:bodyPr>
+                        <a:lstStyle/>
+                        <a:p>
+                          <a:pPr marL="0" marR="0" indent="0" algn="ctr" defTabSz="4175125" rtl="0" eaLnBrk="1" fontAlgn="base" latinLnBrk="0" hangingPunct="1">
+                            <a:lnSpc>
+                              <a:spcPct val="100000"/>
+                            </a:lnSpc>
+                            <a:spcBef>
+                              <a:spcPct val="0"/>
+                            </a:spcBef>
+                            <a:spcAft>
+                              <a:spcPct val="0"/>
+                            </a:spcAft>
+                            <a:buClrTx/>
+                            <a:buSzTx/>
+                            <a:buFontTx/>
+                            <a:buNone/>
+                            <a:tabLst/>
+                          </a:pPr>
+                          <a:endParaRPr kumimoji="0" lang="fr-FR" sz="2800" i="0" u="none" strike="noStrike" normalizeH="0" baseline="0" dirty="0">
+                            <a:latin typeface="Arial" charset="0"/>
+                          </a:endParaRPr>
+                        </a:p>
+                        <a:p>
+                          <a:pPr marL="0" marR="0" indent="0" algn="ctr" defTabSz="4175125" rtl="0" eaLnBrk="1" fontAlgn="base" latinLnBrk="0" hangingPunct="1">
+                            <a:lnSpc>
+                              <a:spcPct val="100000"/>
+                            </a:lnSpc>
+                            <a:spcBef>
+                              <a:spcPct val="0"/>
+                            </a:spcBef>
+                            <a:spcAft>
+                              <a:spcPct val="0"/>
+                            </a:spcAft>
+                            <a:buClrTx/>
+                            <a:buSzTx/>
+                            <a:buFontTx/>
+                            <a:buNone/>
+                            <a:tabLst/>
+                          </a:pPr>
+                          <a:r>
+                            <a:rPr kumimoji="0" lang="fr-FR" sz="2800" i="0" u="none" strike="noStrike" normalizeH="0" baseline="0" dirty="0" err="1">
+                              <a:latin typeface="Arial" charset="0"/>
+                            </a:rPr>
+                            <a:t>Taskset</a:t>
+                          </a:r>
+                          <a:r>
+                            <a:rPr lang="fr-FR" sz="2800" i="0" dirty="0">
+                              <a:latin typeface="Arial" charset="0"/>
+                            </a:rPr>
+                            <a:t>  </a:t>
+                          </a:r>
+                        </a:p>
+                        <a:p>
+                          <a:pPr marL="0" marR="0" indent="0" algn="l" defTabSz="4175125" rtl="0" eaLnBrk="1" fontAlgn="base" latinLnBrk="0" hangingPunct="1">
+                            <a:lnSpc>
+                              <a:spcPct val="100000"/>
+                            </a:lnSpc>
+                            <a:spcBef>
+                              <a:spcPct val="0"/>
+                            </a:spcBef>
+                            <a:spcAft>
+                              <a:spcPct val="0"/>
+                            </a:spcAft>
+                            <a:buClrTx/>
+                            <a:buSzTx/>
+                            <a:buFontTx/>
+                            <a:buNone/>
+                            <a:tabLst/>
+                          </a:pPr>
+                          <a:endParaRPr kumimoji="0" lang="fr-FR" sz="2800" i="0" u="none" strike="noStrike" normalizeH="0" baseline="0" dirty="0">
+                            <a:latin typeface="Arial" charset="0"/>
+                          </a:endParaRPr>
+                        </a:p>
+                      </p:txBody>
+                    </p:sp>
+                    <p:pic>
+                      <p:nvPicPr>
+                        <p:cNvPr id="5" name="Image 4">
+                          <a:extLst>
+                            <a:ext uri="{FF2B5EF4-FFF2-40B4-BE49-F238E27FC236}">
+                              <a16:creationId xmlns:a16="http://schemas.microsoft.com/office/drawing/2014/main" id="{B6B2C1DF-6D8F-8BD5-EE73-47A95DCE61E0}"/>
+                            </a:ext>
+                          </a:extLst>
+                        </p:cNvPr>
+                        <p:cNvPicPr>
+                          <a:picLocks noChangeAspect="1"/>
+                        </p:cNvPicPr>
+                        <p:nvPr/>
+                      </p:nvPicPr>
+                      <p:blipFill rotWithShape="1">
+                        <a:blip r:embed="rId16"/>
+                        <a:srcRect l="3444" t="5972" r="10346" b="9349"/>
+                        <a:stretch/>
+                      </p:blipFill>
+                      <p:spPr>
+                        <a:xfrm>
+                          <a:off x="20405132" y="27693568"/>
+                          <a:ext cx="3339098" cy="1272037"/>
+                        </a:xfrm>
+                        <a:prstGeom prst="roundRect">
+                          <a:avLst>
+                            <a:gd name="adj" fmla="val 4167"/>
+                          </a:avLst>
+                        </a:prstGeom>
+                        <a:solidFill>
+                          <a:srgbClr val="FFFFFF"/>
+                        </a:solidFill>
+                        <a:ln w="76200" cap="sq">
+                          <a:solidFill>
+                            <a:srgbClr val="292929"/>
+                          </a:solidFill>
+                          <a:miter lim="800000"/>
+                        </a:ln>
+                        <a:effectLst/>
+                        <a:scene3d>
+                          <a:camera prst="orthographicFront"/>
+                          <a:lightRig rig="threePt" dir="t">
+                            <a:rot lat="0" lon="0" rev="2700000"/>
+                          </a:lightRig>
+                        </a:scene3d>
+                        <a:sp3d>
+                          <a:bevelT h="38100"/>
+                          <a:contourClr>
+                            <a:srgbClr val="C0C0C0"/>
+                          </a:contourClr>
+                        </a:sp3d>
+                      </p:spPr>
+                    </p:pic>
+                    <p:pic>
+                      <p:nvPicPr>
+                        <p:cNvPr id="9" name="Image 8">
+                          <a:extLst>
+                            <a:ext uri="{FF2B5EF4-FFF2-40B4-BE49-F238E27FC236}">
+                              <a16:creationId xmlns:a16="http://schemas.microsoft.com/office/drawing/2014/main" id="{8240FD56-E4F2-5ACF-E20C-F8C1B63908B9}"/>
+                            </a:ext>
+                          </a:extLst>
+                        </p:cNvPr>
+                        <p:cNvPicPr>
+                          <a:picLocks noChangeAspect="1"/>
+                        </p:cNvPicPr>
+                        <p:nvPr/>
+                      </p:nvPicPr>
+                      <p:blipFill>
+                        <a:blip r:embed="rId17"/>
+                        <a:stretch>
+                          <a:fillRect/>
+                        </a:stretch>
+                      </p:blipFill>
+                      <p:spPr>
+                        <a:xfrm>
+                          <a:off x="18415500" y="30573888"/>
+                          <a:ext cx="7318362" cy="1423295"/>
+                        </a:xfrm>
+                        <a:prstGeom prst="roundRect">
+                          <a:avLst>
+                            <a:gd name="adj" fmla="val 4167"/>
+                          </a:avLst>
+                        </a:prstGeom>
+                        <a:solidFill>
+                          <a:srgbClr val="FFFFFF"/>
+                        </a:solidFill>
+                        <a:ln w="76200" cap="sq">
+                          <a:solidFill>
+                            <a:srgbClr val="292929"/>
+                          </a:solidFill>
+                          <a:miter lim="800000"/>
+                        </a:ln>
+                        <a:effectLst/>
+                        <a:scene3d>
+                          <a:camera prst="orthographicFront"/>
+                          <a:lightRig rig="threePt" dir="t">
+                            <a:rot lat="0" lon="0" rev="2700000"/>
+                          </a:lightRig>
+                        </a:scene3d>
+                        <a:sp3d>
+                          <a:bevelT h="38100"/>
+                          <a:contourClr>
+                            <a:srgbClr val="C0C0C0"/>
+                          </a:contourClr>
+                        </a:sp3d>
+                      </p:spPr>
+                    </p:pic>
+                    <p:sp>
+                      <p:nvSpPr>
+                        <p:cNvPr id="11" name="Flèche : bas 10">
+                          <a:extLst>
+                            <a:ext uri="{FF2B5EF4-FFF2-40B4-BE49-F238E27FC236}">
+                              <a16:creationId xmlns:a16="http://schemas.microsoft.com/office/drawing/2014/main" id="{F994B2B2-2C93-11EC-A6F7-B2CED611D3A1}"/>
+                            </a:ext>
+                          </a:extLst>
+                        </p:cNvPr>
+                        <p:cNvSpPr/>
+                        <p:nvPr/>
+                      </p:nvSpPr>
+                      <p:spPr bwMode="auto">
+                        <a:xfrm rot="16200000">
+                          <a:off x="21956019" y="20136954"/>
+                          <a:ext cx="905713" cy="668388"/>
+                        </a:xfrm>
+                        <a:prstGeom prst="downArrow">
+                          <a:avLst/>
+                        </a:prstGeom>
+                        <a:solidFill>
+                          <a:srgbClr val="FFC000"/>
+                        </a:solidFill>
+                        <a:ln w="9525" cap="flat" cmpd="sng" algn="ctr">
+                          <a:solidFill>
+                            <a:schemeClr val="tx1"/>
+                          </a:solidFill>
+                          <a:prstDash val="solid"/>
+                          <a:round/>
+                          <a:headEnd type="none" w="med" len="med"/>
+                          <a:tailEnd type="none" w="med" len="med"/>
+                        </a:ln>
+                        <a:effectLst/>
+                      </p:spPr>
+                      <p:txBody>
+                        <a:bodyPr vert="horz" wrap="square" lIns="91440" tIns="45720" rIns="91440" bIns="45720" numCol="1" rtlCol="0" anchor="t" anchorCtr="0" compatLnSpc="1">
+                          <a:prstTxWarp prst="textNoShape">
+                            <a:avLst/>
+                          </a:prstTxWarp>
+                        </a:bodyPr>
+                        <a:lstStyle/>
+                        <a:p>
+                          <a:pPr marL="0" marR="0" indent="0" algn="l" defTabSz="4175125" rtl="0" eaLnBrk="1" fontAlgn="base" latinLnBrk="0" hangingPunct="1">
+                            <a:lnSpc>
+                              <a:spcPct val="100000"/>
+                            </a:lnSpc>
+                            <a:spcBef>
+                              <a:spcPct val="0"/>
+                            </a:spcBef>
+                            <a:spcAft>
+                              <a:spcPct val="0"/>
+                            </a:spcAft>
+                            <a:buClrTx/>
+                            <a:buSzTx/>
+                            <a:buFontTx/>
+                            <a:buNone/>
+                            <a:tabLst/>
+                          </a:pPr>
+                          <a:endParaRPr kumimoji="0" lang="fr-FR" sz="8300" b="0" i="0" u="none" strike="noStrike" cap="none" normalizeH="0" baseline="0" dirty="0">
+                            <a:ln>
+                              <a:noFill/>
+                            </a:ln>
+                            <a:solidFill>
+                              <a:schemeClr val="tx1"/>
+                            </a:solidFill>
+                            <a:effectLst/>
+                            <a:latin typeface="Arial" charset="0"/>
+                          </a:endParaRPr>
+                        </a:p>
+                      </p:txBody>
+                    </p:sp>
+                  </p:grpSp>
+                  <p:sp>
+                    <p:nvSpPr>
+                      <p:cNvPr id="14" name="Rectangle 13">
+                        <a:extLst>
+                          <a:ext uri="{FF2B5EF4-FFF2-40B4-BE49-F238E27FC236}">
+                            <a16:creationId xmlns:a16="http://schemas.microsoft.com/office/drawing/2014/main" id="{1F252DDC-5E79-4200-EB38-5DBF7FE199B1}"/>
+                          </a:ext>
+                        </a:extLst>
+                      </p:cNvPr>
+                      <p:cNvSpPr/>
+                      <p:nvPr/>
+                    </p:nvSpPr>
+                    <p:spPr bwMode="auto">
+                      <a:xfrm>
+                        <a:off x="15914618" y="17571181"/>
+                        <a:ext cx="709392" cy="662864"/>
+                      </a:xfrm>
+                      <a:prstGeom prst="rect">
+                        <a:avLst/>
+                      </a:prstGeom>
+                      <a:solidFill>
+                        <a:srgbClr val="FFC000"/>
+                      </a:solidFill>
+                      <a:ln w="9525" cap="flat" cmpd="sng" algn="ctr">
+                        <a:solidFill>
+                          <a:srgbClr val="FFC000"/>
+                        </a:solidFill>
+                        <a:prstDash val="solid"/>
+                        <a:round/>
+                        <a:headEnd type="none" w="med" len="med"/>
+                        <a:tailEnd type="none" w="med" len="med"/>
+                      </a:ln>
+                      <a:effectLst/>
+                    </p:spPr>
+                    <p:txBody>
+                      <a:bodyPr vert="horz" wrap="square" lIns="91440" tIns="45720" rIns="91440" bIns="45720" numCol="1" rtlCol="0" anchor="t" anchorCtr="0" compatLnSpc="1">
+                        <a:prstTxWarp prst="textNoShape">
+                          <a:avLst/>
+                        </a:prstTxWarp>
+                      </a:bodyPr>
+                      <a:lstStyle/>
+                      <a:p>
+                        <a:pPr marL="0" marR="0" indent="0" algn="ctr" defTabSz="4175125" rtl="0" eaLnBrk="1" fontAlgn="base" latinLnBrk="0" hangingPunct="1">
+                          <a:lnSpc>
+                            <a:spcPct val="100000"/>
+                          </a:lnSpc>
+                          <a:spcBef>
+                            <a:spcPct val="0"/>
+                          </a:spcBef>
+                          <a:spcAft>
+                            <a:spcPct val="0"/>
+                          </a:spcAft>
+                          <a:buClrTx/>
+                          <a:buSzTx/>
+                          <a:buFontTx/>
+                          <a:buNone/>
+                          <a:tabLst/>
+                        </a:pPr>
+                        <a:r>
+                          <a:rPr lang="fr-FR" sz="4400" b="1" i="0" dirty="0">
+                            <a:solidFill>
+                              <a:schemeClr val="bg1"/>
+                            </a:solidFill>
+                            <a:latin typeface="Arial" charset="0"/>
+                          </a:rPr>
+                          <a:t>5</a:t>
+                        </a:r>
+                        <a:endParaRPr kumimoji="0" lang="fr-FR" sz="4400" b="1" i="0" u="none" strike="noStrike" normalizeH="0" baseline="0" dirty="0">
+                          <a:solidFill>
+                            <a:schemeClr val="bg1"/>
+                          </a:solidFill>
+                          <a:latin typeface="Arial" charset="0"/>
+                        </a:endParaRPr>
+                      </a:p>
+                    </p:txBody>
+                  </p:sp>
+                </p:grpSp>
+              </p:grpSp>
+              <p:pic>
+                <p:nvPicPr>
+                  <p:cNvPr id="20" name="Image 19">
+                    <a:extLst>
+                      <a:ext uri="{FF2B5EF4-FFF2-40B4-BE49-F238E27FC236}">
+                        <a16:creationId xmlns:a16="http://schemas.microsoft.com/office/drawing/2014/main" id="{282CAF88-E513-CF23-449F-4D1922E3B1B4}"/>
+                      </a:ext>
+                    </a:extLst>
+                  </p:cNvPr>
+                  <p:cNvPicPr>
+                    <a:picLocks noChangeAspect="1"/>
+                  </p:cNvPicPr>
+                  <p:nvPr/>
+                </p:nvPicPr>
+                <p:blipFill rotWithShape="1">
+                  <a:blip r:embed="rId18"/>
+                  <a:srcRect t="12191" r="5031" b="13525"/>
+                  <a:stretch/>
+                </p:blipFill>
+                <p:spPr>
+                  <a:xfrm>
+                    <a:off x="18423189" y="19711245"/>
+                    <a:ext cx="3347793" cy="1092980"/>
+                  </a:xfrm>
+                  <a:prstGeom prst="rect">
+                    <a:avLst/>
+                  </a:prstGeom>
+                  <a:ln w="28575" cap="sq">
+                    <a:solidFill>
+                      <a:srgbClr val="000000"/>
+                    </a:solidFill>
+                    <a:miter lim="800000"/>
+                  </a:ln>
+                  <a:effectLst>
+                    <a:outerShdw blurRad="57150" dist="50800" dir="2700000" algn="tl" rotWithShape="0">
+                      <a:srgbClr val="000000">
+                        <a:alpha val="40000"/>
+                      </a:srgbClr>
+                    </a:outerShdw>
+                  </a:effectLst>
+                </p:spPr>
+              </p:pic>
+            </p:grpSp>
+            <p:sp>
+              <p:nvSpPr>
+                <p:cNvPr id="61" name="Ellipse 60">
+                  <a:extLst>
+                    <a:ext uri="{FF2B5EF4-FFF2-40B4-BE49-F238E27FC236}">
+                      <a16:creationId xmlns:a16="http://schemas.microsoft.com/office/drawing/2014/main" id="{7A98985C-7F06-BE60-99D2-5D469ADC06D0}"/>
+                    </a:ext>
+                  </a:extLst>
+                </p:cNvPr>
+                <p:cNvSpPr/>
+                <p:nvPr/>
+              </p:nvSpPr>
+              <p:spPr bwMode="auto">
+                <a:xfrm>
+                  <a:off x="26681578" y="33185376"/>
+                  <a:ext cx="450021" cy="428756"/>
+                </a:xfrm>
+                <a:prstGeom prst="ellipse">
+                  <a:avLst/>
+                </a:prstGeom>
+                <a:noFill/>
+                <a:ln w="57150">
+                  <a:solidFill>
+                    <a:schemeClr val="tx1"/>
+                  </a:solidFill>
+                  <a:headEnd type="none" w="med" len="med"/>
+                  <a:tailEnd type="none" w="med" len="med"/>
+                </a:ln>
+              </p:spPr>
+              <p:style>
+                <a:lnRef idx="2">
+                  <a:schemeClr val="accent4"/>
+                </a:lnRef>
+                <a:fillRef idx="1">
+                  <a:schemeClr val="lt1"/>
+                </a:fillRef>
+                <a:effectRef idx="0">
+                  <a:schemeClr val="accent4"/>
+                </a:effectRef>
+                <a:fontRef idx="minor">
+                  <a:schemeClr val="dk1"/>
+                </a:fontRef>
+              </p:style>
+              <p:txBody>
+                <a:bodyPr vert="horz" wrap="square" lIns="91440" tIns="45720" rIns="91440" bIns="45720" numCol="1" rtlCol="0" anchor="t" anchorCtr="0" compatLnSpc="1">
+                  <a:prstTxWarp prst="textNoShape">
+                    <a:avLst/>
+                  </a:prstTxWarp>
+                </a:bodyPr>
+                <a:lstStyle/>
+                <a:p>
+                  <a:pPr marL="0" marR="0" indent="0" algn="ctr" defTabSz="4175125" rtl="0" eaLnBrk="1" fontAlgn="base" latinLnBrk="0" hangingPunct="1">
+                    <a:lnSpc>
+                      <a:spcPct val="100000"/>
+                    </a:lnSpc>
+                    <a:spcBef>
+                      <a:spcPct val="0"/>
+                    </a:spcBef>
+                    <a:spcAft>
+                      <a:spcPct val="0"/>
+                    </a:spcAft>
+                    <a:buClrTx/>
+                    <a:buSzTx/>
+                    <a:buFontTx/>
+                    <a:buNone/>
+                    <a:tabLst/>
+                  </a:pPr>
+                  <a:r>
+                    <a:rPr lang="fr-FR" sz="1600" b="1" i="0" dirty="0">
+                      <a:solidFill>
+                        <a:schemeClr val="tx1"/>
+                      </a:solidFill>
+                      <a:latin typeface="Arial" charset="0"/>
+                    </a:rPr>
+                    <a:t>2</a:t>
+                  </a:r>
+                  <a:endParaRPr kumimoji="0" lang="fr-FR" sz="1600" b="1" i="0" u="none" strike="noStrike" cap="none" normalizeH="0" baseline="0" dirty="0">
+                    <a:ln>
+                      <a:noFill/>
+                    </a:ln>
+                    <a:solidFill>
+                      <a:schemeClr val="tx1"/>
+                    </a:solidFill>
+                    <a:effectLst/>
+                    <a:latin typeface="Arial" charset="0"/>
+                  </a:endParaRPr>
+                </a:p>
+              </p:txBody>
+            </p:sp>
+            <p:pic>
+              <p:nvPicPr>
+                <p:cNvPr id="1053" name="Image 1052">
+                  <a:extLst>
+                    <a:ext uri="{FF2B5EF4-FFF2-40B4-BE49-F238E27FC236}">
+                      <a16:creationId xmlns:a16="http://schemas.microsoft.com/office/drawing/2014/main" id="{B3734B1D-1146-04F6-6D6A-89A61B3A4F2D}"/>
+                    </a:ext>
+                  </a:extLst>
+                </p:cNvPr>
+                <p:cNvPicPr>
+                  <a:picLocks noChangeAspect="1"/>
+                </p:cNvPicPr>
+                <p:nvPr/>
+              </p:nvPicPr>
+              <p:blipFill>
+                <a:blip r:embed="rId19"/>
+                <a:stretch>
+                  <a:fillRect/>
+                </a:stretch>
+              </p:blipFill>
+              <p:spPr>
+                <a:xfrm>
+                  <a:off x="26681578" y="33983835"/>
+                  <a:ext cx="1707881" cy="1178439"/>
+                </a:xfrm>
+                <a:prstGeom prst="rect">
+                  <a:avLst/>
+                </a:prstGeom>
+                <a:ln>
+                  <a:solidFill>
+                    <a:srgbClr val="646464"/>
+                  </a:solidFill>
+                </a:ln>
+              </p:spPr>
+            </p:pic>
+            <p:sp>
+              <p:nvSpPr>
+                <p:cNvPr id="1054" name="Ellipse 1053">
+                  <a:extLst>
+                    <a:ext uri="{FF2B5EF4-FFF2-40B4-BE49-F238E27FC236}">
+                      <a16:creationId xmlns:a16="http://schemas.microsoft.com/office/drawing/2014/main" id="{9EF8004F-75BE-E53D-7CE1-FE5F16B9326E}"/>
+                    </a:ext>
+                  </a:extLst>
+                </p:cNvPr>
+                <p:cNvSpPr/>
+                <p:nvPr/>
+              </p:nvSpPr>
+              <p:spPr bwMode="auto">
+                <a:xfrm>
+                  <a:off x="16542490" y="33185376"/>
+                  <a:ext cx="431937" cy="428756"/>
+                </a:xfrm>
+                <a:prstGeom prst="ellipse">
+                  <a:avLst/>
+                </a:prstGeom>
+                <a:noFill/>
+                <a:ln w="57150">
+                  <a:solidFill>
+                    <a:schemeClr val="tx1"/>
+                  </a:solidFill>
+                  <a:headEnd type="none" w="med" len="med"/>
+                  <a:tailEnd type="none" w="med" len="med"/>
+                </a:ln>
+              </p:spPr>
+              <p:style>
+                <a:lnRef idx="2">
+                  <a:schemeClr val="accent4"/>
+                </a:lnRef>
+                <a:fillRef idx="1">
+                  <a:schemeClr val="lt1"/>
+                </a:fillRef>
+                <a:effectRef idx="0">
+                  <a:schemeClr val="accent4"/>
+                </a:effectRef>
+                <a:fontRef idx="minor">
+                  <a:schemeClr val="dk1"/>
+                </a:fontRef>
+              </p:style>
+              <p:txBody>
+                <a:bodyPr vert="horz" wrap="square" lIns="91440" tIns="45720" rIns="91440" bIns="45720" numCol="1" rtlCol="0" anchor="t" anchorCtr="0" compatLnSpc="1">
+                  <a:prstTxWarp prst="textNoShape">
+                    <a:avLst/>
+                  </a:prstTxWarp>
+                </a:bodyPr>
+                <a:lstStyle/>
+                <a:p>
+                  <a:pPr marL="0" marR="0" indent="0" algn="ctr" defTabSz="4175125" rtl="0" eaLnBrk="1" fontAlgn="base" latinLnBrk="0" hangingPunct="1">
+                    <a:lnSpc>
+                      <a:spcPct val="100000"/>
+                    </a:lnSpc>
+                    <a:spcBef>
+                      <a:spcPct val="0"/>
+                    </a:spcBef>
+                    <a:spcAft>
+                      <a:spcPct val="0"/>
+                    </a:spcAft>
+                    <a:buClrTx/>
+                    <a:buSzTx/>
+                    <a:buFontTx/>
+                    <a:buNone/>
+                    <a:tabLst/>
+                  </a:pPr>
+                  <a:r>
+                    <a:rPr lang="fr-FR" sz="1600" b="1" i="0" dirty="0">
+                      <a:solidFill>
+                        <a:schemeClr val="tx1"/>
+                      </a:solidFill>
+                      <a:latin typeface="Arial" charset="0"/>
+                    </a:rPr>
+                    <a:t>1</a:t>
+                  </a:r>
+                  <a:endParaRPr kumimoji="0" lang="fr-FR" sz="1600" b="1" i="0" u="none" strike="noStrike" cap="none" normalizeH="0" baseline="0" dirty="0">
+                    <a:ln>
+                      <a:noFill/>
+                    </a:ln>
+                    <a:solidFill>
+                      <a:schemeClr val="tx1"/>
+                    </a:solidFill>
+                    <a:effectLst/>
+                    <a:latin typeface="Arial" charset="0"/>
+                  </a:endParaRPr>
+                </a:p>
+              </p:txBody>
+            </p:sp>
+          </p:grpSp>
+          <p:pic>
+            <p:nvPicPr>
+              <p:cNvPr id="1036" name="Image 1035">
+                <a:extLst>
+                  <a:ext uri="{FF2B5EF4-FFF2-40B4-BE49-F238E27FC236}">
+                    <a16:creationId xmlns:a16="http://schemas.microsoft.com/office/drawing/2014/main" id="{5FEF468E-13C5-9F85-AF7B-D7CE296BFB58}"/>
+                  </a:ext>
+                </a:extLst>
+              </p:cNvPr>
+              <p:cNvPicPr>
+                <a:picLocks noChangeAspect="1"/>
+              </p:cNvPicPr>
+              <p:nvPr/>
+            </p:nvPicPr>
+            <p:blipFill>
+              <a:blip r:embed="rId20"/>
+              <a:stretch>
+                <a:fillRect/>
+              </a:stretch>
+            </p:blipFill>
+            <p:spPr>
+              <a:xfrm>
+                <a:off x="22018909" y="33031036"/>
+                <a:ext cx="4318631" cy="3535424"/>
+              </a:xfrm>
+              <a:prstGeom prst="rect">
+                <a:avLst/>
+              </a:prstGeom>
+            </p:spPr>
+          </p:pic>
+          <p:pic>
+            <p:nvPicPr>
+              <p:cNvPr id="1038" name="Image 1037">
+                <a:extLst>
+                  <a:ext uri="{FF2B5EF4-FFF2-40B4-BE49-F238E27FC236}">
+                    <a16:creationId xmlns:a16="http://schemas.microsoft.com/office/drawing/2014/main" id="{92262ED6-50C6-71E2-0EE2-1FE353F16C1A}"/>
+                  </a:ext>
+                </a:extLst>
+              </p:cNvPr>
+              <p:cNvPicPr>
+                <a:picLocks noChangeAspect="1"/>
+              </p:cNvPicPr>
+              <p:nvPr/>
+            </p:nvPicPr>
+            <p:blipFill>
+              <a:blip r:embed="rId21"/>
+              <a:stretch>
+                <a:fillRect/>
+              </a:stretch>
+            </p:blipFill>
+            <p:spPr>
+              <a:xfrm>
+                <a:off x="17205378" y="33045649"/>
+                <a:ext cx="4250204" cy="3520810"/>
+              </a:xfrm>
+              <a:prstGeom prst="rect">
+                <a:avLst/>
+              </a:prstGeom>
+            </p:spPr>
+          </p:pic>
+        </p:grpSp>
+      </p:grpSp>
+      <mc:AlternateContent xmlns:mc="http://schemas.openxmlformats.org/markup-compatibility/2006">
+        <mc:Choice xmlns:a14="http://schemas.microsoft.com/office/drawing/2010/main" Requires="a14">
+          <p:sp>
+            <p:nvSpPr>
+              <p:cNvPr id="52" name="ZoneTexte 51">
+                <a:extLst>
+                  <a:ext uri="{FF2B5EF4-FFF2-40B4-BE49-F238E27FC236}">
+                    <a16:creationId xmlns:a16="http://schemas.microsoft.com/office/drawing/2014/main" id="{B11BCD2B-A341-955F-01F3-DF962981950B}"/>
+                  </a:ext>
+                </a:extLst>
+              </p:cNvPr>
+              <p:cNvSpPr txBox="1"/>
+              <p:nvPr/>
+            </p:nvSpPr>
+            <p:spPr>
+              <a:xfrm>
+                <a:off x="15856626" y="31915843"/>
+                <a:ext cx="13160129" cy="1022652"/>
+              </a:xfrm>
+              <a:prstGeom prst="rect">
+                <a:avLst/>
+              </a:prstGeom>
+              <a:noFill/>
+            </p:spPr>
+            <p:txBody>
+              <a:bodyPr wrap="square" rtlCol="0">
+                <a:spAutoFit/>
+              </a:bodyPr>
+              <a:lstStyle/>
+              <a:p>
+                <a:pPr algn="just"/>
+                <a:r>
+                  <a:rPr lang="fr-FR" sz="2000" i="0" dirty="0">
+                    <a:solidFill>
+                      <a:schemeClr val="tx1"/>
+                    </a:solidFill>
+                    <a:latin typeface="+mn-lt"/>
+                  </a:rPr>
+                  <a:t>Avec</a:t>
+                </a:r>
+                <a:r>
+                  <a:rPr lang="fr-FR" sz="2000" b="1" dirty="0">
+                    <a:solidFill>
+                      <a:schemeClr val="tx1"/>
+                    </a:solidFill>
+                    <a:latin typeface="+mn-lt"/>
+                  </a:rPr>
+                  <a:t> i</a:t>
+                </a:r>
+                <a:r>
+                  <a:rPr lang="fr-FR" sz="2000" i="0" dirty="0">
+                    <a:solidFill>
+                      <a:schemeClr val="tx1"/>
+                    </a:solidFill>
+                    <a:latin typeface="+mn-lt"/>
+                  </a:rPr>
+                  <a:t> l’indice de la tâche et </a:t>
+                </a:r>
+                <a:r>
+                  <a:rPr lang="fr-FR" sz="2000" b="1" dirty="0">
+                    <a:solidFill>
+                      <a:schemeClr val="tx1"/>
+                    </a:solidFill>
+                    <a:latin typeface="+mn-lt"/>
+                  </a:rPr>
+                  <a:t>c</a:t>
+                </a:r>
+                <a:r>
+                  <a:rPr lang="fr-FR" sz="2000" i="0" dirty="0">
+                    <a:solidFill>
+                      <a:schemeClr val="tx1"/>
+                    </a:solidFill>
+                    <a:latin typeface="+mn-lt"/>
+                  </a:rPr>
+                  <a:t> l’indice de la configuration utilisée : </a:t>
+                </a:r>
+                <a14:m>
+                  <m:oMath xmlns:m="http://schemas.openxmlformats.org/officeDocument/2006/math">
+                    <m:sSubSup>
+                      <m:sSubSupPr>
+                        <m:ctrlPr>
+                          <a:rPr lang="fr-FR" sz="2000" b="1" smtClean="0">
+                            <a:solidFill>
+                              <a:schemeClr val="tx1"/>
+                            </a:solidFill>
+                            <a:latin typeface="+mn-lt"/>
+                          </a:rPr>
+                        </m:ctrlPr>
+                      </m:sSubSupPr>
+                      <m:e>
+                        <m:r>
+                          <a:rPr lang="fr-FR" sz="2000" b="1" i="1" smtClean="0">
+                            <a:solidFill>
+                              <a:schemeClr val="tx1"/>
+                            </a:solidFill>
+                            <a:latin typeface="+mn-lt"/>
+                          </a:rPr>
+                          <m:t>𝒙</m:t>
+                        </m:r>
+                      </m:e>
+                      <m:sub>
+                        <m:r>
+                          <a:rPr lang="fr-FR" sz="2000" b="1" i="1" smtClean="0">
+                            <a:solidFill>
+                              <a:schemeClr val="tx1"/>
+                            </a:solidFill>
+                            <a:latin typeface="+mn-lt"/>
+                          </a:rPr>
+                          <m:t>𝒊</m:t>
+                        </m:r>
+                      </m:sub>
+                      <m:sup>
+                        <m:r>
+                          <a:rPr lang="fr-FR" sz="2000" b="1" i="1" smtClean="0">
+                            <a:solidFill>
+                              <a:schemeClr val="tx1"/>
+                            </a:solidFill>
+                            <a:latin typeface="+mn-lt"/>
+                          </a:rPr>
+                          <m:t>𝒄</m:t>
+                        </m:r>
+                      </m:sup>
+                    </m:sSubSup>
+                  </m:oMath>
+                </a14:m>
+                <a:r>
+                  <a:rPr lang="fr-FR" sz="2000" b="1" dirty="0">
+                    <a:solidFill>
+                      <a:schemeClr val="tx1"/>
+                    </a:solidFill>
+                    <a:latin typeface="+mn-lt"/>
+                  </a:rPr>
+                  <a:t> = 1 </a:t>
+                </a:r>
+                <a:r>
+                  <a:rPr lang="fr-FR" sz="2000" i="0" dirty="0">
+                    <a:solidFill>
+                      <a:schemeClr val="tx1"/>
+                    </a:solidFill>
+                    <a:latin typeface="+mn-lt"/>
+                  </a:rPr>
+                  <a:t>si la tâche </a:t>
+                </a:r>
+                <a:r>
+                  <a:rPr lang="fr-FR" sz="2000" b="1" dirty="0">
+                    <a:solidFill>
+                      <a:schemeClr val="tx1"/>
+                    </a:solidFill>
+                    <a:latin typeface="+mn-lt"/>
+                  </a:rPr>
+                  <a:t>i</a:t>
+                </a:r>
+                <a:r>
+                  <a:rPr lang="fr-FR" sz="2000" i="0" dirty="0">
+                    <a:solidFill>
+                      <a:schemeClr val="tx1"/>
+                    </a:solidFill>
+                    <a:latin typeface="+mn-lt"/>
+                  </a:rPr>
+                  <a:t> (</a:t>
+                </a:r>
+                <a14:m>
+                  <m:oMath xmlns:m="http://schemas.openxmlformats.org/officeDocument/2006/math">
+                    <m:sSub>
+                      <m:sSubPr>
+                        <m:ctrlPr>
+                          <a:rPr lang="fr-FR" sz="2000" b="1" i="1" smtClean="0">
+                            <a:solidFill>
+                              <a:schemeClr val="tx1"/>
+                            </a:solidFill>
+                            <a:latin typeface="Cambria Math" panose="02040503050406030204" pitchFamily="18" charset="0"/>
+                          </a:rPr>
+                        </m:ctrlPr>
+                      </m:sSubPr>
+                      <m:e>
+                        <m:r>
+                          <a:rPr lang="fr-FR" sz="2000" b="1" i="1" smtClean="0">
+                            <a:solidFill>
+                              <a:schemeClr val="tx1"/>
+                            </a:solidFill>
+                            <a:latin typeface="Cambria Math" panose="02040503050406030204" pitchFamily="18" charset="0"/>
+                            <a:ea typeface="Cambria Math" panose="02040503050406030204" pitchFamily="18" charset="0"/>
+                          </a:rPr>
+                          <m:t>𝝉</m:t>
+                        </m:r>
+                      </m:e>
+                      <m:sub>
+                        <m:r>
+                          <a:rPr lang="fr-FR" sz="2000" b="1" i="1" smtClean="0">
+                            <a:solidFill>
+                              <a:schemeClr val="tx1"/>
+                            </a:solidFill>
+                            <a:latin typeface="Cambria Math" panose="02040503050406030204" pitchFamily="18" charset="0"/>
+                          </a:rPr>
+                          <m:t>𝒊</m:t>
+                        </m:r>
+                      </m:sub>
+                    </m:sSub>
+                  </m:oMath>
+                </a14:m>
+                <a:r>
+                  <a:rPr lang="fr-FR" sz="2000" i="0" dirty="0">
+                    <a:solidFill>
+                      <a:schemeClr val="tx1"/>
+                    </a:solidFill>
+                    <a:latin typeface="+mn-lt"/>
+                  </a:rPr>
+                  <a:t>) est à la configuration </a:t>
+                </a:r>
+                <a:r>
+                  <a:rPr lang="fr-FR" sz="2000" b="1" dirty="0">
+                    <a:solidFill>
+                      <a:schemeClr val="tx1"/>
+                    </a:solidFill>
+                    <a:latin typeface="+mn-lt"/>
+                  </a:rPr>
+                  <a:t>c</a:t>
+                </a:r>
+                <a:r>
+                  <a:rPr lang="fr-FR" sz="2000" i="0" dirty="0">
+                    <a:solidFill>
+                      <a:schemeClr val="tx1"/>
+                    </a:solidFill>
+                    <a:latin typeface="+mn-lt"/>
+                  </a:rPr>
+                  <a:t>. </a:t>
+                </a:r>
+              </a:p>
+              <a:p>
+                <a:pPr algn="just"/>
+                <a14:m>
+                  <m:oMath xmlns:m="http://schemas.openxmlformats.org/officeDocument/2006/math">
+                    <m:sSubSup>
+                      <m:sSubSupPr>
+                        <m:ctrlPr>
+                          <a:rPr lang="fr-FR" sz="2000" b="1">
+                            <a:latin typeface="Cambria Math" panose="02040503050406030204" pitchFamily="18" charset="0"/>
+                          </a:rPr>
+                        </m:ctrlPr>
+                      </m:sSubSupPr>
+                      <m:e>
+                        <m:r>
+                          <a:rPr lang="fr-FR" sz="2000" b="1" i="1">
+                            <a:latin typeface="Cambria Math" panose="02040503050406030204" pitchFamily="18" charset="0"/>
+                          </a:rPr>
+                          <m:t>𝒎</m:t>
+                        </m:r>
+                      </m:e>
+                      <m:sub>
+                        <m:r>
+                          <a:rPr lang="fr-FR" sz="2000" b="1" i="1">
+                            <a:latin typeface="Cambria Math" panose="02040503050406030204" pitchFamily="18" charset="0"/>
+                          </a:rPr>
+                          <m:t>𝒊</m:t>
+                        </m:r>
+                      </m:sub>
+                      <m:sup>
+                        <m:r>
+                          <a:rPr lang="fr-FR" sz="2000" b="1" i="1">
+                            <a:latin typeface="Cambria Math" panose="02040503050406030204" pitchFamily="18" charset="0"/>
+                          </a:rPr>
+                          <m:t>𝒆</m:t>
+                        </m:r>
+                      </m:sup>
+                    </m:sSubSup>
+                    <m:r>
+                      <a:rPr lang="fr-FR" sz="2000" b="1" i="1" smtClean="0">
+                        <a:latin typeface="Cambria Math" panose="02040503050406030204" pitchFamily="18" charset="0"/>
+                      </a:rPr>
+                      <m:t> </m:t>
+                    </m:r>
+                  </m:oMath>
+                </a14:m>
+                <a:r>
+                  <a:rPr lang="fr-FR" sz="2000" i="0" dirty="0"/>
+                  <a:t>l</a:t>
+                </a:r>
+                <a:r>
+                  <a:rPr lang="fr-FR" sz="2000" i="0" dirty="0">
+                    <a:solidFill>
+                      <a:schemeClr val="tx1"/>
+                    </a:solidFill>
+                  </a:rPr>
+                  <a:t>’espace utilisé par la section </a:t>
+                </a:r>
+                <a:r>
+                  <a:rPr lang="fr-FR" sz="2000" b="1" dirty="0">
+                    <a:solidFill>
+                      <a:schemeClr val="tx1"/>
+                    </a:solidFill>
+                  </a:rPr>
+                  <a:t>e</a:t>
+                </a:r>
+                <a:r>
+                  <a:rPr lang="fr-FR" sz="2000" dirty="0">
+                    <a:solidFill>
+                      <a:schemeClr val="tx1"/>
+                    </a:solidFill>
+                  </a:rPr>
+                  <a:t> </a:t>
+                </a:r>
+                <a:r>
+                  <a:rPr lang="fr-FR" sz="2000" i="0" dirty="0">
+                    <a:solidFill>
+                      <a:schemeClr val="tx1"/>
+                    </a:solidFill>
+                  </a:rPr>
+                  <a:t>(instructions, </a:t>
+                </a:r>
+                <a:r>
+                  <a:rPr lang="fr-FR" sz="2000" i="0" dirty="0" err="1">
+                    <a:solidFill>
+                      <a:schemeClr val="tx1"/>
+                    </a:solidFill>
+                  </a:rPr>
+                  <a:t>read</a:t>
+                </a:r>
+                <a:r>
+                  <a:rPr lang="fr-FR" sz="2000" i="0" dirty="0">
+                    <a:solidFill>
+                      <a:schemeClr val="tx1"/>
+                    </a:solidFill>
+                  </a:rPr>
+                  <a:t> only, input) </a:t>
+                </a:r>
+                <a:r>
+                  <a:rPr lang="fr-FR" sz="2000" dirty="0">
+                    <a:solidFill>
+                      <a:schemeClr val="tx1"/>
+                    </a:solidFill>
+                  </a:rPr>
+                  <a:t>de </a:t>
+                </a:r>
+                <a14:m>
+                  <m:oMath xmlns:m="http://schemas.openxmlformats.org/officeDocument/2006/math">
+                    <m:sSub>
+                      <m:sSubPr>
+                        <m:ctrlPr>
+                          <a:rPr lang="fr-FR" sz="2000" b="1">
+                            <a:latin typeface="Cambria Math" panose="02040503050406030204" pitchFamily="18" charset="0"/>
+                          </a:rPr>
+                        </m:ctrlPr>
+                      </m:sSubPr>
+                      <m:e>
+                        <m:r>
+                          <a:rPr lang="fr-FR" sz="2000" b="1" i="1">
+                            <a:latin typeface="Cambria Math" panose="02040503050406030204" pitchFamily="18" charset="0"/>
+                            <a:ea typeface="Cambria Math" panose="02040503050406030204" pitchFamily="18" charset="0"/>
+                          </a:rPr>
+                          <m:t>𝛕</m:t>
+                        </m:r>
+                      </m:e>
+                      <m:sub>
+                        <m:r>
+                          <a:rPr lang="fr-FR" sz="2000" b="1" i="1">
+                            <a:latin typeface="Cambria Math" panose="02040503050406030204" pitchFamily="18" charset="0"/>
+                          </a:rPr>
+                          <m:t>𝐢</m:t>
+                        </m:r>
+                      </m:sub>
+                    </m:sSub>
+                    <m:r>
+                      <a:rPr lang="fr-FR" sz="2000" b="0" i="1" smtClean="0">
+                        <a:latin typeface="Cambria Math" panose="02040503050406030204" pitchFamily="18" charset="0"/>
+                      </a:rPr>
+                      <m:t>.</m:t>
+                    </m:r>
+                  </m:oMath>
+                </a14:m>
+                <a:r>
+                  <a:rPr lang="fr-FR" sz="2000" dirty="0">
+                    <a:solidFill>
+                      <a:schemeClr val="tx1"/>
+                    </a:solidFill>
+                  </a:rPr>
+                  <a:t> </a:t>
+                </a:r>
+                <a14:m>
+                  <m:oMath xmlns:m="http://schemas.openxmlformats.org/officeDocument/2006/math">
+                    <m:sSubSup>
+                      <m:sSubSupPr>
+                        <m:ctrlPr>
+                          <a:rPr lang="fr-FR" sz="2000" b="1">
+                            <a:latin typeface="Cambria Math" panose="02040503050406030204" pitchFamily="18" charset="0"/>
+                          </a:rPr>
+                        </m:ctrlPr>
+                      </m:sSubSupPr>
+                      <m:e>
+                        <m:r>
+                          <a:rPr lang="fr-FR" sz="2000" b="1" i="1">
+                            <a:latin typeface="Cambria Math" panose="02040503050406030204" pitchFamily="18" charset="0"/>
+                          </a:rPr>
+                          <m:t>𝑼</m:t>
+                        </m:r>
+                      </m:e>
+                      <m:sub>
+                        <m:r>
+                          <a:rPr lang="fr-FR" sz="2000" b="1" i="1">
+                            <a:latin typeface="Cambria Math" panose="02040503050406030204" pitchFamily="18" charset="0"/>
+                          </a:rPr>
+                          <m:t>𝒊</m:t>
+                        </m:r>
+                      </m:sub>
+                      <m:sup>
+                        <m:r>
+                          <a:rPr lang="fr-FR" sz="2000" b="1" i="1">
+                            <a:latin typeface="Cambria Math" panose="02040503050406030204" pitchFamily="18" charset="0"/>
+                          </a:rPr>
+                          <m:t>𝒄</m:t>
+                        </m:r>
+                      </m:sup>
+                    </m:sSubSup>
+                  </m:oMath>
+                </a14:m>
+                <a:r>
+                  <a:rPr lang="fr-FR" sz="2000" dirty="0">
+                    <a:solidFill>
+                      <a:schemeClr val="tx1"/>
+                    </a:solidFill>
+                  </a:rPr>
+                  <a:t> </a:t>
+                </a:r>
+                <a:r>
+                  <a:rPr lang="fr-FR" sz="2000" i="0" dirty="0">
+                    <a:solidFill>
+                      <a:schemeClr val="tx1"/>
+                    </a:solidFill>
+                  </a:rPr>
+                  <a:t>le taux d’utilisation</a:t>
+                </a:r>
+                <a:r>
+                  <a:rPr lang="fr-FR" sz="2000" dirty="0">
+                    <a:solidFill>
+                      <a:schemeClr val="tx1"/>
+                    </a:solidFill>
+                  </a:rPr>
+                  <a:t> </a:t>
+                </a:r>
+                <a:r>
+                  <a:rPr lang="fr-FR" sz="2000" i="0" dirty="0">
+                    <a:solidFill>
+                      <a:schemeClr val="tx1"/>
+                    </a:solidFill>
+                  </a:rPr>
+                  <a:t>de</a:t>
+                </a:r>
+                <a:r>
+                  <a:rPr lang="fr-FR" sz="2000" dirty="0"/>
+                  <a:t> </a:t>
+                </a:r>
+                <a14:m>
+                  <m:oMath xmlns:m="http://schemas.openxmlformats.org/officeDocument/2006/math">
+                    <m:sSub>
+                      <m:sSubPr>
+                        <m:ctrlPr>
+                          <a:rPr lang="fr-FR" sz="2000" b="1">
+                            <a:latin typeface="Cambria Math" panose="02040503050406030204" pitchFamily="18" charset="0"/>
+                          </a:rPr>
+                        </m:ctrlPr>
+                      </m:sSubPr>
+                      <m:e>
+                        <m:r>
+                          <a:rPr lang="fr-FR" sz="2000" b="1" i="1">
+                            <a:latin typeface="Cambria Math" panose="02040503050406030204" pitchFamily="18" charset="0"/>
+                            <a:ea typeface="Cambria Math" panose="02040503050406030204" pitchFamily="18" charset="0"/>
+                          </a:rPr>
+                          <m:t>𝝉</m:t>
+                        </m:r>
+                      </m:e>
+                      <m:sub>
+                        <m:r>
+                          <a:rPr lang="fr-FR" sz="2000" b="1" i="1">
+                            <a:latin typeface="Cambria Math" panose="02040503050406030204" pitchFamily="18" charset="0"/>
+                          </a:rPr>
+                          <m:t>𝒊</m:t>
+                        </m:r>
+                      </m:sub>
+                    </m:sSub>
+                  </m:oMath>
+                </a14:m>
+                <a:r>
+                  <a:rPr lang="fr-FR" sz="2000" b="1" dirty="0">
+                    <a:solidFill>
+                      <a:schemeClr val="tx1"/>
+                    </a:solidFill>
+                  </a:rPr>
+                  <a:t> </a:t>
+                </a:r>
+                <a:r>
+                  <a:rPr lang="fr-FR" sz="2000" i="0" dirty="0">
+                    <a:solidFill>
+                      <a:schemeClr val="tx1"/>
+                    </a:solidFill>
+                  </a:rPr>
+                  <a:t>configuré en </a:t>
+                </a:r>
+                <a:r>
+                  <a:rPr lang="fr-FR" sz="2000" b="1" dirty="0">
+                    <a:solidFill>
+                      <a:schemeClr val="tx1"/>
+                    </a:solidFill>
+                  </a:rPr>
+                  <a:t>c</a:t>
+                </a:r>
+                <a:r>
+                  <a:rPr lang="fr-FR" sz="2000" dirty="0">
+                    <a:solidFill>
+                      <a:schemeClr val="tx1"/>
+                    </a:solidFill>
+                  </a:rPr>
+                  <a:t>.</a:t>
+                </a:r>
+              </a:p>
+              <a:p>
+                <a:pPr algn="just"/>
+                <a14:m>
+                  <m:oMath xmlns:m="http://schemas.openxmlformats.org/officeDocument/2006/math">
+                    <m:sSup>
+                      <m:sSupPr>
+                        <m:ctrlPr>
+                          <a:rPr lang="fr-FR" sz="2000" b="1" i="1" smtClean="0">
+                            <a:solidFill>
+                              <a:schemeClr val="tx1"/>
+                            </a:solidFill>
+                            <a:latin typeface="+mn-lt"/>
+                          </a:rPr>
+                        </m:ctrlPr>
+                      </m:sSupPr>
+                      <m:e>
+                        <m:r>
+                          <a:rPr lang="fr-FR" sz="2000" b="1" i="1" smtClean="0">
+                            <a:solidFill>
+                              <a:schemeClr val="tx1"/>
+                            </a:solidFill>
+                            <a:latin typeface="+mn-lt"/>
+                          </a:rPr>
+                          <m:t>𝑴</m:t>
+                        </m:r>
+                      </m:e>
+                      <m:sup>
+                        <m:r>
+                          <a:rPr lang="fr-FR" sz="2000" b="1" i="1" smtClean="0">
+                            <a:solidFill>
+                              <a:schemeClr val="tx1"/>
+                            </a:solidFill>
+                            <a:latin typeface="+mn-lt"/>
+                          </a:rPr>
+                          <m:t>𝑺</m:t>
+                        </m:r>
+                      </m:sup>
+                    </m:sSup>
+                  </m:oMath>
+                </a14:m>
+                <a:r>
+                  <a:rPr lang="fr-FR" sz="2000" b="1" i="0" dirty="0">
+                    <a:solidFill>
+                      <a:schemeClr val="tx1"/>
+                    </a:solidFill>
+                    <a:latin typeface="+mn-lt"/>
+                  </a:rPr>
+                  <a:t> </a:t>
+                </a:r>
+                <a:r>
+                  <a:rPr lang="fr-FR" sz="2000" i="0" dirty="0">
+                    <a:latin typeface="+mn-lt"/>
+                  </a:rPr>
+                  <a:t>l</a:t>
+                </a:r>
+                <a:r>
+                  <a:rPr lang="fr-FR" sz="2000" i="0" dirty="0">
+                    <a:solidFill>
+                      <a:schemeClr val="tx1"/>
+                    </a:solidFill>
+                    <a:latin typeface="+mn-lt"/>
+                  </a:rPr>
+                  <a:t>’espace de stockage de la mémoire </a:t>
+                </a:r>
+                <a:r>
+                  <a:rPr lang="fr-FR" sz="2000" b="1" dirty="0">
+                    <a:solidFill>
+                      <a:schemeClr val="tx1"/>
+                    </a:solidFill>
+                    <a:latin typeface="+mn-lt"/>
+                  </a:rPr>
+                  <a:t>S</a:t>
+                </a:r>
+                <a:r>
+                  <a:rPr lang="fr-FR" sz="2000" i="0" dirty="0">
+                    <a:solidFill>
+                      <a:schemeClr val="tx1"/>
+                    </a:solidFill>
+                    <a:latin typeface="+mn-lt"/>
+                  </a:rPr>
+                  <a:t> (CCM, FLASH, SRAM) et </a:t>
+                </a:r>
+                <a14:m>
+                  <m:oMath xmlns:m="http://schemas.openxmlformats.org/officeDocument/2006/math">
+                    <m:sSubSup>
+                      <m:sSubSupPr>
+                        <m:ctrlPr>
+                          <a:rPr lang="fr-FR" sz="2000" b="1">
+                            <a:solidFill>
+                              <a:schemeClr val="tx1"/>
+                            </a:solidFill>
+                            <a:latin typeface="+mn-lt"/>
+                          </a:rPr>
+                        </m:ctrlPr>
+                      </m:sSubSupPr>
+                      <m:e>
+                        <m:r>
+                          <a:rPr lang="fr-FR" sz="2000" b="1" i="1" smtClean="0">
+                            <a:solidFill>
+                              <a:schemeClr val="tx1"/>
+                            </a:solidFill>
+                            <a:latin typeface="+mn-lt"/>
+                          </a:rPr>
+                          <m:t>𝑬</m:t>
+                        </m:r>
+                      </m:e>
+                      <m:sub>
+                        <m:r>
+                          <a:rPr lang="fr-FR" sz="2000" b="1" i="1">
+                            <a:solidFill>
+                              <a:schemeClr val="tx1"/>
+                            </a:solidFill>
+                            <a:latin typeface="+mn-lt"/>
+                          </a:rPr>
+                          <m:t>𝒊</m:t>
+                        </m:r>
+                      </m:sub>
+                      <m:sup>
+                        <m:r>
+                          <a:rPr lang="fr-FR" sz="2000" b="1" i="1" smtClean="0">
+                            <a:solidFill>
+                              <a:schemeClr val="tx1"/>
+                            </a:solidFill>
+                            <a:latin typeface="+mn-lt"/>
+                          </a:rPr>
+                          <m:t>𝒄</m:t>
+                        </m:r>
+                      </m:sup>
+                    </m:sSubSup>
+                    <m:r>
+                      <a:rPr lang="fr-FR" sz="2000">
+                        <a:solidFill>
+                          <a:schemeClr val="tx1"/>
+                        </a:solidFill>
+                        <a:latin typeface="+mn-lt"/>
+                      </a:rPr>
+                      <m:t> </m:t>
+                    </m:r>
+                  </m:oMath>
+                </a14:m>
+                <a:r>
+                  <a:rPr lang="fr-FR" sz="2000" i="0" dirty="0">
+                    <a:solidFill>
+                      <a:schemeClr val="tx1"/>
+                    </a:solidFill>
+                    <a:latin typeface="+mn-lt"/>
+                  </a:rPr>
+                  <a:t>l’énergie de </a:t>
+                </a:r>
+                <a14:m>
+                  <m:oMath xmlns:m="http://schemas.openxmlformats.org/officeDocument/2006/math">
+                    <m:sSub>
+                      <m:sSubPr>
+                        <m:ctrlPr>
+                          <a:rPr lang="fr-FR" sz="2000" b="1">
+                            <a:latin typeface="Cambria Math" panose="02040503050406030204" pitchFamily="18" charset="0"/>
+                          </a:rPr>
+                        </m:ctrlPr>
+                      </m:sSubPr>
+                      <m:e>
+                        <m:r>
+                          <a:rPr lang="fr-FR" sz="2000" b="1" i="1">
+                            <a:latin typeface="Cambria Math" panose="02040503050406030204" pitchFamily="18" charset="0"/>
+                            <a:ea typeface="Cambria Math" panose="02040503050406030204" pitchFamily="18" charset="0"/>
+                          </a:rPr>
+                          <m:t>𝛕</m:t>
+                        </m:r>
+                      </m:e>
+                      <m:sub>
+                        <m:r>
+                          <a:rPr lang="fr-FR" sz="2000" b="1" i="1">
+                            <a:latin typeface="Cambria Math" panose="02040503050406030204" pitchFamily="18" charset="0"/>
+                          </a:rPr>
+                          <m:t>𝐢</m:t>
+                        </m:r>
+                      </m:sub>
+                    </m:sSub>
+                  </m:oMath>
+                </a14:m>
+                <a:r>
+                  <a:rPr lang="fr-FR" sz="2000" b="1" i="0" dirty="0">
+                    <a:solidFill>
+                      <a:schemeClr val="tx1"/>
+                    </a:solidFill>
+                    <a:latin typeface="+mn-lt"/>
+                  </a:rPr>
+                  <a:t> </a:t>
+                </a:r>
+                <a:r>
+                  <a:rPr lang="fr-FR" sz="2000" i="0" dirty="0">
+                    <a:solidFill>
+                      <a:schemeClr val="tx1"/>
+                    </a:solidFill>
+                    <a:latin typeface="+mn-lt"/>
+                  </a:rPr>
+                  <a:t>avec la configuration </a:t>
+                </a:r>
+                <a:r>
+                  <a:rPr lang="fr-FR" sz="2000" b="1" dirty="0">
+                    <a:solidFill>
+                      <a:schemeClr val="tx1"/>
+                    </a:solidFill>
+                    <a:latin typeface="+mn-lt"/>
+                  </a:rPr>
+                  <a:t>c</a:t>
+                </a:r>
+                <a:r>
+                  <a:rPr lang="fr-FR" sz="2000" i="0" dirty="0">
+                    <a:solidFill>
+                      <a:schemeClr val="tx1"/>
+                    </a:solidFill>
+                    <a:latin typeface="+mn-lt"/>
+                  </a:rPr>
+                  <a:t>. </a:t>
+                </a:r>
+                <a:endParaRPr lang="fr-FR" sz="2000" i="0" dirty="0"/>
+              </a:p>
+            </p:txBody>
+          </p:sp>
+        </mc:Choice>
+        <mc:Fallback>
+          <p:sp>
+            <p:nvSpPr>
+              <p:cNvPr id="52" name="ZoneTexte 51">
+                <a:extLst>
+                  <a:ext uri="{FF2B5EF4-FFF2-40B4-BE49-F238E27FC236}">
+                    <a16:creationId xmlns:a16="http://schemas.microsoft.com/office/drawing/2014/main" id="{B11BCD2B-A341-955F-01F3-DF962981950B}"/>
+                  </a:ext>
+                </a:extLst>
+              </p:cNvPr>
+              <p:cNvSpPr txBox="1">
+                <a:spLocks noRot="1" noChangeAspect="1" noMove="1" noResize="1" noEditPoints="1" noAdjustHandles="1" noChangeArrowheads="1" noChangeShapeType="1" noTextEdit="1"/>
+              </p:cNvSpPr>
+              <p:nvPr/>
+            </p:nvSpPr>
+            <p:spPr>
+              <a:xfrm>
+                <a:off x="15856626" y="31915843"/>
+                <a:ext cx="13160129" cy="1022652"/>
+              </a:xfrm>
+              <a:prstGeom prst="rect">
+                <a:avLst/>
+              </a:prstGeom>
+              <a:blipFill>
+                <a:blip r:embed="rId22"/>
+                <a:stretch>
+                  <a:fillRect l="-463" t="-3593" b="-10180"/>
+                </a:stretch>
+              </a:blipFill>
+            </p:spPr>
+            <p:txBody>
+              <a:bodyPr/>
+              <a:lstStyle/>
+              <a:p>
+                <a:r>
+                  <a:rPr lang="fr-FR">
+                    <a:noFill/>
+                  </a:rPr>
+                  <a:t> </a:t>
+                </a:r>
+              </a:p>
+            </p:txBody>
+          </p:sp>
+        </mc:Fallback>
+      </mc:AlternateContent>
+      <p:sp>
+        <p:nvSpPr>
+          <p:cNvPr id="2059" name="Rectangle 5"/>
+          <p:cNvSpPr>
+            <a:spLocks noChangeArrowheads="1"/>
+          </p:cNvSpPr>
           <p:nvPr/>
         </p:nvSpPr>
-        <p:spPr>
+        <p:spPr bwMode="auto">
           <a:xfrm>
-            <a:off x="1495455" y="33578603"/>
-            <a:ext cx="12996458" cy="461665"/>
+            <a:off x="1294069" y="2281325"/>
+            <a:ext cx="27579638" cy="1479390"/>
           </a:xfrm>
           <a:prstGeom prst="rect">
             <a:avLst/>
           </a:prstGeom>
           <a:noFill/>
+          <a:ln w="9525" algn="ctr">
+            <a:noFill/>
+            <a:round/>
+            <a:headEnd/>
+            <a:tailEnd/>
+          </a:ln>
         </p:spPr>
         <p:txBody>
-          <a:bodyPr wrap="square" rtlCol="0">
-            <a:spAutoFit/>
-          </a:bodyPr>
-          <a:lstStyle/>
-          <a:p>
-            <a:r>
-              <a:rPr lang="fr-FR" sz="2400" dirty="0"/>
-              <a:t>Résultat d’une mesure d’intensité sur l’exécution du pointer </a:t>
-            </a:r>
-            <a:r>
-              <a:rPr lang="fr-FR" sz="2400" dirty="0" err="1"/>
-              <a:t>chase</a:t>
-            </a:r>
-            <a:endParaRPr lang="en-GB" sz="2400" dirty="0"/>
-          </a:p>
-        </p:txBody>
-      </p:sp>
-      <p:sp>
-        <p:nvSpPr>
-          <p:cNvPr id="48" name="ZoneTexte 47">
-            <a:extLst>
-              <a:ext uri="{FF2B5EF4-FFF2-40B4-BE49-F238E27FC236}">
-                <a16:creationId xmlns:a16="http://schemas.microsoft.com/office/drawing/2014/main" id="{C900F82A-BCEA-A308-7FD4-CA428271AF9A}"/>
-              </a:ext>
-            </a:extLst>
-          </p:cNvPr>
-          <p:cNvSpPr txBox="1"/>
-          <p:nvPr/>
-        </p:nvSpPr>
-        <p:spPr>
-          <a:xfrm>
-            <a:off x="1312424" y="34606331"/>
-            <a:ext cx="13179486" cy="6494085"/>
-          </a:xfrm>
-          <a:prstGeom prst="rect">
-            <a:avLst/>
-          </a:prstGeom>
-          <a:noFill/>
-        </p:spPr>
-        <p:txBody>
-          <a:bodyPr wrap="square" rtlCol="0">
-            <a:spAutoFit/>
-          </a:bodyPr>
-          <a:lstStyle/>
-          <a:p>
-            <a:r>
-              <a:rPr lang="fr-FR" sz="3200" dirty="0"/>
-              <a:t>Pour obtenir suffisamment de données nous avons écrit 10 benchmarks tournant sur les deux processeurs. </a:t>
-            </a:r>
-          </a:p>
-          <a:p>
-            <a:endParaRPr lang="fr-FR" sz="3200" dirty="0"/>
-          </a:p>
-          <a:p>
-            <a:r>
-              <a:rPr lang="fr-FR" sz="3200" dirty="0"/>
-              <a:t>Nous exécutons chacun des benchmarks à différentes fréquences et avec toutes les configurations mémoire possible : </a:t>
-            </a:r>
-          </a:p>
-          <a:p>
-            <a:endParaRPr lang="fr-FR" sz="3200" dirty="0"/>
-          </a:p>
-          <a:p>
-            <a:pPr marL="914400" lvl="1" indent="-457200">
-              <a:buFont typeface="Arial" panose="020B0604020202020204" pitchFamily="34" charset="0"/>
+          <a:bodyPr/>
+          <a:lstStyle>
+            <a:lvl1pPr defTabSz="4175125" eaLnBrk="0" hangingPunct="0">
+              <a:spcBef>
+                <a:spcPct val="20000"/>
+              </a:spcBef>
               <a:buChar char="•"/>
-            </a:pPr>
-            <a:r>
-              <a:rPr lang="fr-FR" sz="3200" dirty="0"/>
-              <a:t>Instructions dans le CCM, la SRAM ou la FLASH </a:t>
-            </a:r>
-          </a:p>
-          <a:p>
-            <a:pPr marL="914400" lvl="1" indent="-457200">
-              <a:buFont typeface="Arial" panose="020B0604020202020204" pitchFamily="34" charset="0"/>
+              <a:defRPr sz="14600">
+                <a:solidFill>
+                  <a:schemeClr val="tx1"/>
+                </a:solidFill>
+                <a:latin typeface="Arial" panose="020B0604020202020204" pitchFamily="34" charset="0"/>
+              </a:defRPr>
+            </a:lvl1pPr>
+            <a:lvl2pPr marL="742950" indent="-285750" defTabSz="4175125" eaLnBrk="0" hangingPunct="0">
+              <a:spcBef>
+                <a:spcPct val="20000"/>
+              </a:spcBef>
+              <a:buChar char="–"/>
+              <a:defRPr sz="12800">
+                <a:solidFill>
+                  <a:schemeClr val="tx1"/>
+                </a:solidFill>
+                <a:latin typeface="Arial" panose="020B0604020202020204" pitchFamily="34" charset="0"/>
+              </a:defRPr>
+            </a:lvl2pPr>
+            <a:lvl3pPr marL="1143000" indent="-228600" defTabSz="4175125" eaLnBrk="0" hangingPunct="0">
+              <a:spcBef>
+                <a:spcPct val="20000"/>
+              </a:spcBef>
               <a:buChar char="•"/>
-            </a:pPr>
-            <a:r>
-              <a:rPr lang="fr-FR" sz="3200" dirty="0"/>
-              <a:t>Données d’entrées dans la SRAM </a:t>
-            </a:r>
-          </a:p>
-          <a:p>
-            <a:pPr marL="914400" lvl="1" indent="-457200">
-              <a:buFont typeface="Arial" panose="020B0604020202020204" pitchFamily="34" charset="0"/>
-              <a:buChar char="•"/>
-            </a:pPr>
-            <a:r>
-              <a:rPr lang="fr-FR" sz="3200" dirty="0"/>
-              <a:t>Données en lecture seule dans le CCM, la SRAM ou la FLASH</a:t>
-            </a:r>
-          </a:p>
-          <a:p>
-            <a:pPr lvl="1"/>
-            <a:endParaRPr lang="fr-FR" sz="3200" dirty="0"/>
-          </a:p>
-          <a:p>
-            <a:pPr lvl="1"/>
-            <a:r>
-              <a:rPr lang="fr-FR" sz="3200" dirty="0"/>
-              <a:t>Le graphique ci-dessus peut être sauvegardé en format CSV et grâce à un script python nous pouvons récolter les informations de consommation pour tous les benchmarks </a:t>
-            </a:r>
-          </a:p>
-        </p:txBody>
-      </p:sp>
-      <p:pic>
-        <p:nvPicPr>
-          <p:cNvPr id="52" name="Image 51">
-            <a:extLst>
-              <a:ext uri="{FF2B5EF4-FFF2-40B4-BE49-F238E27FC236}">
-                <a16:creationId xmlns:a16="http://schemas.microsoft.com/office/drawing/2014/main" id="{402107B9-A7CC-7644-30B4-668E37EE89AF}"/>
-              </a:ext>
-            </a:extLst>
-          </p:cNvPr>
-          <p:cNvPicPr>
-            <a:picLocks noChangeAspect="1"/>
-          </p:cNvPicPr>
-          <p:nvPr/>
-        </p:nvPicPr>
-        <p:blipFill rotWithShape="1">
-          <a:blip r:embed="rId10"/>
-          <a:srcRect t="2258" r="311"/>
-          <a:stretch/>
-        </p:blipFill>
-        <p:spPr>
-          <a:xfrm>
-            <a:off x="16985371" y="9551033"/>
-            <a:ext cx="10488683" cy="4992203"/>
-          </a:xfrm>
-          <a:prstGeom prst="rect">
-            <a:avLst/>
-          </a:prstGeom>
-          <a:ln w="38100" cap="sq">
-            <a:solidFill>
-              <a:srgbClr val="000000"/>
-            </a:solidFill>
-            <a:prstDash val="solid"/>
-            <a:miter lim="800000"/>
-          </a:ln>
-          <a:effectLst>
-            <a:outerShdw blurRad="50800" dist="38100" dir="2700000" algn="tl" rotWithShape="0">
-              <a:srgbClr val="000000">
-                <a:alpha val="43000"/>
-              </a:srgbClr>
-            </a:outerShdw>
-          </a:effectLst>
-        </p:spPr>
-      </p:pic>
-      <p:sp>
-        <p:nvSpPr>
-          <p:cNvPr id="53" name="ZoneTexte 52">
-            <a:extLst>
-              <a:ext uri="{FF2B5EF4-FFF2-40B4-BE49-F238E27FC236}">
-                <a16:creationId xmlns:a16="http://schemas.microsoft.com/office/drawing/2014/main" id="{6F507FBA-519E-555E-F5D9-595DB8D711C2}"/>
-              </a:ext>
-            </a:extLst>
-          </p:cNvPr>
-          <p:cNvSpPr txBox="1"/>
-          <p:nvPr/>
-        </p:nvSpPr>
-        <p:spPr>
-          <a:xfrm>
-            <a:off x="16247788" y="8286063"/>
-            <a:ext cx="12565281" cy="769441"/>
-          </a:xfrm>
-          <a:prstGeom prst="rect">
-            <a:avLst/>
-          </a:prstGeom>
-          <a:noFill/>
-        </p:spPr>
-        <p:txBody>
-          <a:bodyPr wrap="square" rtlCol="0">
-            <a:spAutoFit/>
-          </a:bodyPr>
-          <a:lstStyle/>
-          <a:p>
-            <a:pPr algn="ctr"/>
-            <a:r>
-              <a:rPr lang="fr-FR" sz="4400" b="1" dirty="0">
-                <a:effectLst>
-                  <a:outerShdw blurRad="38100" dist="38100" dir="2700000" algn="tl">
-                    <a:srgbClr val="000000">
-                      <a:alpha val="43137"/>
-                    </a:srgbClr>
-                  </a:outerShdw>
-                </a:effectLst>
-              </a:rPr>
-              <a:t>Un impact du CCM sur l’énergie</a:t>
-            </a:r>
-            <a:endParaRPr lang="en-GB" sz="4400" b="1" dirty="0">
-              <a:effectLst>
-                <a:outerShdw blurRad="38100" dist="38100" dir="2700000" algn="tl">
-                  <a:srgbClr val="000000">
-                    <a:alpha val="43137"/>
-                  </a:srgbClr>
-                </a:outerShdw>
-              </a:effectLst>
-            </a:endParaRPr>
-          </a:p>
-        </p:txBody>
-      </p:sp>
-      <p:sp>
-        <p:nvSpPr>
-          <p:cNvPr id="54" name="ZoneTexte 53">
-            <a:extLst>
-              <a:ext uri="{FF2B5EF4-FFF2-40B4-BE49-F238E27FC236}">
-                <a16:creationId xmlns:a16="http://schemas.microsoft.com/office/drawing/2014/main" id="{71243D71-56FC-2349-0D57-6074B3B50284}"/>
-              </a:ext>
-            </a:extLst>
-          </p:cNvPr>
-          <p:cNvSpPr txBox="1"/>
-          <p:nvPr/>
-        </p:nvSpPr>
-        <p:spPr>
-          <a:xfrm>
-            <a:off x="16932006" y="14577100"/>
-            <a:ext cx="12996458" cy="461665"/>
-          </a:xfrm>
-          <a:prstGeom prst="rect">
-            <a:avLst/>
-          </a:prstGeom>
-          <a:noFill/>
-        </p:spPr>
-        <p:txBody>
-          <a:bodyPr wrap="square" rtlCol="0">
-            <a:spAutoFit/>
-          </a:bodyPr>
-          <a:lstStyle/>
-          <a:p>
-            <a:r>
-              <a:rPr lang="fr-FR" sz="2400" dirty="0"/>
-              <a:t>Amélioration de l’énergie en déplaçant les instructions de la FLASH vers le CCM</a:t>
-            </a:r>
-            <a:endParaRPr lang="en-GB" sz="2400" dirty="0"/>
-          </a:p>
-        </p:txBody>
-      </p:sp>
-      <p:sp>
-        <p:nvSpPr>
-          <p:cNvPr id="55" name="ZoneTexte 54">
-            <a:extLst>
-              <a:ext uri="{FF2B5EF4-FFF2-40B4-BE49-F238E27FC236}">
-                <a16:creationId xmlns:a16="http://schemas.microsoft.com/office/drawing/2014/main" id="{2D6EB7F7-83F8-56D5-BFD6-DA14DCE929E4}"/>
-              </a:ext>
-            </a:extLst>
-          </p:cNvPr>
-          <p:cNvSpPr txBox="1"/>
-          <p:nvPr/>
-        </p:nvSpPr>
-        <p:spPr>
-          <a:xfrm>
-            <a:off x="16247788" y="15426011"/>
-            <a:ext cx="12644273" cy="3539430"/>
-          </a:xfrm>
-          <a:prstGeom prst="rect">
-            <a:avLst/>
-          </a:prstGeom>
-          <a:noFill/>
-        </p:spPr>
-        <p:txBody>
-          <a:bodyPr wrap="square" rtlCol="0">
-            <a:spAutoFit/>
-          </a:bodyPr>
-          <a:lstStyle/>
-          <a:p>
-            <a:r>
-              <a:rPr lang="fr-FR" sz="3200" dirty="0"/>
-              <a:t>Quand la fréquence augmente l’impact du CCM est de plus en plus notable. </a:t>
-            </a:r>
-          </a:p>
-          <a:p>
-            <a:endParaRPr lang="fr-FR" sz="3200" dirty="0"/>
-          </a:p>
-          <a:p>
-            <a:r>
-              <a:rPr lang="fr-FR" sz="3200" dirty="0"/>
-              <a:t>La mémoire FLASH a une vitesse maximale inférieur à celle du processeur. Si la différence entre ces deux vitesses est trop grande alors le processeur doit attendre ce qui augmente le temps d’exécution et l’énergie</a:t>
-            </a:r>
-          </a:p>
-        </p:txBody>
-      </p:sp>
-      <p:sp>
-        <p:nvSpPr>
-          <p:cNvPr id="56" name="ZoneTexte 55">
-            <a:extLst>
-              <a:ext uri="{FF2B5EF4-FFF2-40B4-BE49-F238E27FC236}">
-                <a16:creationId xmlns:a16="http://schemas.microsoft.com/office/drawing/2014/main" id="{B00874AC-BFD9-84A1-35BD-D966114CAD08}"/>
-              </a:ext>
-            </a:extLst>
-          </p:cNvPr>
-          <p:cNvSpPr txBox="1"/>
-          <p:nvPr/>
-        </p:nvSpPr>
-        <p:spPr>
-          <a:xfrm>
-            <a:off x="16570500" y="19320947"/>
-            <a:ext cx="12565281" cy="769441"/>
-          </a:xfrm>
-          <a:prstGeom prst="rect">
-            <a:avLst/>
-          </a:prstGeom>
-          <a:noFill/>
-        </p:spPr>
-        <p:txBody>
-          <a:bodyPr wrap="square" rtlCol="0">
-            <a:spAutoFit/>
-          </a:bodyPr>
-          <a:lstStyle/>
-          <a:p>
-            <a:pPr algn="ctr"/>
-            <a:r>
-              <a:rPr lang="fr-FR" sz="4400" b="1" dirty="0">
-                <a:effectLst>
-                  <a:outerShdw blurRad="38100" dist="38100" dir="2700000" algn="tl">
-                    <a:srgbClr val="000000">
-                      <a:alpha val="43137"/>
-                    </a:srgbClr>
-                  </a:outerShdw>
-                </a:effectLst>
-              </a:rPr>
-              <a:t>Minimiser l’énergie dans le cas du temps réel</a:t>
-            </a:r>
-            <a:endParaRPr lang="en-GB" sz="4400" b="1" dirty="0">
-              <a:effectLst>
-                <a:outerShdw blurRad="38100" dist="38100" dir="2700000" algn="tl">
-                  <a:srgbClr val="000000">
-                    <a:alpha val="43137"/>
-                  </a:srgbClr>
-                </a:outerShdw>
-              </a:effectLst>
-            </a:endParaRPr>
-          </a:p>
-        </p:txBody>
-      </p:sp>
-      <p:sp>
-        <p:nvSpPr>
-          <p:cNvPr id="58" name="Rectangle 57">
-            <a:extLst>
-              <a:ext uri="{FF2B5EF4-FFF2-40B4-BE49-F238E27FC236}">
-                <a16:creationId xmlns:a16="http://schemas.microsoft.com/office/drawing/2014/main" id="{131C9E25-E914-2F3B-708D-665F25B12FCF}"/>
-              </a:ext>
-            </a:extLst>
-          </p:cNvPr>
-          <p:cNvSpPr/>
-          <p:nvPr/>
-        </p:nvSpPr>
-        <p:spPr bwMode="auto">
-          <a:xfrm>
-            <a:off x="18732776" y="21056368"/>
-            <a:ext cx="2870787" cy="2748916"/>
-          </a:xfrm>
-          <a:prstGeom prst="rect">
-            <a:avLst/>
-          </a:prstGeom>
-          <a:solidFill>
-            <a:schemeClr val="accent1"/>
-          </a:solidFill>
-          <a:ln w="9525" cap="flat" cmpd="sng" algn="ctr">
-            <a:solidFill>
-              <a:schemeClr val="tx1"/>
-            </a:solidFill>
-            <a:prstDash val="solid"/>
-            <a:round/>
-            <a:headEnd type="none" w="med" len="med"/>
-            <a:tailEnd type="none" w="med" len="med"/>
-          </a:ln>
-          <a:effectLst/>
-        </p:spPr>
-        <p:txBody>
-          <a:bodyPr vert="horz" wrap="square" lIns="91440" tIns="45720" rIns="91440" bIns="45720" numCol="1" rtlCol="0" anchor="t" anchorCtr="0" compatLnSpc="1">
-            <a:prstTxWarp prst="textNoShape">
-              <a:avLst/>
-            </a:prstTxWarp>
-          </a:bodyPr>
-          <a:lstStyle/>
-          <a:p>
-            <a:pPr marL="0" marR="0" indent="0" algn="l" defTabSz="4175125" rtl="0" eaLnBrk="1" fontAlgn="base" latinLnBrk="0" hangingPunct="1">
-              <a:lnSpc>
-                <a:spcPct val="100000"/>
-              </a:lnSpc>
+              <a:defRPr sz="11000">
+                <a:solidFill>
+                  <a:schemeClr val="tx1"/>
+                </a:solidFill>
+                <a:latin typeface="Arial" panose="020B0604020202020204" pitchFamily="34" charset="0"/>
+              </a:defRPr>
+            </a:lvl3pPr>
+            <a:lvl4pPr marL="1600200" indent="-228600" defTabSz="4175125" eaLnBrk="0" hangingPunct="0">
               <a:spcBef>
-                <a:spcPct val="0"/>
+                <a:spcPct val="20000"/>
+              </a:spcBef>
+              <a:buChar char="–"/>
+              <a:defRPr sz="9100">
+                <a:solidFill>
+                  <a:schemeClr val="tx1"/>
+                </a:solidFill>
+                <a:latin typeface="Arial" panose="020B0604020202020204" pitchFamily="34" charset="0"/>
+              </a:defRPr>
+            </a:lvl4pPr>
+            <a:lvl5pPr marL="2057400" indent="-228600" defTabSz="4175125" eaLnBrk="0" hangingPunct="0">
+              <a:spcBef>
+                <a:spcPct val="20000"/>
+              </a:spcBef>
+              <a:buChar char="»"/>
+              <a:defRPr sz="9100">
+                <a:solidFill>
+                  <a:schemeClr val="tx1"/>
+                </a:solidFill>
+                <a:latin typeface="Arial" panose="020B0604020202020204" pitchFamily="34" charset="0"/>
+              </a:defRPr>
+            </a:lvl5pPr>
+            <a:lvl6pPr marL="2514600" indent="-228600" defTabSz="4175125" eaLnBrk="0" fontAlgn="base" hangingPunct="0">
+              <a:spcBef>
+                <a:spcPct val="20000"/>
               </a:spcBef>
               <a:spcAft>
                 <a:spcPct val="0"/>
               </a:spcAft>
-              <a:buClrTx/>
-              <a:buSzTx/>
-              <a:buFontTx/>
-              <a:buNone/>
-              <a:tabLst/>
-            </a:pPr>
-            <a:endParaRPr kumimoji="0" lang="en-GB" sz="8300" b="0" i="0" u="none" strike="noStrike" cap="none" normalizeH="0" baseline="0">
-              <a:ln>
-                <a:noFill/>
-              </a:ln>
-              <a:solidFill>
-                <a:schemeClr val="tx1"/>
-              </a:solidFill>
-              <a:effectLst/>
-              <a:latin typeface="Arial" charset="0"/>
-            </a:endParaRPr>
-          </a:p>
-        </p:txBody>
-      </p:sp>
-      <p:pic>
-        <p:nvPicPr>
-          <p:cNvPr id="59" name="Image 58">
-            <a:extLst>
-              <a:ext uri="{FF2B5EF4-FFF2-40B4-BE49-F238E27FC236}">
-                <a16:creationId xmlns:a16="http://schemas.microsoft.com/office/drawing/2014/main" id="{D75A3D53-3176-A1CB-743F-F5E1B38DD3E1}"/>
-              </a:ext>
-            </a:extLst>
-          </p:cNvPr>
-          <p:cNvPicPr>
-            <a:picLocks noChangeAspect="1"/>
-          </p:cNvPicPr>
-          <p:nvPr/>
-        </p:nvPicPr>
-        <p:blipFill>
-          <a:blip r:embed="rId11"/>
-          <a:stretch>
-            <a:fillRect/>
-          </a:stretch>
-        </p:blipFill>
-        <p:spPr>
-          <a:xfrm>
-            <a:off x="18770382" y="21722901"/>
-            <a:ext cx="2822380" cy="1058392"/>
-          </a:xfrm>
-          <a:prstGeom prst="rect">
-            <a:avLst/>
-          </a:prstGeom>
-        </p:spPr>
-      </p:pic>
-      <p:sp>
-        <p:nvSpPr>
-          <p:cNvPr id="60" name="ZoneTexte 59">
-            <a:extLst>
-              <a:ext uri="{FF2B5EF4-FFF2-40B4-BE49-F238E27FC236}">
-                <a16:creationId xmlns:a16="http://schemas.microsoft.com/office/drawing/2014/main" id="{2E3C0697-6FEE-7D02-03C5-EFD08A1C855B}"/>
-              </a:ext>
-            </a:extLst>
-          </p:cNvPr>
-          <p:cNvSpPr txBox="1"/>
-          <p:nvPr/>
-        </p:nvSpPr>
-        <p:spPr>
-          <a:xfrm>
-            <a:off x="18716603" y="20141815"/>
-            <a:ext cx="2870787" cy="954107"/>
-          </a:xfrm>
-          <a:prstGeom prst="rect">
-            <a:avLst/>
-          </a:prstGeom>
-          <a:noFill/>
-        </p:spPr>
-        <p:txBody>
-          <a:bodyPr wrap="square" rtlCol="0">
-            <a:spAutoFit/>
-          </a:bodyPr>
-          <a:lstStyle/>
-          <a:p>
-            <a:pPr algn="ctr"/>
-            <a:r>
-              <a:rPr lang="fr-FR" sz="2800" dirty="0"/>
-              <a:t>Modèle d’optimisation</a:t>
-            </a:r>
-            <a:endParaRPr lang="en-GB" sz="2800" dirty="0"/>
-          </a:p>
-        </p:txBody>
-      </p:sp>
-      <p:sp>
-        <p:nvSpPr>
-          <p:cNvPr id="61" name="Flèche : bas 60">
-            <a:extLst>
-              <a:ext uri="{FF2B5EF4-FFF2-40B4-BE49-F238E27FC236}">
-                <a16:creationId xmlns:a16="http://schemas.microsoft.com/office/drawing/2014/main" id="{7AE15958-9355-3A93-6FC9-D8CECCA8CD77}"/>
-              </a:ext>
-            </a:extLst>
-          </p:cNvPr>
-          <p:cNvSpPr/>
-          <p:nvPr/>
-        </p:nvSpPr>
-        <p:spPr bwMode="auto">
-          <a:xfrm rot="16200000">
-            <a:off x="22019657" y="21379305"/>
-            <a:ext cx="1101160" cy="1570156"/>
-          </a:xfrm>
-          <a:prstGeom prst="downArrow">
-            <a:avLst/>
-          </a:prstGeom>
-          <a:solidFill>
-            <a:schemeClr val="accent1"/>
-          </a:solidFill>
-          <a:ln w="9525" cap="flat" cmpd="sng" algn="ctr">
-            <a:solidFill>
-              <a:schemeClr val="tx1"/>
-            </a:solidFill>
-            <a:prstDash val="solid"/>
-            <a:round/>
-            <a:headEnd type="none" w="med" len="med"/>
-            <a:tailEnd type="none" w="med" len="med"/>
-          </a:ln>
-          <a:effectLst/>
-        </p:spPr>
-        <p:txBody>
-          <a:bodyPr vert="horz" wrap="square" lIns="91440" tIns="45720" rIns="91440" bIns="45720" numCol="1" rtlCol="0" anchor="t" anchorCtr="0" compatLnSpc="1">
-            <a:prstTxWarp prst="textNoShape">
-              <a:avLst/>
-            </a:prstTxWarp>
-          </a:bodyPr>
-          <a:lstStyle/>
-          <a:p>
-            <a:pPr marL="0" marR="0" indent="0" algn="l" defTabSz="4175125" rtl="0" eaLnBrk="1" fontAlgn="base" latinLnBrk="0" hangingPunct="1">
-              <a:lnSpc>
-                <a:spcPct val="100000"/>
-              </a:lnSpc>
+              <a:buChar char="»"/>
+              <a:defRPr sz="9100">
+                <a:solidFill>
+                  <a:schemeClr val="tx1"/>
+                </a:solidFill>
+                <a:latin typeface="Arial" panose="020B0604020202020204" pitchFamily="34" charset="0"/>
+              </a:defRPr>
+            </a:lvl6pPr>
+            <a:lvl7pPr marL="2971800" indent="-228600" defTabSz="4175125" eaLnBrk="0" fontAlgn="base" hangingPunct="0">
               <a:spcBef>
-                <a:spcPct val="0"/>
+                <a:spcPct val="20000"/>
               </a:spcBef>
               <a:spcAft>
                 <a:spcPct val="0"/>
               </a:spcAft>
-              <a:buClrTx/>
-              <a:buSzTx/>
-              <a:buFontTx/>
-              <a:buNone/>
-              <a:tabLst/>
-            </a:pPr>
-            <a:endParaRPr kumimoji="0" lang="en-GB" sz="8300" b="0" i="0" u="none" strike="noStrike" cap="none" normalizeH="0" baseline="0" dirty="0">
-              <a:ln>
-                <a:noFill/>
-              </a:ln>
-              <a:solidFill>
-                <a:schemeClr val="tx1"/>
-              </a:solidFill>
-              <a:effectLst/>
-              <a:latin typeface="Arial" charset="0"/>
-            </a:endParaRPr>
-          </a:p>
-        </p:txBody>
-      </p:sp>
-      <p:pic>
-        <p:nvPicPr>
-          <p:cNvPr id="62" name="Image 61">
-            <a:extLst>
-              <a:ext uri="{FF2B5EF4-FFF2-40B4-BE49-F238E27FC236}">
-                <a16:creationId xmlns:a16="http://schemas.microsoft.com/office/drawing/2014/main" id="{5F94702B-E54F-58E1-3E8A-B2DF6BBBDD7A}"/>
-              </a:ext>
-            </a:extLst>
-          </p:cNvPr>
-          <p:cNvPicPr>
-            <a:picLocks noChangeAspect="1"/>
-          </p:cNvPicPr>
-          <p:nvPr/>
-        </p:nvPicPr>
-        <p:blipFill>
-          <a:blip r:embed="rId12"/>
-          <a:stretch>
-            <a:fillRect/>
-          </a:stretch>
-        </p:blipFill>
-        <p:spPr>
-          <a:xfrm>
-            <a:off x="23442202" y="20475847"/>
-            <a:ext cx="6469133" cy="3681956"/>
-          </a:xfrm>
-          <a:prstGeom prst="rect">
-            <a:avLst/>
-          </a:prstGeom>
-          <a:ln w="38100" cap="sq">
-            <a:solidFill>
-              <a:srgbClr val="000000"/>
-            </a:solidFill>
-            <a:prstDash val="solid"/>
-            <a:miter lim="800000"/>
-          </a:ln>
-          <a:effectLst>
-            <a:outerShdw blurRad="50800" dist="38100" dir="2700000" algn="tl" rotWithShape="0">
-              <a:srgbClr val="000000">
-                <a:alpha val="43000"/>
-              </a:srgbClr>
-            </a:outerShdw>
-          </a:effectLst>
-        </p:spPr>
-      </p:pic>
-      <p:sp>
-        <p:nvSpPr>
-          <p:cNvPr id="63" name="Flèche : bas 62">
-            <a:extLst>
-              <a:ext uri="{FF2B5EF4-FFF2-40B4-BE49-F238E27FC236}">
-                <a16:creationId xmlns:a16="http://schemas.microsoft.com/office/drawing/2014/main" id="{AA011CF6-22BE-E378-CD9E-510DCE9CFA25}"/>
-              </a:ext>
-            </a:extLst>
-          </p:cNvPr>
-          <p:cNvSpPr/>
-          <p:nvPr/>
-        </p:nvSpPr>
-        <p:spPr bwMode="auto">
-          <a:xfrm rot="16200000">
-            <a:off x="17241008" y="21430114"/>
-            <a:ext cx="1101160" cy="1570156"/>
-          </a:xfrm>
-          <a:prstGeom prst="downArrow">
-            <a:avLst/>
-          </a:prstGeom>
-          <a:solidFill>
-            <a:schemeClr val="accent1"/>
-          </a:solidFill>
-          <a:ln w="9525" cap="flat" cmpd="sng" algn="ctr">
-            <a:solidFill>
-              <a:schemeClr val="tx1"/>
-            </a:solidFill>
-            <a:prstDash val="solid"/>
-            <a:round/>
-            <a:headEnd type="none" w="med" len="med"/>
-            <a:tailEnd type="none" w="med" len="med"/>
-          </a:ln>
-          <a:effectLst/>
-        </p:spPr>
-        <p:txBody>
-          <a:bodyPr vert="horz" wrap="square" lIns="91440" tIns="45720" rIns="91440" bIns="45720" numCol="1" rtlCol="0" anchor="t" anchorCtr="0" compatLnSpc="1">
-            <a:prstTxWarp prst="textNoShape">
-              <a:avLst/>
-            </a:prstTxWarp>
-          </a:bodyPr>
-          <a:lstStyle/>
-          <a:p>
-            <a:pPr marL="0" marR="0" indent="0" algn="l" defTabSz="4175125" rtl="0" eaLnBrk="1" fontAlgn="base" latinLnBrk="0" hangingPunct="1">
-              <a:lnSpc>
-                <a:spcPct val="100000"/>
-              </a:lnSpc>
+              <a:buChar char="»"/>
+              <a:defRPr sz="9100">
+                <a:solidFill>
+                  <a:schemeClr val="tx1"/>
+                </a:solidFill>
+                <a:latin typeface="Arial" panose="020B0604020202020204" pitchFamily="34" charset="0"/>
+              </a:defRPr>
+            </a:lvl7pPr>
+            <a:lvl8pPr marL="3429000" indent="-228600" defTabSz="4175125" eaLnBrk="0" fontAlgn="base" hangingPunct="0">
               <a:spcBef>
-                <a:spcPct val="0"/>
+                <a:spcPct val="20000"/>
               </a:spcBef>
               <a:spcAft>
                 <a:spcPct val="0"/>
               </a:spcAft>
-              <a:buClrTx/>
-              <a:buSzTx/>
-              <a:buFontTx/>
-              <a:buNone/>
-              <a:tabLst/>
-            </a:pPr>
-            <a:endParaRPr kumimoji="0" lang="en-GB" sz="8300" b="0" i="0" u="none" strike="noStrike" cap="none" normalizeH="0" baseline="0" dirty="0">
-              <a:ln>
-                <a:noFill/>
-              </a:ln>
-              <a:solidFill>
-                <a:schemeClr val="tx1"/>
-              </a:solidFill>
-              <a:effectLst/>
-              <a:latin typeface="Arial" charset="0"/>
-            </a:endParaRPr>
-          </a:p>
-        </p:txBody>
-      </p:sp>
-      <p:sp>
-        <p:nvSpPr>
-          <p:cNvPr id="1024" name="ZoneTexte 1023">
-            <a:extLst>
-              <a:ext uri="{FF2B5EF4-FFF2-40B4-BE49-F238E27FC236}">
-                <a16:creationId xmlns:a16="http://schemas.microsoft.com/office/drawing/2014/main" id="{4E9E4EBF-FDEF-712A-69F3-998C3F9D54C7}"/>
-              </a:ext>
-            </a:extLst>
-          </p:cNvPr>
-          <p:cNvSpPr txBox="1"/>
-          <p:nvPr/>
-        </p:nvSpPr>
-        <p:spPr>
-          <a:xfrm>
-            <a:off x="15934595" y="24585829"/>
-            <a:ext cx="13953055" cy="9941183"/>
-          </a:xfrm>
-          <a:prstGeom prst="rect">
-            <a:avLst/>
-          </a:prstGeom>
-          <a:noFill/>
-        </p:spPr>
-        <p:txBody>
-          <a:bodyPr wrap="square" rtlCol="0">
-            <a:spAutoFit/>
-          </a:bodyPr>
-          <a:lstStyle/>
-          <a:p>
-            <a:r>
-              <a:rPr lang="fr-FR" sz="3200" dirty="0"/>
-              <a:t>Pour toutes les taches du </a:t>
-            </a:r>
-            <a:r>
-              <a:rPr lang="fr-FR" sz="3200" dirty="0" err="1"/>
-              <a:t>taskset</a:t>
-            </a:r>
-            <a:r>
-              <a:rPr lang="fr-FR" sz="3200" dirty="0"/>
-              <a:t> nous avons les données de temps d’exécution et d’énergie pour chaque configuration mémoire. </a:t>
-            </a:r>
-          </a:p>
-          <a:p>
-            <a:endParaRPr lang="fr-FR" sz="3200" dirty="0"/>
-          </a:p>
-          <a:p>
-            <a:r>
-              <a:rPr lang="fr-FR" sz="3200" dirty="0"/>
-              <a:t>Grâce à cela le modèle d’optimisation peut trouver l’allocation de l’ensemble des tâches pour minimiser l’énergie. </a:t>
-            </a:r>
-          </a:p>
-          <a:p>
-            <a:endParaRPr lang="fr-FR" sz="3200" dirty="0"/>
-          </a:p>
-          <a:p>
-            <a:r>
-              <a:rPr lang="fr-FR" sz="3200" dirty="0"/>
-              <a:t>Le modèle respecte des contraintes : </a:t>
-            </a:r>
-          </a:p>
-          <a:p>
-            <a:endParaRPr lang="fr-FR" sz="3200" dirty="0"/>
-          </a:p>
-          <a:p>
-            <a:pPr marL="457200" indent="-457200">
-              <a:buFont typeface="Arial" panose="020B0604020202020204" pitchFamily="34" charset="0"/>
-              <a:buChar char="•"/>
-            </a:pPr>
-            <a:r>
-              <a:rPr lang="fr-FR" sz="3200" b="1" dirty="0"/>
-              <a:t>Temps réel : </a:t>
-            </a:r>
-            <a:r>
-              <a:rPr lang="fr-FR" sz="3200" dirty="0"/>
-              <a:t>les deadlines des tâches doivent être respectées </a:t>
-            </a:r>
-          </a:p>
-          <a:p>
-            <a:pPr marL="457200" indent="-457200">
-              <a:buFont typeface="Arial" panose="020B0604020202020204" pitchFamily="34" charset="0"/>
-              <a:buChar char="•"/>
-            </a:pPr>
-            <a:endParaRPr lang="fr-FR" sz="3200" dirty="0"/>
-          </a:p>
-          <a:p>
-            <a:pPr marL="457200" indent="-457200">
-              <a:buFont typeface="Arial" panose="020B0604020202020204" pitchFamily="34" charset="0"/>
-              <a:buChar char="•"/>
-            </a:pPr>
-            <a:r>
-              <a:rPr lang="fr-FR" sz="3200" b="1" dirty="0"/>
-              <a:t>Mémoire : </a:t>
-            </a:r>
-            <a:r>
-              <a:rPr lang="fr-FR" sz="3200" dirty="0"/>
-              <a:t>nous spécifions les capacités de chacune des mémoires et elles ne doivent pas être dépassé </a:t>
-            </a:r>
-          </a:p>
-          <a:p>
-            <a:endParaRPr lang="fr-FR" sz="3200" dirty="0"/>
-          </a:p>
-          <a:p>
-            <a:endParaRPr lang="fr-FR" sz="3200" dirty="0"/>
-          </a:p>
-          <a:p>
-            <a:r>
-              <a:rPr lang="fr-FR" sz="3600" b="1" dirty="0"/>
-              <a:t>Résultats : </a:t>
-            </a:r>
-          </a:p>
-          <a:p>
-            <a:endParaRPr lang="fr-FR" sz="3200" dirty="0"/>
-          </a:p>
-          <a:p>
-            <a:r>
-              <a:rPr lang="fr-FR" sz="3200" dirty="0"/>
-              <a:t>Le modèle peut permettre d’économiser jusqu’à 21% d’énergie. </a:t>
-            </a:r>
-          </a:p>
-          <a:p>
-            <a:r>
-              <a:rPr lang="fr-FR" sz="3200" dirty="0"/>
-              <a:t>Pour cela les tâches allouées au CCM tournent à fréquence maximale et fait gagner du temps pour pouvoir faire tourner les autres tâches depuis la FLASH le plus lentement possible </a:t>
-            </a:r>
-          </a:p>
-        </p:txBody>
-      </p:sp>
-      <p:sp>
-        <p:nvSpPr>
-          <p:cNvPr id="1025" name="Rectangle : coins arrondis 1024">
-            <a:extLst>
-              <a:ext uri="{FF2B5EF4-FFF2-40B4-BE49-F238E27FC236}">
-                <a16:creationId xmlns:a16="http://schemas.microsoft.com/office/drawing/2014/main" id="{622F1C95-748E-FC95-4413-871F0299439F}"/>
-              </a:ext>
-            </a:extLst>
-          </p:cNvPr>
-          <p:cNvSpPr/>
-          <p:nvPr/>
-        </p:nvSpPr>
-        <p:spPr bwMode="auto">
-          <a:xfrm>
-            <a:off x="15223622" y="21438590"/>
-            <a:ext cx="1699253" cy="1627014"/>
-          </a:xfrm>
-          <a:prstGeom prst="roundRect">
-            <a:avLst/>
-          </a:prstGeom>
-          <a:solidFill>
-            <a:schemeClr val="accent1"/>
-          </a:solidFill>
-          <a:ln w="9525" cap="flat" cmpd="sng" algn="ctr">
-            <a:solidFill>
-              <a:schemeClr val="tx1"/>
-            </a:solidFill>
-            <a:prstDash val="solid"/>
-            <a:round/>
-            <a:headEnd type="none" w="med" len="med"/>
-            <a:tailEnd type="none" w="med" len="med"/>
-          </a:ln>
-          <a:effectLst/>
-        </p:spPr>
-        <p:txBody>
-          <a:bodyPr vert="horz" wrap="square" lIns="91440" tIns="45720" rIns="91440" bIns="45720" numCol="1" rtlCol="0" anchor="t" anchorCtr="0" compatLnSpc="1">
-            <a:prstTxWarp prst="textNoShape">
-              <a:avLst/>
-            </a:prstTxWarp>
-          </a:bodyPr>
-          <a:lstStyle/>
-          <a:p>
-            <a:pPr marL="0" marR="0" indent="0" algn="ctr" defTabSz="4175125" rtl="0" eaLnBrk="1" fontAlgn="base" latinLnBrk="0" hangingPunct="1">
-              <a:lnSpc>
-                <a:spcPct val="100000"/>
-              </a:lnSpc>
+              <a:buChar char="»"/>
+              <a:defRPr sz="9100">
+                <a:solidFill>
+                  <a:schemeClr val="tx1"/>
+                </a:solidFill>
+                <a:latin typeface="Arial" panose="020B0604020202020204" pitchFamily="34" charset="0"/>
+              </a:defRPr>
+            </a:lvl8pPr>
+            <a:lvl9pPr marL="3886200" indent="-228600" defTabSz="4175125" eaLnBrk="0" fontAlgn="base" hangingPunct="0">
               <a:spcBef>
-                <a:spcPct val="0"/>
+                <a:spcPct val="20000"/>
               </a:spcBef>
               <a:spcAft>
                 <a:spcPct val="0"/>
               </a:spcAft>
-              <a:buClrTx/>
-              <a:buSzTx/>
-              <a:buFontTx/>
-              <a:buNone/>
-              <a:tabLst/>
-            </a:pPr>
-            <a:endParaRPr kumimoji="0" lang="fr-FR" sz="2800" b="0" i="0" u="none" strike="noStrike" cap="none" normalizeH="0" baseline="0" dirty="0">
-              <a:ln>
-                <a:noFill/>
-              </a:ln>
-              <a:solidFill>
-                <a:schemeClr val="tx1"/>
-              </a:solidFill>
-              <a:effectLst/>
-              <a:latin typeface="Arial" charset="0"/>
-            </a:endParaRPr>
-          </a:p>
-          <a:p>
-            <a:pPr marL="0" marR="0" indent="0" algn="ctr" defTabSz="4175125" rtl="0" eaLnBrk="1" fontAlgn="base" latinLnBrk="0" hangingPunct="1">
-              <a:lnSpc>
-                <a:spcPct val="100000"/>
-              </a:lnSpc>
+              <a:buChar char="»"/>
+              <a:defRPr sz="9100">
+                <a:solidFill>
+                  <a:schemeClr val="tx1"/>
+                </a:solidFill>
+                <a:latin typeface="Arial" panose="020B0604020202020204" pitchFamily="34" charset="0"/>
+              </a:defRPr>
+            </a:lvl9pPr>
+          </a:lstStyle>
+          <a:p>
+            <a:pPr algn="ctr" eaLnBrk="1" hangingPunct="1">
               <a:spcBef>
                 <a:spcPct val="0"/>
               </a:spcBef>
-              <a:spcAft>
-                <a:spcPct val="0"/>
-              </a:spcAft>
-              <a:buClrTx/>
-              <a:buSzTx/>
               <a:buFontTx/>
               <a:buNone/>
-              <a:tabLst/>
             </a:pPr>
             <a:r>
-              <a:rPr kumimoji="0" lang="fr-FR" sz="2800" b="0" i="0" u="none" strike="noStrike" cap="none" normalizeH="0" baseline="0" dirty="0" err="1">
-                <a:ln>
-                  <a:noFill/>
-                </a:ln>
-                <a:solidFill>
-                  <a:schemeClr val="tx1"/>
-                </a:solidFill>
-                <a:effectLst/>
-                <a:latin typeface="Arial" charset="0"/>
-              </a:rPr>
-              <a:t>Taskset</a:t>
+              <a:rPr lang="fr-FR" sz="4400" b="1" i="0" dirty="0"/>
+              <a:t>Trouver une méthode d’allocation mémoire afin de minimiser la consommation électrique d’un système temps réel.</a:t>
             </a:r>
-            <a:r>
-              <a:rPr lang="fr-FR" sz="2800" i="0" dirty="0">
-                <a:latin typeface="Arial" charset="0"/>
-              </a:rPr>
-              <a:t>  </a:t>
-            </a:r>
-          </a:p>
-          <a:p>
-            <a:pPr marL="0" marR="0" indent="0" algn="l" defTabSz="4175125" rtl="0" eaLnBrk="1" fontAlgn="base" latinLnBrk="0" hangingPunct="1">
-              <a:lnSpc>
-                <a:spcPct val="100000"/>
-              </a:lnSpc>
-              <a:spcBef>
-                <a:spcPct val="0"/>
-              </a:spcBef>
-              <a:spcAft>
-                <a:spcPct val="0"/>
-              </a:spcAft>
-              <a:buClrTx/>
-              <a:buSzTx/>
-              <a:buFontTx/>
-              <a:buNone/>
-              <a:tabLst/>
-            </a:pPr>
-            <a:endParaRPr kumimoji="0" lang="fr-FR" sz="2800" b="0" i="0" u="none" strike="noStrike" cap="none" normalizeH="0" baseline="0" dirty="0">
-              <a:ln>
-                <a:noFill/>
-              </a:ln>
-              <a:solidFill>
-                <a:schemeClr val="tx1"/>
-              </a:solidFill>
-              <a:effectLst/>
-              <a:latin typeface="Arial" charset="0"/>
-            </a:endParaRPr>
           </a:p>
         </p:txBody>
       </p:sp>
-      <p:pic>
-        <p:nvPicPr>
-          <p:cNvPr id="1028" name="Image 1027">
-            <a:extLst>
-              <a:ext uri="{FF2B5EF4-FFF2-40B4-BE49-F238E27FC236}">
-                <a16:creationId xmlns:a16="http://schemas.microsoft.com/office/drawing/2014/main" id="{DAC0A314-6BA8-4570-B490-A4424BA39C85}"/>
-              </a:ext>
-            </a:extLst>
-          </p:cNvPr>
-          <p:cNvPicPr>
-            <a:picLocks noChangeAspect="1"/>
-          </p:cNvPicPr>
-          <p:nvPr/>
-        </p:nvPicPr>
-        <p:blipFill>
-          <a:blip r:embed="rId13"/>
-          <a:stretch>
-            <a:fillRect/>
-          </a:stretch>
-        </p:blipFill>
-        <p:spPr>
-          <a:xfrm>
-            <a:off x="15644813" y="34885364"/>
-            <a:ext cx="7975308" cy="5149525"/>
-          </a:xfrm>
-          <a:prstGeom prst="rect">
-            <a:avLst/>
-          </a:prstGeom>
-        </p:spPr>
-      </p:pic>
-      <p:pic>
-        <p:nvPicPr>
-          <p:cNvPr id="1030" name="Image 1029">
-            <a:extLst>
-              <a:ext uri="{FF2B5EF4-FFF2-40B4-BE49-F238E27FC236}">
-                <a16:creationId xmlns:a16="http://schemas.microsoft.com/office/drawing/2014/main" id="{5A5062DB-2FB7-0AF6-AE2D-AD244D87D01F}"/>
-              </a:ext>
-            </a:extLst>
-          </p:cNvPr>
-          <p:cNvPicPr>
-            <a:picLocks noChangeAspect="1"/>
-          </p:cNvPicPr>
-          <p:nvPr/>
-        </p:nvPicPr>
-        <p:blipFill>
-          <a:blip r:embed="rId14"/>
-          <a:stretch>
-            <a:fillRect/>
-          </a:stretch>
-        </p:blipFill>
-        <p:spPr>
-          <a:xfrm>
-            <a:off x="21785159" y="34885364"/>
-            <a:ext cx="7941397" cy="5159111"/>
-          </a:xfrm>
-          <a:prstGeom prst="rect">
-            <a:avLst/>
-          </a:prstGeom>
-        </p:spPr>
-      </p:pic>
     </p:spTree>
     <p:extLst>
       <p:ext uri="{BB962C8B-B14F-4D97-AF65-F5344CB8AC3E}">
